--- a/documents/Hostel Sync PPT.pptx
+++ b/documents/Hostel Sync PPT.pptx
@@ -5,34 +5,23 @@
     <p:sldMasterId id="2147483648" r:id="rId4"/>
   </p:sldMasterIdLst>
   <p:notesMasterIdLst>
-    <p:notesMasterId r:id="rId27"/>
+    <p:notesMasterId r:id="rId16"/>
   </p:notesMasterIdLst>
   <p:handoutMasterIdLst>
-    <p:handoutMasterId r:id="rId28"/>
+    <p:handoutMasterId r:id="rId17"/>
   </p:handoutMasterIdLst>
   <p:sldIdLst>
     <p:sldId id="256" r:id="rId5"/>
     <p:sldId id="276" r:id="rId6"/>
     <p:sldId id="277" r:id="rId7"/>
     <p:sldId id="257" r:id="rId8"/>
-    <p:sldId id="270" r:id="rId9"/>
-    <p:sldId id="279" r:id="rId10"/>
-    <p:sldId id="284" r:id="rId11"/>
-    <p:sldId id="286" r:id="rId12"/>
-    <p:sldId id="296" r:id="rId13"/>
-    <p:sldId id="294" r:id="rId14"/>
-    <p:sldId id="297" r:id="rId15"/>
-    <p:sldId id="298" r:id="rId16"/>
-    <p:sldId id="299" r:id="rId17"/>
-    <p:sldId id="300" r:id="rId18"/>
-    <p:sldId id="301" r:id="rId19"/>
-    <p:sldId id="302" r:id="rId20"/>
-    <p:sldId id="303" r:id="rId21"/>
-    <p:sldId id="295" r:id="rId22"/>
-    <p:sldId id="281" r:id="rId23"/>
-    <p:sldId id="282" r:id="rId24"/>
-    <p:sldId id="283" r:id="rId25"/>
-    <p:sldId id="268" r:id="rId26"/>
+    <p:sldId id="302" r:id="rId9"/>
+    <p:sldId id="295" r:id="rId10"/>
+    <p:sldId id="282" r:id="rId11"/>
+    <p:sldId id="300" r:id="rId12"/>
+    <p:sldId id="301" r:id="rId13"/>
+    <p:sldId id="283" r:id="rId14"/>
+    <p:sldId id="268" r:id="rId15"/>
   </p:sldIdLst>
   <p:sldSz cx="9144000" cy="6858000" type="screen4x3"/>
   <p:notesSz cx="7559675" cy="10691813"/>
@@ -245,7 +234,7 @@
             <a:fld id="{25D2B5EB-424D-4C39-A8AB-65F1D7895EF3}" type="datetimeFigureOut">
               <a:rPr lang="en-US" smtClean="0"/>
               <a:pPr/>
-              <a:t>8/22/2024</a:t>
+              <a:t>9/2/2024</a:t>
             </a:fld>
             <a:endParaRPr lang="en-US"/>
           </a:p>
@@ -428,7 +417,7 @@
             <a:fld id="{888BC1CF-45D5-4DEE-AAB8-8C5341844FC9}" type="datetimeFigureOut">
               <a:rPr lang="en-US" smtClean="0"/>
               <a:pPr/>
-              <a:t>8/22/2024</a:t>
+              <a:t>9/2/2024</a:t>
             </a:fld>
             <a:endParaRPr lang="en-US"/>
           </a:p>
@@ -3642,7 +3631,7 @@
                 <a:ea typeface="MS PGothic"/>
                 <a:cs typeface="Times New Roman" panose="02020603050405020304" pitchFamily="18" charset="0"/>
               </a:rPr>
-              <a:t> 2210991236</a:t>
+              <a:t> 2210991234</a:t>
             </a:r>
           </a:p>
           <a:p>
@@ -3858,40 +3847,297 @@
           <a:chExt cx="0" cy="0"/>
         </a:xfrm>
       </p:grpSpPr>
-      <p:pic>
-        <p:nvPicPr>
-          <p:cNvPr id="2" name="Picture 1">
+      <p:sp>
+        <p:nvSpPr>
+          <p:cNvPr id="2" name="Title 1">
             <a:extLst>
               <a:ext uri="{FF2B5EF4-FFF2-40B4-BE49-F238E27FC236}">
-                <a16:creationId xmlns:a16="http://schemas.microsoft.com/office/drawing/2014/main" id="{82CA83BE-074D-830A-0AFE-938CA376FA8F}"/>
+                <a16:creationId xmlns:a16="http://schemas.microsoft.com/office/drawing/2014/main" id="{66039E87-B60E-5EF5-CEDC-2D0C01FF3F26}"/>
               </a:ext>
             </a:extLst>
           </p:cNvPr>
-          <p:cNvPicPr>
-            <a:picLocks noChangeAspect="1"/>
-          </p:cNvPicPr>
+          <p:cNvSpPr>
+            <a:spLocks noGrp="1"/>
+          </p:cNvSpPr>
+          <p:nvPr>
+            <p:ph type="title"/>
+          </p:nvPr>
+        </p:nvSpPr>
+        <p:spPr/>
+        <p:txBody>
+          <a:bodyPr/>
+          <a:lstStyle/>
+          <a:p>
+            <a:r>
+              <a:rPr lang="en-IN" sz="2000" b="1" dirty="0"/>
+              <a:t>   Bibliography/References</a:t>
+            </a:r>
+          </a:p>
+        </p:txBody>
+      </p:sp>
+      <p:sp>
+        <p:nvSpPr>
+          <p:cNvPr id="4" name="TextBox 3">
+            <a:extLst>
+              <a:ext uri="{FF2B5EF4-FFF2-40B4-BE49-F238E27FC236}">
+                <a16:creationId xmlns:a16="http://schemas.microsoft.com/office/drawing/2014/main" id="{F71A5A12-1171-C2B3-EFDF-B6D4E7700B33}"/>
+              </a:ext>
+            </a:extLst>
+          </p:cNvPr>
+          <p:cNvSpPr txBox="1"/>
           <p:nvPr/>
-        </p:nvPicPr>
-        <p:blipFill>
-          <a:blip r:embed="rId2"/>
-          <a:stretch>
-            <a:fillRect/>
-          </a:stretch>
-        </p:blipFill>
-        <p:spPr>
-          <a:xfrm>
-            <a:off x="0" y="923544"/>
-            <a:ext cx="9144000" cy="5641848"/>
-          </a:xfrm>
-          <a:prstGeom prst="rect">
-            <a:avLst/>
-          </a:prstGeom>
-        </p:spPr>
-      </p:pic>
+        </p:nvSpPr>
+        <p:spPr>
+          <a:xfrm>
+            <a:off x="117987" y="1032092"/>
+            <a:ext cx="8908026" cy="4770537"/>
+          </a:xfrm>
+          <a:prstGeom prst="rect">
+            <a:avLst/>
+          </a:prstGeom>
+          <a:noFill/>
+        </p:spPr>
+        <p:txBody>
+          <a:bodyPr wrap="square" rtlCol="0">
+            <a:spAutoFit/>
+          </a:bodyPr>
+          <a:lstStyle/>
+          <a:p>
+            <a:pPr>
+              <a:spcBef>
+                <a:spcPts val="1220"/>
+              </a:spcBef>
+              <a:tabLst>
+                <a:tab pos="758825" algn="l"/>
+                <a:tab pos="759460" algn="l"/>
+              </a:tabLst>
+            </a:pPr>
+            <a:r>
+              <a:rPr lang="en-IN" sz="1800" b="1" dirty="0">
+                <a:effectLst/>
+                <a:latin typeface="Times New Roman" panose="02020603050405020304" pitchFamily="18" charset="0"/>
+                <a:ea typeface="Times New Roman" panose="02020603050405020304" pitchFamily="18" charset="0"/>
+              </a:rPr>
+              <a:t> Websites and Online Resources:</a:t>
+            </a:r>
+            <a:endParaRPr lang="en-IN" sz="1800" dirty="0">
+              <a:effectLst/>
+              <a:latin typeface="Times New Roman" panose="02020603050405020304" pitchFamily="18" charset="0"/>
+              <a:ea typeface="Times New Roman" panose="02020603050405020304" pitchFamily="18" charset="0"/>
+            </a:endParaRPr>
+          </a:p>
+          <a:p>
+            <a:pPr marL="342900" lvl="0" indent="-342900">
+              <a:spcBef>
+                <a:spcPts val="1220"/>
+              </a:spcBef>
+              <a:buSzPts val="1000"/>
+              <a:buFont typeface="Symbol" panose="05050102010706020507" pitchFamily="18" charset="2"/>
+              <a:buChar char=""/>
+              <a:tabLst>
+                <a:tab pos="457200" algn="l"/>
+                <a:tab pos="758825" algn="l"/>
+                <a:tab pos="759460" algn="l"/>
+              </a:tabLst>
+            </a:pPr>
+            <a:r>
+              <a:rPr lang="en-IN" sz="1800" b="1" dirty="0">
+                <a:effectLst/>
+                <a:latin typeface="Times New Roman" panose="02020603050405020304" pitchFamily="18" charset="0"/>
+                <a:ea typeface="Times New Roman" panose="02020603050405020304" pitchFamily="18" charset="0"/>
+              </a:rPr>
+              <a:t>React.js Official Documentation (reactjs.org)</a:t>
+            </a:r>
+            <a:r>
+              <a:rPr lang="en-IN" sz="1800" dirty="0">
+                <a:effectLst/>
+                <a:latin typeface="Times New Roman" panose="02020603050405020304" pitchFamily="18" charset="0"/>
+                <a:ea typeface="Times New Roman" panose="02020603050405020304" pitchFamily="18" charset="0"/>
+              </a:rPr>
+              <a:t> – For understanding React.js concepts, components, and hooks.</a:t>
+            </a:r>
+          </a:p>
+          <a:p>
+            <a:pPr marL="342900" lvl="0" indent="-342900">
+              <a:spcBef>
+                <a:spcPts val="1220"/>
+              </a:spcBef>
+              <a:buSzPts val="1000"/>
+              <a:buFont typeface="Symbol" panose="05050102010706020507" pitchFamily="18" charset="2"/>
+              <a:buChar char=""/>
+              <a:tabLst>
+                <a:tab pos="457200" algn="l"/>
+                <a:tab pos="758825" algn="l"/>
+                <a:tab pos="759460" algn="l"/>
+              </a:tabLst>
+            </a:pPr>
+            <a:r>
+              <a:rPr lang="en-IN" sz="1800" b="1" dirty="0">
+                <a:effectLst/>
+                <a:latin typeface="Times New Roman" panose="02020603050405020304" pitchFamily="18" charset="0"/>
+                <a:ea typeface="Times New Roman" panose="02020603050405020304" pitchFamily="18" charset="0"/>
+              </a:rPr>
+              <a:t>NPM Documentation</a:t>
+            </a:r>
+            <a:r>
+              <a:rPr lang="en-IN" sz="1800" dirty="0">
+                <a:effectLst/>
+                <a:latin typeface="Times New Roman" panose="02020603050405020304" pitchFamily="18" charset="0"/>
+                <a:ea typeface="Times New Roman" panose="02020603050405020304" pitchFamily="18" charset="0"/>
+              </a:rPr>
+              <a:t>– For accessing various npm libraries.</a:t>
+            </a:r>
+          </a:p>
+          <a:p>
+            <a:pPr>
+              <a:spcBef>
+                <a:spcPts val="1220"/>
+              </a:spcBef>
+              <a:tabLst>
+                <a:tab pos="758825" algn="l"/>
+                <a:tab pos="759460" algn="l"/>
+              </a:tabLst>
+            </a:pPr>
+            <a:r>
+              <a:rPr lang="en-IN" sz="1800" b="1" dirty="0">
+                <a:effectLst/>
+                <a:latin typeface="Times New Roman" panose="02020603050405020304" pitchFamily="18" charset="0"/>
+                <a:ea typeface="Times New Roman" panose="02020603050405020304" pitchFamily="18" charset="0"/>
+              </a:rPr>
+              <a:t>Articles and Tutorials:</a:t>
+            </a:r>
+            <a:endParaRPr lang="en-IN" sz="1800" dirty="0">
+              <a:effectLst/>
+              <a:latin typeface="Times New Roman" panose="02020603050405020304" pitchFamily="18" charset="0"/>
+              <a:ea typeface="Times New Roman" panose="02020603050405020304" pitchFamily="18" charset="0"/>
+            </a:endParaRPr>
+          </a:p>
+          <a:p>
+            <a:pPr marL="342900" lvl="0" indent="-342900">
+              <a:spcBef>
+                <a:spcPts val="1220"/>
+              </a:spcBef>
+              <a:buSzPts val="1000"/>
+              <a:buFont typeface="Symbol" panose="05050102010706020507" pitchFamily="18" charset="2"/>
+              <a:buChar char=""/>
+              <a:tabLst>
+                <a:tab pos="457200" algn="l"/>
+                <a:tab pos="758825" algn="l"/>
+                <a:tab pos="759460" algn="l"/>
+              </a:tabLst>
+            </a:pPr>
+            <a:r>
+              <a:rPr lang="en-IN" sz="1800" b="1" dirty="0">
+                <a:effectLst/>
+                <a:latin typeface="Times New Roman" panose="02020603050405020304" pitchFamily="18" charset="0"/>
+                <a:ea typeface="Times New Roman" panose="02020603050405020304" pitchFamily="18" charset="0"/>
+              </a:rPr>
+              <a:t>"Understanding REST APIs" on Medium</a:t>
+            </a:r>
+            <a:r>
+              <a:rPr lang="en-IN" sz="1800" dirty="0">
+                <a:effectLst/>
+                <a:latin typeface="Times New Roman" panose="02020603050405020304" pitchFamily="18" charset="0"/>
+                <a:ea typeface="Times New Roman" panose="02020603050405020304" pitchFamily="18" charset="0"/>
+              </a:rPr>
+              <a:t> – For insights into building and consuming RESTful APIs.</a:t>
+            </a:r>
+          </a:p>
+          <a:p>
+            <a:pPr marL="342900" lvl="0" indent="-342900">
+              <a:spcBef>
+                <a:spcPts val="1220"/>
+              </a:spcBef>
+              <a:buSzPts val="1000"/>
+              <a:buFont typeface="Symbol" panose="05050102010706020507" pitchFamily="18" charset="2"/>
+              <a:buChar char=""/>
+              <a:tabLst>
+                <a:tab pos="457200" algn="l"/>
+                <a:tab pos="758825" algn="l"/>
+                <a:tab pos="759460" algn="l"/>
+              </a:tabLst>
+            </a:pPr>
+            <a:r>
+              <a:rPr lang="en-IN" sz="1800" b="1" dirty="0">
+                <a:effectLst/>
+                <a:latin typeface="Times New Roman" panose="02020603050405020304" pitchFamily="18" charset="0"/>
+                <a:ea typeface="Times New Roman" panose="02020603050405020304" pitchFamily="18" charset="0"/>
+              </a:rPr>
+              <a:t>"Building a Simple Node.js Backend" on Dev.to</a:t>
+            </a:r>
+            <a:r>
+              <a:rPr lang="en-IN" sz="1800" dirty="0">
+                <a:effectLst/>
+                <a:latin typeface="Times New Roman" panose="02020603050405020304" pitchFamily="18" charset="0"/>
+                <a:ea typeface="Times New Roman" panose="02020603050405020304" pitchFamily="18" charset="0"/>
+              </a:rPr>
+              <a:t> – A step-by-step guide for setting up a basic backend with Node.js and Express.</a:t>
+            </a:r>
+          </a:p>
+          <a:p>
+            <a:pPr>
+              <a:spcBef>
+                <a:spcPts val="1220"/>
+              </a:spcBef>
+              <a:tabLst>
+                <a:tab pos="758825" algn="l"/>
+                <a:tab pos="759460" algn="l"/>
+              </a:tabLst>
+            </a:pPr>
+            <a:r>
+              <a:rPr lang="en-IN" sz="1800" b="1" dirty="0">
+                <a:effectLst/>
+                <a:latin typeface="Times New Roman" panose="02020603050405020304" pitchFamily="18" charset="0"/>
+                <a:ea typeface="Times New Roman" panose="02020603050405020304" pitchFamily="18" charset="0"/>
+              </a:rPr>
+              <a:t> Tools and Libraries Documentation:</a:t>
+            </a:r>
+            <a:endParaRPr lang="en-IN" sz="1800" dirty="0">
+              <a:effectLst/>
+              <a:latin typeface="Times New Roman" panose="02020603050405020304" pitchFamily="18" charset="0"/>
+              <a:ea typeface="Times New Roman" panose="02020603050405020304" pitchFamily="18" charset="0"/>
+            </a:endParaRPr>
+          </a:p>
+          <a:p>
+            <a:pPr marL="342900" lvl="0" indent="-342900">
+              <a:spcBef>
+                <a:spcPts val="1220"/>
+              </a:spcBef>
+              <a:buSzPts val="1000"/>
+              <a:buFont typeface="Symbol" panose="05050102010706020507" pitchFamily="18" charset="2"/>
+              <a:buChar char=""/>
+              <a:tabLst>
+                <a:tab pos="457200" algn="l"/>
+                <a:tab pos="758825" algn="l"/>
+                <a:tab pos="759460" algn="l"/>
+              </a:tabLst>
+            </a:pPr>
+            <a:r>
+              <a:rPr lang="en-IN" sz="1800" b="1" dirty="0">
+                <a:effectLst/>
+                <a:latin typeface="Times New Roman" panose="02020603050405020304" pitchFamily="18" charset="0"/>
+                <a:ea typeface="Times New Roman" panose="02020603050405020304" pitchFamily="18" charset="0"/>
+              </a:rPr>
+              <a:t>Node.js Documentation (nodejs.org)</a:t>
+            </a:r>
+            <a:r>
+              <a:rPr lang="en-IN" sz="1800" dirty="0">
+                <a:effectLst/>
+                <a:latin typeface="Times New Roman" panose="02020603050405020304" pitchFamily="18" charset="0"/>
+                <a:ea typeface="Times New Roman" panose="02020603050405020304" pitchFamily="18" charset="0"/>
+              </a:rPr>
+              <a:t> – For understanding the Node.js runtime and its capabilities.</a:t>
+            </a:r>
+          </a:p>
+          <a:p>
+            <a:endParaRPr lang="en-IN" dirty="0"/>
+          </a:p>
+        </p:txBody>
+      </p:sp>
     </p:spTree>
     <p:extLst>
       <p:ext uri="{BB962C8B-B14F-4D97-AF65-F5344CB8AC3E}">
-        <p14:creationId xmlns:p14="http://schemas.microsoft.com/office/powerpoint/2010/main" val="3763266864"/>
+        <p14:creationId xmlns:p14="http://schemas.microsoft.com/office/powerpoint/2010/main" val="622029710"/>
       </p:ext>
     </p:extLst>
   </p:cSld>
@@ -3918,75 +4164,108 @@
           <a:chExt cx="0" cy="0"/>
         </a:xfrm>
       </p:grpSpPr>
-      <p:pic>
-        <p:nvPicPr>
-          <p:cNvPr id="2" name="Picture 1">
-            <a:extLst>
-              <a:ext uri="{FF2B5EF4-FFF2-40B4-BE49-F238E27FC236}">
-                <a16:creationId xmlns:a16="http://schemas.microsoft.com/office/drawing/2014/main" id="{FC6A2F30-F456-B550-75B5-6274272E980F}"/>
-              </a:ext>
-            </a:extLst>
-          </p:cNvPr>
-          <p:cNvPicPr>
-            <a:picLocks noChangeAspect="1"/>
-          </p:cNvPicPr>
-          <p:nvPr/>
-        </p:nvPicPr>
-        <p:blipFill>
-          <a:blip r:embed="rId2"/>
-          <a:stretch>
-            <a:fillRect/>
-          </a:stretch>
-        </p:blipFill>
-        <p:spPr>
-          <a:xfrm>
-            <a:off x="685800" y="919630"/>
-            <a:ext cx="7571232" cy="5747623"/>
-          </a:xfrm>
-          <a:prstGeom prst="rect">
-            <a:avLst/>
-          </a:prstGeom>
-        </p:spPr>
-      </p:pic>
-      <p:sp>
-        <p:nvSpPr>
-          <p:cNvPr id="3" name="TextBox 2">
-            <a:extLst>
-              <a:ext uri="{FF2B5EF4-FFF2-40B4-BE49-F238E27FC236}">
-                <a16:creationId xmlns:a16="http://schemas.microsoft.com/office/drawing/2014/main" id="{D6CABFD5-8267-1381-E5D2-3E4A3A6041C6}"/>
-              </a:ext>
-            </a:extLst>
-          </p:cNvPr>
+      <p:sp>
+        <p:nvSpPr>
+          <p:cNvPr id="108" name="TextShape 1"/>
           <p:cNvSpPr txBox="1"/>
           <p:nvPr/>
         </p:nvSpPr>
         <p:spPr>
           <a:xfrm>
-            <a:off x="173736" y="190747"/>
-            <a:ext cx="5945858" cy="461665"/>
+            <a:off x="1297577" y="2821578"/>
+            <a:ext cx="6705599" cy="1410788"/>
           </a:xfrm>
           <a:prstGeom prst="rect">
             <a:avLst/>
           </a:prstGeom>
           <a:noFill/>
-        </p:spPr>
-        <p:txBody>
-          <a:bodyPr wrap="none" rtlCol="0">
-            <a:spAutoFit/>
+          <a:ln w="9360">
+            <a:noFill/>
+          </a:ln>
+        </p:spPr>
+        <p:txBody>
+          <a:bodyPr anchor="ctr">
+            <a:noAutofit/>
           </a:bodyPr>
           <a:lstStyle/>
           <a:p>
-            <a:r>
-              <a:rPr lang="en-IN" sz="2400" b="1" dirty="0"/>
-              <a:t>Figma designs for other pages/features</a:t>
-            </a:r>
+            <a:pPr algn="ctr">
+              <a:lnSpc>
+                <a:spcPct val="100000"/>
+              </a:lnSpc>
+            </a:pPr>
+            <a:r>
+              <a:rPr lang="en" sz="5400" dirty="0">
+                <a:latin typeface="Times New Roman" panose="02020603050405020304" pitchFamily="18" charset="0"/>
+                <a:cs typeface="Times New Roman" panose="02020603050405020304" pitchFamily="18" charset="0"/>
+              </a:rPr>
+              <a:t>Thank You</a:t>
+            </a:r>
+            <a:endParaRPr lang="en-US" sz="5400" b="0" strike="noStrike" spc="-1" dirty="0">
+              <a:solidFill>
+                <a:srgbClr val="000000"/>
+              </a:solidFill>
+              <a:latin typeface="Times New Roman" panose="02020603050405020304" pitchFamily="18" charset="0"/>
+              <a:cs typeface="Times New Roman" panose="02020603050405020304" pitchFamily="18" charset="0"/>
+            </a:endParaRPr>
+          </a:p>
+        </p:txBody>
+      </p:sp>
+      <p:sp>
+        <p:nvSpPr>
+          <p:cNvPr id="110" name="TextShape 3"/>
+          <p:cNvSpPr txBox="1"/>
+          <p:nvPr/>
+        </p:nvSpPr>
+        <p:spPr>
+          <a:xfrm>
+            <a:off x="6553080" y="6356520"/>
+            <a:ext cx="2133360" cy="364680"/>
+          </a:xfrm>
+          <a:prstGeom prst="rect">
+            <a:avLst/>
+          </a:prstGeom>
+          <a:noFill/>
+          <a:ln>
+            <a:noFill/>
+          </a:ln>
+        </p:spPr>
+        <p:txBody>
+          <a:bodyPr anchor="ctr">
+            <a:noAutofit/>
+          </a:bodyPr>
+          <a:lstStyle/>
+          <a:p>
+            <a:pPr algn="r">
+              <a:lnSpc>
+                <a:spcPct val="100000"/>
+              </a:lnSpc>
+            </a:pPr>
+            <a:fld id="{4D4FEEEE-7AC5-48A9-86F4-13448BE87B58}" type="slidenum">
+              <a:rPr lang="en-US" sz="1200" b="1" strike="noStrike" spc="-1">
+                <a:solidFill>
+                  <a:srgbClr val="000000"/>
+                </a:solidFill>
+                <a:latin typeface="Calibri"/>
+                <a:ea typeface="MS PGothic"/>
+              </a:rPr>
+              <a:pPr algn="r">
+                <a:lnSpc>
+                  <a:spcPct val="100000"/>
+                </a:lnSpc>
+              </a:pPr>
+              <a:t>11</a:t>
+            </a:fld>
+            <a:endParaRPr lang="en-GB" sz="1200" b="0" strike="noStrike" spc="-1">
+              <a:latin typeface="Times New Roman"/>
+            </a:endParaRPr>
           </a:p>
         </p:txBody>
       </p:sp>
     </p:spTree>
     <p:extLst>
       <p:ext uri="{BB962C8B-B14F-4D97-AF65-F5344CB8AC3E}">
-        <p14:creationId xmlns:p14="http://schemas.microsoft.com/office/powerpoint/2010/main" val="522178991"/>
+        <p14:creationId xmlns:p14="http://schemas.microsoft.com/office/powerpoint/2010/main" val="2834479809"/>
       </p:ext>
     </p:extLst>
   </p:cSld>
@@ -3996,7 +4275,7 @@
 </p:sld>
 </file>
 
-<file path=ppt/slides/slide12.xml><?xml version="1.0" encoding="utf-8"?>
+<file path=ppt/slides/slide2.xml><?xml version="1.0" encoding="utf-8"?>
 <p:sld xmlns:a="http://schemas.openxmlformats.org/drawingml/2006/main" xmlns:r="http://schemas.openxmlformats.org/officeDocument/2006/relationships" xmlns:p="http://schemas.openxmlformats.org/presentationml/2006/main">
   <p:cSld>
     <p:spTree>
@@ -4013,40 +4292,161 @@
           <a:chExt cx="0" cy="0"/>
         </a:xfrm>
       </p:grpSpPr>
-      <p:pic>
-        <p:nvPicPr>
-          <p:cNvPr id="2" name="Picture 1">
-            <a:extLst>
-              <a:ext uri="{FF2B5EF4-FFF2-40B4-BE49-F238E27FC236}">
-                <a16:creationId xmlns:a16="http://schemas.microsoft.com/office/drawing/2014/main" id="{65D6D530-F180-9601-62A8-426F25768397}"/>
-              </a:ext>
-            </a:extLst>
-          </p:cNvPr>
-          <p:cNvPicPr>
-            <a:picLocks noChangeAspect="1"/>
-          </p:cNvPicPr>
+      <p:sp>
+        <p:nvSpPr>
+          <p:cNvPr id="108" name="TextShape 1"/>
+          <p:cNvSpPr txBox="1"/>
           <p:nvPr/>
-        </p:nvPicPr>
-        <p:blipFill>
-          <a:blip r:embed="rId2"/>
-          <a:stretch>
-            <a:fillRect/>
-          </a:stretch>
-        </p:blipFill>
-        <p:spPr>
-          <a:xfrm>
-            <a:off x="777241" y="813816"/>
-            <a:ext cx="7108538" cy="5404104"/>
-          </a:xfrm>
-          <a:prstGeom prst="rect">
-            <a:avLst/>
-          </a:prstGeom>
-        </p:spPr>
-      </p:pic>
+        </p:nvSpPr>
+        <p:spPr>
+          <a:xfrm>
+            <a:off x="350640" y="0"/>
+            <a:ext cx="6019560" cy="837720"/>
+          </a:xfrm>
+          <a:prstGeom prst="rect">
+            <a:avLst/>
+          </a:prstGeom>
+          <a:noFill/>
+          <a:ln w="9360">
+            <a:noFill/>
+          </a:ln>
+        </p:spPr>
+        <p:txBody>
+          <a:bodyPr anchor="ctr">
+            <a:noAutofit/>
+          </a:bodyPr>
+          <a:lstStyle/>
+          <a:p>
+            <a:pPr algn="ctr">
+              <a:lnSpc>
+                <a:spcPct val="100000"/>
+              </a:lnSpc>
+            </a:pPr>
+            <a:r>
+              <a:rPr lang="en-US" sz="3000" b="0" strike="noStrike" spc="-1" dirty="0">
+                <a:solidFill>
+                  <a:srgbClr val="000000"/>
+                </a:solidFill>
+                <a:latin typeface="Times New Roman" panose="02020603050405020304" pitchFamily="18" charset="0"/>
+                <a:cs typeface="Times New Roman" panose="02020603050405020304" pitchFamily="18" charset="0"/>
+              </a:rPr>
+              <a:t>Abstract</a:t>
+            </a:r>
+          </a:p>
+        </p:txBody>
+      </p:sp>
+      <p:sp>
+        <p:nvSpPr>
+          <p:cNvPr id="110" name="TextShape 3"/>
+          <p:cNvSpPr txBox="1"/>
+          <p:nvPr/>
+        </p:nvSpPr>
+        <p:spPr>
+          <a:xfrm>
+            <a:off x="6553080" y="6356520"/>
+            <a:ext cx="2133360" cy="364680"/>
+          </a:xfrm>
+          <a:prstGeom prst="rect">
+            <a:avLst/>
+          </a:prstGeom>
+          <a:noFill/>
+          <a:ln>
+            <a:noFill/>
+          </a:ln>
+        </p:spPr>
+        <p:txBody>
+          <a:bodyPr anchor="ctr">
+            <a:noAutofit/>
+          </a:bodyPr>
+          <a:lstStyle/>
+          <a:p>
+            <a:pPr algn="r">
+              <a:lnSpc>
+                <a:spcPct val="100000"/>
+              </a:lnSpc>
+            </a:pPr>
+            <a:fld id="{4D4FEEEE-7AC5-48A9-86F4-13448BE87B58}" type="slidenum">
+              <a:rPr lang="en-US" sz="1200" b="1" strike="noStrike" spc="-1">
+                <a:solidFill>
+                  <a:srgbClr val="000000"/>
+                </a:solidFill>
+                <a:latin typeface="Calibri"/>
+                <a:ea typeface="MS PGothic"/>
+              </a:rPr>
+              <a:pPr algn="r">
+                <a:lnSpc>
+                  <a:spcPct val="100000"/>
+                </a:lnSpc>
+              </a:pPr>
+              <a:t>2</a:t>
+            </a:fld>
+            <a:endParaRPr lang="en-GB" sz="1200" b="0" strike="noStrike" spc="-1">
+              <a:latin typeface="Times New Roman"/>
+            </a:endParaRPr>
+          </a:p>
+        </p:txBody>
+      </p:sp>
+      <p:sp>
+        <p:nvSpPr>
+          <p:cNvPr id="5" name="TextShape 2"/>
+          <p:cNvSpPr txBox="1"/>
+          <p:nvPr/>
+        </p:nvSpPr>
+        <p:spPr>
+          <a:xfrm>
+            <a:off x="164008" y="1109742"/>
+            <a:ext cx="8838720" cy="5359884"/>
+          </a:xfrm>
+          <a:prstGeom prst="rect">
+            <a:avLst/>
+          </a:prstGeom>
+          <a:noFill/>
+          <a:ln w="9360">
+            <a:noFill/>
+          </a:ln>
+        </p:spPr>
+        <p:txBody>
+          <a:bodyPr>
+            <a:noAutofit/>
+          </a:bodyPr>
+          <a:lstStyle/>
+          <a:p>
+            <a:pPr marL="285750" indent="-285750">
+              <a:buFont typeface="Arial" panose="020B0604020202020204" pitchFamily="34" charset="0"/>
+              <a:buChar char="•"/>
+            </a:pPr>
+            <a:r>
+              <a:rPr lang="en-GB" b="1" dirty="0"/>
+              <a:t>Hostel Sync </a:t>
+            </a:r>
+            <a:r>
+              <a:rPr lang="en-GB" dirty="0"/>
+              <a:t>is a web-based application designed to streamline the administrative tasks and operations of hostels. This system offers a comprehensive solution for managing various aspects of hostel management, including student registration, accommodation allocation, fee management, attendance tracking, and maintenance requests.</a:t>
+            </a:r>
+          </a:p>
+          <a:p>
+            <a:pPr marL="285750" indent="-285750">
+              <a:buFont typeface="Arial" panose="020B0604020202020204" pitchFamily="34" charset="0"/>
+              <a:buChar char="•"/>
+            </a:pPr>
+            <a:endParaRPr lang="en-GB" dirty="0"/>
+          </a:p>
+          <a:p>
+            <a:pPr marL="285750" indent="-285750">
+              <a:buFont typeface="Arial" panose="020B0604020202020204" pitchFamily="34" charset="0"/>
+              <a:buChar char="•"/>
+            </a:pPr>
+            <a:r>
+              <a:rPr lang="en-GB" dirty="0"/>
+              <a:t>The system aims to improve efficiency, transparency, and communication within the hostel environment. By automating routine tasks, reducing paperwork, and providing real-time access to information, it empowers hostel administrators to make informed decisions and enhance the overall hostel experience for both students and staff.</a:t>
+            </a:r>
+          </a:p>
+        </p:txBody>
+      </p:sp>
     </p:spTree>
     <p:extLst>
       <p:ext uri="{BB962C8B-B14F-4D97-AF65-F5344CB8AC3E}">
-        <p14:creationId xmlns:p14="http://schemas.microsoft.com/office/powerpoint/2010/main" val="1723839079"/>
+        <p14:creationId xmlns:p14="http://schemas.microsoft.com/office/powerpoint/2010/main" val="2552008277"/>
       </p:ext>
     </p:extLst>
   </p:cSld>
@@ -4056,7 +4456,534 @@
 </p:sld>
 </file>
 
-<file path=ppt/slides/slide13.xml><?xml version="1.0" encoding="utf-8"?>
+<file path=ppt/slides/slide3.xml><?xml version="1.0" encoding="utf-8"?>
+<p:sld xmlns:a="http://schemas.openxmlformats.org/drawingml/2006/main" xmlns:r="http://schemas.openxmlformats.org/officeDocument/2006/relationships" xmlns:p="http://schemas.openxmlformats.org/presentationml/2006/main">
+  <p:cSld>
+    <p:spTree>
+      <p:nvGrpSpPr>
+        <p:cNvPr id="1" name=""/>
+        <p:cNvGrpSpPr/>
+        <p:nvPr/>
+      </p:nvGrpSpPr>
+      <p:grpSpPr>
+        <a:xfrm>
+          <a:off x="0" y="0"/>
+          <a:ext cx="0" cy="0"/>
+          <a:chOff x="0" y="0"/>
+          <a:chExt cx="0" cy="0"/>
+        </a:xfrm>
+      </p:grpSpPr>
+      <p:sp>
+        <p:nvSpPr>
+          <p:cNvPr id="108" name="TextShape 1"/>
+          <p:cNvSpPr txBox="1"/>
+          <p:nvPr/>
+        </p:nvSpPr>
+        <p:spPr>
+          <a:xfrm>
+            <a:off x="350640" y="0"/>
+            <a:ext cx="6019560" cy="837720"/>
+          </a:xfrm>
+          <a:prstGeom prst="rect">
+            <a:avLst/>
+          </a:prstGeom>
+          <a:noFill/>
+          <a:ln w="9360">
+            <a:noFill/>
+          </a:ln>
+        </p:spPr>
+        <p:txBody>
+          <a:bodyPr anchor="ctr">
+            <a:noAutofit/>
+          </a:bodyPr>
+          <a:lstStyle/>
+          <a:p>
+            <a:pPr algn="ctr">
+              <a:lnSpc>
+                <a:spcPct val="100000"/>
+              </a:lnSpc>
+            </a:pPr>
+            <a:r>
+              <a:rPr lang="en-US" sz="3000" spc="-1" dirty="0">
+                <a:solidFill>
+                  <a:srgbClr val="000000"/>
+                </a:solidFill>
+                <a:latin typeface="Times New Roman" panose="02020603050405020304" pitchFamily="18" charset="0"/>
+                <a:cs typeface="Times New Roman" panose="02020603050405020304" pitchFamily="18" charset="0"/>
+              </a:rPr>
+              <a:t>Keywords</a:t>
+            </a:r>
+            <a:endParaRPr lang="en-US" sz="3000" b="0" strike="noStrike" spc="-1" dirty="0">
+              <a:solidFill>
+                <a:srgbClr val="000000"/>
+              </a:solidFill>
+              <a:latin typeface="Times New Roman" panose="02020603050405020304" pitchFamily="18" charset="0"/>
+              <a:cs typeface="Times New Roman" panose="02020603050405020304" pitchFamily="18" charset="0"/>
+            </a:endParaRPr>
+          </a:p>
+        </p:txBody>
+      </p:sp>
+      <p:sp>
+        <p:nvSpPr>
+          <p:cNvPr id="110" name="TextShape 3"/>
+          <p:cNvSpPr txBox="1"/>
+          <p:nvPr/>
+        </p:nvSpPr>
+        <p:spPr>
+          <a:xfrm>
+            <a:off x="6553080" y="6356520"/>
+            <a:ext cx="2133360" cy="364680"/>
+          </a:xfrm>
+          <a:prstGeom prst="rect">
+            <a:avLst/>
+          </a:prstGeom>
+          <a:noFill/>
+          <a:ln>
+            <a:noFill/>
+          </a:ln>
+        </p:spPr>
+        <p:txBody>
+          <a:bodyPr anchor="ctr">
+            <a:noAutofit/>
+          </a:bodyPr>
+          <a:lstStyle/>
+          <a:p>
+            <a:pPr algn="r">
+              <a:lnSpc>
+                <a:spcPct val="100000"/>
+              </a:lnSpc>
+            </a:pPr>
+            <a:fld id="{4D4FEEEE-7AC5-48A9-86F4-13448BE87B58}" type="slidenum">
+              <a:rPr lang="en-US" sz="1200" b="1" strike="noStrike" spc="-1">
+                <a:solidFill>
+                  <a:srgbClr val="000000"/>
+                </a:solidFill>
+                <a:latin typeface="Calibri"/>
+                <a:ea typeface="MS PGothic"/>
+              </a:rPr>
+              <a:pPr algn="r">
+                <a:lnSpc>
+                  <a:spcPct val="100000"/>
+                </a:lnSpc>
+              </a:pPr>
+              <a:t>3</a:t>
+            </a:fld>
+            <a:endParaRPr lang="en-GB" sz="1200" b="0" strike="noStrike" spc="-1">
+              <a:latin typeface="Times New Roman"/>
+            </a:endParaRPr>
+          </a:p>
+        </p:txBody>
+      </p:sp>
+      <p:sp>
+        <p:nvSpPr>
+          <p:cNvPr id="5" name="TextShape 2"/>
+          <p:cNvSpPr txBox="1"/>
+          <p:nvPr/>
+        </p:nvSpPr>
+        <p:spPr>
+          <a:xfrm>
+            <a:off x="164008" y="1109742"/>
+            <a:ext cx="8838720" cy="5359884"/>
+          </a:xfrm>
+          <a:prstGeom prst="rect">
+            <a:avLst/>
+          </a:prstGeom>
+          <a:noFill/>
+          <a:ln w="9360">
+            <a:noFill/>
+          </a:ln>
+        </p:spPr>
+        <p:txBody>
+          <a:bodyPr>
+            <a:noAutofit/>
+          </a:bodyPr>
+          <a:lstStyle/>
+          <a:p>
+            <a:pPr marL="342900" indent="-342900">
+              <a:lnSpc>
+                <a:spcPct val="100000"/>
+              </a:lnSpc>
+              <a:spcBef>
+                <a:spcPts val="400"/>
+              </a:spcBef>
+              <a:buFont typeface="Arial" panose="020B0604020202020204" pitchFamily="34" charset="0"/>
+              <a:buChar char="•"/>
+            </a:pPr>
+            <a:r>
+              <a:rPr lang="en-US" sz="2000" dirty="0">
+                <a:latin typeface="Times New Roman" panose="02020603050405020304" pitchFamily="18" charset="0"/>
+                <a:cs typeface="Times New Roman" panose="02020603050405020304" pitchFamily="18" charset="0"/>
+              </a:rPr>
+              <a:t>Booking System</a:t>
+            </a:r>
+          </a:p>
+          <a:p>
+            <a:pPr marL="342900" indent="-342900">
+              <a:lnSpc>
+                <a:spcPct val="100000"/>
+              </a:lnSpc>
+              <a:spcBef>
+                <a:spcPts val="400"/>
+              </a:spcBef>
+              <a:buFont typeface="Arial" panose="020B0604020202020204" pitchFamily="34" charset="0"/>
+              <a:buChar char="•"/>
+            </a:pPr>
+            <a:r>
+              <a:rPr lang="en-US" sz="2000" dirty="0">
+                <a:latin typeface="Times New Roman" panose="02020603050405020304" pitchFamily="18" charset="0"/>
+                <a:cs typeface="Times New Roman" panose="02020603050405020304" pitchFamily="18" charset="0"/>
+              </a:rPr>
+              <a:t>Realtime Analytics</a:t>
+            </a:r>
+          </a:p>
+          <a:p>
+            <a:pPr marL="342900" indent="-342900">
+              <a:lnSpc>
+                <a:spcPct val="100000"/>
+              </a:lnSpc>
+              <a:spcBef>
+                <a:spcPts val="400"/>
+              </a:spcBef>
+              <a:buFont typeface="Arial" panose="020B0604020202020204" pitchFamily="34" charset="0"/>
+              <a:buChar char="•"/>
+            </a:pPr>
+            <a:r>
+              <a:rPr lang="en-US" sz="2000" dirty="0">
+                <a:latin typeface="Times New Roman" panose="02020603050405020304" pitchFamily="18" charset="0"/>
+                <a:cs typeface="Times New Roman" panose="02020603050405020304" pitchFamily="18" charset="0"/>
+              </a:rPr>
+              <a:t>Email Integration</a:t>
+            </a:r>
+          </a:p>
+          <a:p>
+            <a:pPr marL="342900" indent="-342900">
+              <a:lnSpc>
+                <a:spcPct val="100000"/>
+              </a:lnSpc>
+              <a:spcBef>
+                <a:spcPts val="400"/>
+              </a:spcBef>
+              <a:buFont typeface="Arial" panose="020B0604020202020204" pitchFamily="34" charset="0"/>
+              <a:buChar char="•"/>
+            </a:pPr>
+            <a:r>
+              <a:rPr lang="en-US" sz="2000" dirty="0">
+                <a:latin typeface="Times New Roman" panose="02020603050405020304" pitchFamily="18" charset="0"/>
+                <a:cs typeface="Times New Roman" panose="02020603050405020304" pitchFamily="18" charset="0"/>
+              </a:rPr>
+              <a:t>QR Scanner for Record Management</a:t>
+            </a:r>
+          </a:p>
+        </p:txBody>
+      </p:sp>
+    </p:spTree>
+    <p:extLst>
+      <p:ext uri="{BB962C8B-B14F-4D97-AF65-F5344CB8AC3E}">
+        <p14:creationId xmlns:p14="http://schemas.microsoft.com/office/powerpoint/2010/main" val="2885960050"/>
+      </p:ext>
+    </p:extLst>
+  </p:cSld>
+  <p:clrMapOvr>
+    <a:masterClrMapping/>
+  </p:clrMapOvr>
+</p:sld>
+</file>
+
+<file path=ppt/slides/slide4.xml><?xml version="1.0" encoding="utf-8"?>
+<p:sld xmlns:a="http://schemas.openxmlformats.org/drawingml/2006/main" xmlns:r="http://schemas.openxmlformats.org/officeDocument/2006/relationships" xmlns:p="http://schemas.openxmlformats.org/presentationml/2006/main">
+  <p:cSld>
+    <p:spTree>
+      <p:nvGrpSpPr>
+        <p:cNvPr id="1" name=""/>
+        <p:cNvGrpSpPr/>
+        <p:nvPr/>
+      </p:nvGrpSpPr>
+      <p:grpSpPr>
+        <a:xfrm>
+          <a:off x="0" y="0"/>
+          <a:ext cx="0" cy="0"/>
+          <a:chOff x="0" y="0"/>
+          <a:chExt cx="0" cy="0"/>
+        </a:xfrm>
+      </p:grpSpPr>
+      <p:sp>
+        <p:nvSpPr>
+          <p:cNvPr id="108" name="TextShape 1"/>
+          <p:cNvSpPr txBox="1"/>
+          <p:nvPr/>
+        </p:nvSpPr>
+        <p:spPr>
+          <a:xfrm>
+            <a:off x="350640" y="0"/>
+            <a:ext cx="6019560" cy="837720"/>
+          </a:xfrm>
+          <a:prstGeom prst="rect">
+            <a:avLst/>
+          </a:prstGeom>
+          <a:noFill/>
+          <a:ln w="9360">
+            <a:noFill/>
+          </a:ln>
+        </p:spPr>
+        <p:txBody>
+          <a:bodyPr anchor="ctr">
+            <a:noAutofit/>
+          </a:bodyPr>
+          <a:lstStyle/>
+          <a:p>
+            <a:pPr algn="ctr">
+              <a:lnSpc>
+                <a:spcPct val="100000"/>
+              </a:lnSpc>
+            </a:pPr>
+            <a:r>
+              <a:rPr lang="en" sz="3200" dirty="0">
+                <a:latin typeface="Times New Roman" panose="02020603050405020304" pitchFamily="18" charset="0"/>
+                <a:cs typeface="Times New Roman" panose="02020603050405020304" pitchFamily="18" charset="0"/>
+              </a:rPr>
+              <a:t>Introduction</a:t>
+            </a:r>
+            <a:endParaRPr lang="en-US" sz="3000" b="0" strike="noStrike" spc="-1" dirty="0">
+              <a:solidFill>
+                <a:srgbClr val="000000"/>
+              </a:solidFill>
+              <a:latin typeface="Times New Roman" panose="02020603050405020304" pitchFamily="18" charset="0"/>
+              <a:cs typeface="Times New Roman" panose="02020603050405020304" pitchFamily="18" charset="0"/>
+            </a:endParaRPr>
+          </a:p>
+        </p:txBody>
+      </p:sp>
+      <p:sp>
+        <p:nvSpPr>
+          <p:cNvPr id="110" name="TextShape 3"/>
+          <p:cNvSpPr txBox="1"/>
+          <p:nvPr/>
+        </p:nvSpPr>
+        <p:spPr>
+          <a:xfrm>
+            <a:off x="6553080" y="6356520"/>
+            <a:ext cx="2133360" cy="364680"/>
+          </a:xfrm>
+          <a:prstGeom prst="rect">
+            <a:avLst/>
+          </a:prstGeom>
+          <a:noFill/>
+          <a:ln>
+            <a:noFill/>
+          </a:ln>
+        </p:spPr>
+        <p:txBody>
+          <a:bodyPr anchor="ctr">
+            <a:noAutofit/>
+          </a:bodyPr>
+          <a:lstStyle/>
+          <a:p>
+            <a:pPr algn="r">
+              <a:lnSpc>
+                <a:spcPct val="100000"/>
+              </a:lnSpc>
+            </a:pPr>
+            <a:fld id="{4D4FEEEE-7AC5-48A9-86F4-13448BE87B58}" type="slidenum">
+              <a:rPr lang="en-US" sz="1200" b="1" strike="noStrike" spc="-1">
+                <a:solidFill>
+                  <a:srgbClr val="000000"/>
+                </a:solidFill>
+                <a:latin typeface="Calibri"/>
+                <a:ea typeface="MS PGothic"/>
+              </a:rPr>
+              <a:pPr algn="r">
+                <a:lnSpc>
+                  <a:spcPct val="100000"/>
+                </a:lnSpc>
+              </a:pPr>
+              <a:t>4</a:t>
+            </a:fld>
+            <a:endParaRPr lang="en-GB" sz="1200" b="0" strike="noStrike" spc="-1">
+              <a:latin typeface="Times New Roman"/>
+            </a:endParaRPr>
+          </a:p>
+        </p:txBody>
+      </p:sp>
+      <p:sp>
+        <p:nvSpPr>
+          <p:cNvPr id="5" name="TextShape 2"/>
+          <p:cNvSpPr txBox="1"/>
+          <p:nvPr/>
+        </p:nvSpPr>
+        <p:spPr>
+          <a:xfrm>
+            <a:off x="164008" y="1109742"/>
+            <a:ext cx="8838720" cy="5359884"/>
+          </a:xfrm>
+          <a:prstGeom prst="rect">
+            <a:avLst/>
+          </a:prstGeom>
+          <a:noFill/>
+          <a:ln w="9360">
+            <a:noFill/>
+          </a:ln>
+        </p:spPr>
+        <p:txBody>
+          <a:bodyPr>
+            <a:noAutofit/>
+          </a:bodyPr>
+          <a:lstStyle/>
+          <a:p>
+            <a:pPr>
+              <a:spcBef>
+                <a:spcPts val="400"/>
+              </a:spcBef>
+            </a:pPr>
+            <a:r>
+              <a:rPr lang="en-US" sz="2000" b="1" strike="noStrike" spc="-1" dirty="0">
+                <a:solidFill>
+                  <a:srgbClr val="000000"/>
+                </a:solidFill>
+                <a:latin typeface="Times New Roman" panose="02020603050405020304" pitchFamily="18" charset="0"/>
+                <a:cs typeface="Times New Roman" panose="02020603050405020304" pitchFamily="18" charset="0"/>
+              </a:rPr>
+              <a:t>Problem Statement</a:t>
+            </a:r>
+          </a:p>
+          <a:p>
+            <a:r>
+              <a:rPr lang="en-GB" dirty="0"/>
+              <a:t>Hostels often face challenges in managing their operations efficiently, such as:</a:t>
+            </a:r>
+          </a:p>
+          <a:p>
+            <a:endParaRPr lang="en-GB" dirty="0"/>
+          </a:p>
+          <a:p>
+            <a:pPr>
+              <a:buFont typeface="Arial" panose="020B0604020202020204" pitchFamily="34" charset="0"/>
+              <a:buChar char="•"/>
+            </a:pPr>
+            <a:r>
+              <a:rPr lang="en-GB" b="1" dirty="0"/>
+              <a:t> Manual processes:</a:t>
+            </a:r>
+            <a:r>
+              <a:rPr lang="en-GB" dirty="0"/>
+              <a:t> Time-consuming and error-prone manual tasks, including student registration, accommodation allocation, fee collection, and attendance tracking.</a:t>
+            </a:r>
+          </a:p>
+          <a:p>
+            <a:pPr>
+              <a:buFont typeface="Arial" panose="020B0604020202020204" pitchFamily="34" charset="0"/>
+              <a:buChar char="•"/>
+            </a:pPr>
+            <a:endParaRPr lang="en-GB" dirty="0"/>
+          </a:p>
+          <a:p>
+            <a:pPr>
+              <a:buFont typeface="Arial" panose="020B0604020202020204" pitchFamily="34" charset="0"/>
+              <a:buChar char="•"/>
+            </a:pPr>
+            <a:r>
+              <a:rPr lang="en-GB" b="1" dirty="0"/>
+              <a:t> Lack of transparency:</a:t>
+            </a:r>
+            <a:r>
+              <a:rPr lang="en-GB" dirty="0"/>
+              <a:t> Limited visibility into hostel operations, leading to difficulties in monitoring and managing resources effectively.</a:t>
+            </a:r>
+          </a:p>
+          <a:p>
+            <a:pPr>
+              <a:buFont typeface="Arial" panose="020B0604020202020204" pitchFamily="34" charset="0"/>
+              <a:buChar char="•"/>
+            </a:pPr>
+            <a:endParaRPr lang="en-GB" dirty="0"/>
+          </a:p>
+          <a:p>
+            <a:pPr>
+              <a:buFont typeface="Arial" panose="020B0604020202020204" pitchFamily="34" charset="0"/>
+              <a:buChar char="•"/>
+            </a:pPr>
+            <a:r>
+              <a:rPr lang="en-GB" b="1" dirty="0"/>
+              <a:t> Inefficient communication:</a:t>
+            </a:r>
+            <a:r>
+              <a:rPr lang="en-GB" dirty="0"/>
+              <a:t> Challenges in communicating with students and staff, resulting in delays and misunderstandings.</a:t>
+            </a:r>
+          </a:p>
+          <a:p>
+            <a:pPr>
+              <a:buFont typeface="Arial" panose="020B0604020202020204" pitchFamily="34" charset="0"/>
+              <a:buChar char="•"/>
+            </a:pPr>
+            <a:endParaRPr lang="en-GB" dirty="0"/>
+          </a:p>
+          <a:p>
+            <a:pPr>
+              <a:buFont typeface="Arial" panose="020B0604020202020204" pitchFamily="34" charset="0"/>
+              <a:buChar char="•"/>
+            </a:pPr>
+            <a:r>
+              <a:rPr lang="en-GB" b="1" dirty="0"/>
+              <a:t> Paperwork:</a:t>
+            </a:r>
+            <a:r>
+              <a:rPr lang="en-GB" dirty="0"/>
+              <a:t> Excessive paperwork, leading to storage issues and increased administrative costs.</a:t>
+            </a:r>
+          </a:p>
+          <a:p>
+            <a:pPr>
+              <a:buFont typeface="Arial" panose="020B0604020202020204" pitchFamily="34" charset="0"/>
+              <a:buChar char="•"/>
+            </a:pPr>
+            <a:endParaRPr lang="en-GB" dirty="0"/>
+          </a:p>
+          <a:p>
+            <a:r>
+              <a:rPr lang="en-GB" dirty="0"/>
+              <a:t>These challenges can negatively impact the overall hostel experience for students and staff.</a:t>
+            </a:r>
+          </a:p>
+          <a:p>
+            <a:pPr>
+              <a:spcBef>
+                <a:spcPts val="400"/>
+              </a:spcBef>
+            </a:pPr>
+            <a:endParaRPr lang="en-US" sz="2000" b="1" strike="noStrike" spc="-1" dirty="0">
+              <a:solidFill>
+                <a:srgbClr val="000000"/>
+              </a:solidFill>
+              <a:latin typeface="Calibri"/>
+            </a:endParaRPr>
+          </a:p>
+          <a:p>
+            <a:pPr>
+              <a:lnSpc>
+                <a:spcPct val="100000"/>
+              </a:lnSpc>
+              <a:spcBef>
+                <a:spcPts val="400"/>
+              </a:spcBef>
+            </a:pPr>
+            <a:endParaRPr lang="en-US" sz="2000" strike="noStrike" spc="-1" dirty="0">
+              <a:solidFill>
+                <a:srgbClr val="000000"/>
+              </a:solidFill>
+              <a:latin typeface="Calibri"/>
+            </a:endParaRPr>
+          </a:p>
+        </p:txBody>
+      </p:sp>
+    </p:spTree>
+  </p:cSld>
+  <p:clrMapOvr>
+    <a:masterClrMapping/>
+  </p:clrMapOvr>
+</p:sld>
+</file>
+
+<file path=ppt/slides/slide5.xml><?xml version="1.0" encoding="utf-8"?>
 <p:sld xmlns:a="http://schemas.openxmlformats.org/drawingml/2006/main" xmlns:r="http://schemas.openxmlformats.org/officeDocument/2006/relationships" xmlns:p="http://schemas.openxmlformats.org/presentationml/2006/main">
   <p:cSld>
     <p:spTree>
@@ -4078,7 +5005,7 @@
           <p:cNvPr id="3" name="Picture 2">
             <a:extLst>
               <a:ext uri="{FF2B5EF4-FFF2-40B4-BE49-F238E27FC236}">
-                <a16:creationId xmlns:a16="http://schemas.microsoft.com/office/drawing/2014/main" id="{D78ABE44-82FD-88CD-9207-CF38FB9BCECA}"/>
+                <a16:creationId xmlns:a16="http://schemas.microsoft.com/office/drawing/2014/main" id="{6E61D516-36FA-BF9F-69A5-935DA0750FAE}"/>
               </a:ext>
             </a:extLst>
           </p:cNvPr>
@@ -4095,8 +5022,8 @@
         </p:blipFill>
         <p:spPr>
           <a:xfrm>
-            <a:off x="635508" y="972822"/>
-            <a:ext cx="7872984" cy="5596379"/>
+            <a:off x="0" y="1065672"/>
+            <a:ext cx="9144000" cy="4726655"/>
           </a:xfrm>
           <a:prstGeom prst="rect">
             <a:avLst/>
@@ -4106,7 +5033,7 @@
     </p:spTree>
     <p:extLst>
       <p:ext uri="{BB962C8B-B14F-4D97-AF65-F5344CB8AC3E}">
-        <p14:creationId xmlns:p14="http://schemas.microsoft.com/office/powerpoint/2010/main" val="2810234652"/>
+        <p14:creationId xmlns:p14="http://schemas.microsoft.com/office/powerpoint/2010/main" val="274927892"/>
       </p:ext>
     </p:extLst>
   </p:cSld>
@@ -4116,7 +5043,883 @@
 </p:sld>
 </file>
 
-<file path=ppt/slides/slide14.xml><?xml version="1.0" encoding="utf-8"?>
+<file path=ppt/slides/slide6.xml><?xml version="1.0" encoding="utf-8"?>
+<p:sld xmlns:a="http://schemas.openxmlformats.org/drawingml/2006/main" xmlns:r="http://schemas.openxmlformats.org/officeDocument/2006/relationships" xmlns:p="http://schemas.openxmlformats.org/presentationml/2006/main">
+  <p:cSld>
+    <p:spTree>
+      <p:nvGrpSpPr>
+        <p:cNvPr id="1" name=""/>
+        <p:cNvGrpSpPr/>
+        <p:nvPr/>
+      </p:nvGrpSpPr>
+      <p:grpSpPr>
+        <a:xfrm>
+          <a:off x="0" y="0"/>
+          <a:ext cx="0" cy="0"/>
+          <a:chOff x="0" y="0"/>
+          <a:chExt cx="0" cy="0"/>
+        </a:xfrm>
+      </p:grpSpPr>
+      <p:sp>
+        <p:nvSpPr>
+          <p:cNvPr id="2" name="Title 1">
+            <a:extLst>
+              <a:ext uri="{FF2B5EF4-FFF2-40B4-BE49-F238E27FC236}">
+                <a16:creationId xmlns:a16="http://schemas.microsoft.com/office/drawing/2014/main" id="{2B8331A9-4B8E-02B3-6466-3BF132569AD2}"/>
+              </a:ext>
+            </a:extLst>
+          </p:cNvPr>
+          <p:cNvSpPr>
+            <a:spLocks noGrp="1"/>
+          </p:cNvSpPr>
+          <p:nvPr>
+            <p:ph type="title"/>
+          </p:nvPr>
+        </p:nvSpPr>
+        <p:spPr/>
+        <p:txBody>
+          <a:bodyPr/>
+          <a:lstStyle/>
+          <a:p>
+            <a:r>
+              <a:rPr lang="en-IN" sz="2000" dirty="0"/>
+              <a:t>		</a:t>
+            </a:r>
+            <a:r>
+              <a:rPr lang="en-US" sz="1800" b="1" u="sng" kern="100" dirty="0">
+                <a:effectLst/>
+                <a:latin typeface="Times New Roman" panose="02020603050405020304" pitchFamily="18" charset="0"/>
+                <a:ea typeface="Calibri" panose="020F0502020204030204" pitchFamily="34" charset="0"/>
+              </a:rPr>
+              <a:t>TECHNOLOGIES AND TOOLS</a:t>
+            </a:r>
+            <a:endParaRPr lang="en-IN" sz="2000" dirty="0"/>
+          </a:p>
+        </p:txBody>
+      </p:sp>
+      <p:sp>
+        <p:nvSpPr>
+          <p:cNvPr id="3" name="TextBox 2">
+            <a:extLst>
+              <a:ext uri="{FF2B5EF4-FFF2-40B4-BE49-F238E27FC236}">
+                <a16:creationId xmlns:a16="http://schemas.microsoft.com/office/drawing/2014/main" id="{7793AFE9-9FF4-80DE-7F3A-3D775962DC4A}"/>
+              </a:ext>
+            </a:extLst>
+          </p:cNvPr>
+          <p:cNvSpPr txBox="1"/>
+          <p:nvPr/>
+        </p:nvSpPr>
+        <p:spPr>
+          <a:xfrm>
+            <a:off x="190746" y="1149981"/>
+            <a:ext cx="8091948" cy="3170099"/>
+          </a:xfrm>
+          <a:prstGeom prst="rect">
+            <a:avLst/>
+          </a:prstGeom>
+          <a:noFill/>
+        </p:spPr>
+        <p:txBody>
+          <a:bodyPr wrap="square" rtlCol="0">
+            <a:spAutoFit/>
+          </a:bodyPr>
+          <a:lstStyle/>
+          <a:p>
+            <a:pPr marL="342900" lvl="0" indent="-342900">
+              <a:spcBef>
+                <a:spcPts val="1220"/>
+              </a:spcBef>
+              <a:buSzPts val="1000"/>
+              <a:buFont typeface="Symbol" panose="05050102010706020507" pitchFamily="18" charset="2"/>
+              <a:buChar char=""/>
+              <a:tabLst>
+                <a:tab pos="457200" algn="l"/>
+                <a:tab pos="758825" algn="l"/>
+                <a:tab pos="759460" algn="l"/>
+              </a:tabLst>
+            </a:pPr>
+            <a:r>
+              <a:rPr lang="en-IN" sz="2000" b="1" dirty="0">
+                <a:effectLst/>
+                <a:latin typeface="Times New Roman" panose="02020603050405020304" pitchFamily="18" charset="0"/>
+                <a:ea typeface="Times New Roman" panose="02020603050405020304" pitchFamily="18" charset="0"/>
+              </a:rPr>
+              <a:t>Local Development:</a:t>
+            </a:r>
+            <a:endParaRPr lang="en-IN" sz="2000" dirty="0">
+              <a:effectLst/>
+              <a:latin typeface="Times New Roman" panose="02020603050405020304" pitchFamily="18" charset="0"/>
+              <a:ea typeface="Times New Roman" panose="02020603050405020304" pitchFamily="18" charset="0"/>
+            </a:endParaRPr>
+          </a:p>
+          <a:p>
+            <a:pPr marL="742950" lvl="1" indent="-285750">
+              <a:spcBef>
+                <a:spcPts val="1220"/>
+              </a:spcBef>
+              <a:spcAft>
+                <a:spcPts val="0"/>
+              </a:spcAft>
+              <a:buSzPts val="1000"/>
+              <a:buFont typeface="Courier New" panose="02070309020205020404" pitchFamily="49" charset="0"/>
+              <a:buChar char="o"/>
+              <a:tabLst>
+                <a:tab pos="758825" algn="l"/>
+                <a:tab pos="759460" algn="l"/>
+                <a:tab pos="914400" algn="l"/>
+              </a:tabLst>
+            </a:pPr>
+            <a:r>
+              <a:rPr lang="en-IN" sz="2000" b="1" dirty="0">
+                <a:effectLst/>
+                <a:latin typeface="Times New Roman" panose="02020603050405020304" pitchFamily="18" charset="0"/>
+                <a:ea typeface="Times New Roman" panose="02020603050405020304" pitchFamily="18" charset="0"/>
+                <a:cs typeface="Times New Roman" panose="02020603050405020304" pitchFamily="18" charset="0"/>
+              </a:rPr>
+              <a:t>Frontend:</a:t>
+            </a:r>
+            <a:r>
+              <a:rPr lang="en-IN" sz="2000" dirty="0">
+                <a:effectLst/>
+                <a:latin typeface="Times New Roman" panose="02020603050405020304" pitchFamily="18" charset="0"/>
+                <a:ea typeface="Times New Roman" panose="02020603050405020304" pitchFamily="18" charset="0"/>
+                <a:cs typeface="Times New Roman" panose="02020603050405020304" pitchFamily="18" charset="0"/>
+              </a:rPr>
+              <a:t> React.js for building the user interface. Tools like create-react-app can help you get started quickly.</a:t>
+            </a:r>
+          </a:p>
+          <a:p>
+            <a:pPr marL="742950" lvl="1" indent="-285750">
+              <a:spcBef>
+                <a:spcPts val="1220"/>
+              </a:spcBef>
+              <a:spcAft>
+                <a:spcPts val="0"/>
+              </a:spcAft>
+              <a:buSzPts val="1000"/>
+              <a:buFont typeface="Courier New" panose="02070309020205020404" pitchFamily="49" charset="0"/>
+              <a:buChar char="o"/>
+              <a:tabLst>
+                <a:tab pos="758825" algn="l"/>
+                <a:tab pos="759460" algn="l"/>
+                <a:tab pos="914400" algn="l"/>
+              </a:tabLst>
+            </a:pPr>
+            <a:r>
+              <a:rPr lang="en-IN" sz="2000" b="1" dirty="0">
+                <a:effectLst/>
+                <a:latin typeface="Times New Roman" panose="02020603050405020304" pitchFamily="18" charset="0"/>
+                <a:ea typeface="Times New Roman" panose="02020603050405020304" pitchFamily="18" charset="0"/>
+                <a:cs typeface="Times New Roman" panose="02020603050405020304" pitchFamily="18" charset="0"/>
+              </a:rPr>
+              <a:t>Backend:</a:t>
+            </a:r>
+            <a:r>
+              <a:rPr lang="en-IN" sz="2000" dirty="0">
+                <a:effectLst/>
+                <a:latin typeface="Times New Roman" panose="02020603050405020304" pitchFamily="18" charset="0"/>
+                <a:ea typeface="Times New Roman" panose="02020603050405020304" pitchFamily="18" charset="0"/>
+                <a:cs typeface="Times New Roman" panose="02020603050405020304" pitchFamily="18" charset="0"/>
+              </a:rPr>
+              <a:t> Node.js with Express.js for creating RESTful APIs.</a:t>
+            </a:r>
+          </a:p>
+          <a:p>
+            <a:pPr marL="742950" lvl="1" indent="-285750">
+              <a:spcBef>
+                <a:spcPts val="1220"/>
+              </a:spcBef>
+              <a:spcAft>
+                <a:spcPts val="0"/>
+              </a:spcAft>
+              <a:buSzPts val="1000"/>
+              <a:buFont typeface="Courier New" panose="02070309020205020404" pitchFamily="49" charset="0"/>
+              <a:buChar char="o"/>
+              <a:tabLst>
+                <a:tab pos="758825" algn="l"/>
+                <a:tab pos="759460" algn="l"/>
+                <a:tab pos="914400" algn="l"/>
+              </a:tabLst>
+            </a:pPr>
+            <a:r>
+              <a:rPr lang="en-IN" sz="2000" b="1" dirty="0">
+                <a:effectLst/>
+                <a:latin typeface="Times New Roman" panose="02020603050405020304" pitchFamily="18" charset="0"/>
+                <a:ea typeface="Times New Roman" panose="02020603050405020304" pitchFamily="18" charset="0"/>
+                <a:cs typeface="Times New Roman" panose="02020603050405020304" pitchFamily="18" charset="0"/>
+              </a:rPr>
+              <a:t>Database:</a:t>
+            </a:r>
+            <a:r>
+              <a:rPr lang="en-IN" sz="2000" dirty="0">
+                <a:effectLst/>
+                <a:latin typeface="Times New Roman" panose="02020603050405020304" pitchFamily="18" charset="0"/>
+                <a:ea typeface="Times New Roman" panose="02020603050405020304" pitchFamily="18" charset="0"/>
+                <a:cs typeface="Times New Roman" panose="02020603050405020304" pitchFamily="18" charset="0"/>
+              </a:rPr>
+              <a:t> Use a database like MySQL, MongoDB for storing data. </a:t>
+            </a:r>
+          </a:p>
+          <a:p>
+            <a:pPr marL="742950" lvl="1" indent="-285750">
+              <a:spcBef>
+                <a:spcPts val="1220"/>
+              </a:spcBef>
+              <a:spcAft>
+                <a:spcPts val="0"/>
+              </a:spcAft>
+              <a:buSzPts val="1000"/>
+              <a:buFont typeface="Courier New" panose="02070309020205020404" pitchFamily="49" charset="0"/>
+              <a:buChar char="o"/>
+              <a:tabLst>
+                <a:tab pos="758825" algn="l"/>
+                <a:tab pos="759460" algn="l"/>
+                <a:tab pos="914400" algn="l"/>
+              </a:tabLst>
+            </a:pPr>
+            <a:r>
+              <a:rPr lang="en-IN" sz="2000" b="1" dirty="0">
+                <a:effectLst/>
+                <a:latin typeface="Times New Roman" panose="02020603050405020304" pitchFamily="18" charset="0"/>
+                <a:ea typeface="Times New Roman" panose="02020603050405020304" pitchFamily="18" charset="0"/>
+                <a:cs typeface="Times New Roman" panose="02020603050405020304" pitchFamily="18" charset="0"/>
+              </a:rPr>
+              <a:t>Version Control:</a:t>
+            </a:r>
+            <a:r>
+              <a:rPr lang="en-IN" sz="2000" dirty="0">
+                <a:effectLst/>
+                <a:latin typeface="Times New Roman" panose="02020603050405020304" pitchFamily="18" charset="0"/>
+                <a:ea typeface="Times New Roman" panose="02020603050405020304" pitchFamily="18" charset="0"/>
+                <a:cs typeface="Times New Roman" panose="02020603050405020304" pitchFamily="18" charset="0"/>
+              </a:rPr>
+              <a:t> Use Git for version control, and GitHub for collaboration and repository management.</a:t>
+            </a:r>
+          </a:p>
+          <a:p>
+            <a:endParaRPr lang="en-IN" sz="2000" dirty="0"/>
+          </a:p>
+        </p:txBody>
+      </p:sp>
+      <p:sp>
+        <p:nvSpPr>
+          <p:cNvPr id="5" name="TextBox 4">
+            <a:extLst>
+              <a:ext uri="{FF2B5EF4-FFF2-40B4-BE49-F238E27FC236}">
+                <a16:creationId xmlns:a16="http://schemas.microsoft.com/office/drawing/2014/main" id="{E7E46B6C-7D13-D4A3-3233-A524FC151B3E}"/>
+              </a:ext>
+            </a:extLst>
+          </p:cNvPr>
+          <p:cNvSpPr txBox="1"/>
+          <p:nvPr/>
+        </p:nvSpPr>
+        <p:spPr>
+          <a:xfrm>
+            <a:off x="190746" y="4320080"/>
+            <a:ext cx="7909560" cy="861774"/>
+          </a:xfrm>
+          <a:prstGeom prst="rect">
+            <a:avLst/>
+          </a:prstGeom>
+          <a:noFill/>
+        </p:spPr>
+        <p:txBody>
+          <a:bodyPr wrap="square">
+            <a:spAutoFit/>
+          </a:bodyPr>
+          <a:lstStyle/>
+          <a:p>
+            <a:pPr marL="342900" indent="-342900">
+              <a:spcBef>
+                <a:spcPts val="1220"/>
+              </a:spcBef>
+              <a:buFont typeface="Arial" panose="020B0604020202020204" pitchFamily="34" charset="0"/>
+              <a:buChar char="•"/>
+              <a:tabLst>
+                <a:tab pos="758825" algn="l"/>
+                <a:tab pos="759460" algn="l"/>
+              </a:tabLst>
+            </a:pPr>
+            <a:r>
+              <a:rPr lang="en-IN" sz="2000" b="1" dirty="0">
+                <a:effectLst/>
+                <a:latin typeface="Times New Roman" panose="02020603050405020304" pitchFamily="18" charset="0"/>
+                <a:ea typeface="Times New Roman" panose="02020603050405020304" pitchFamily="18" charset="0"/>
+              </a:rPr>
+              <a:t>Platform-as-a-Service (PaaS):</a:t>
+            </a:r>
+            <a:endParaRPr lang="en-IN" sz="2000" dirty="0">
+              <a:effectLst/>
+              <a:latin typeface="Times New Roman" panose="02020603050405020304" pitchFamily="18" charset="0"/>
+              <a:ea typeface="Times New Roman" panose="02020603050405020304" pitchFamily="18" charset="0"/>
+            </a:endParaRPr>
+          </a:p>
+          <a:p>
+            <a:pPr>
+              <a:spcBef>
+                <a:spcPts val="1220"/>
+              </a:spcBef>
+              <a:tabLst>
+                <a:tab pos="758825" algn="l"/>
+                <a:tab pos="759460" algn="l"/>
+              </a:tabLst>
+            </a:pPr>
+            <a:r>
+              <a:rPr lang="en-IN" sz="2000" b="1" dirty="0">
+                <a:effectLst/>
+                <a:latin typeface="Times New Roman" panose="02020603050405020304" pitchFamily="18" charset="0"/>
+                <a:ea typeface="Times New Roman" panose="02020603050405020304" pitchFamily="18" charset="0"/>
+              </a:rPr>
+              <a:t>       Netlify:</a:t>
+            </a:r>
+            <a:r>
+              <a:rPr lang="en-IN" sz="2000" dirty="0">
+                <a:effectLst/>
+                <a:latin typeface="Times New Roman" panose="02020603050405020304" pitchFamily="18" charset="0"/>
+                <a:ea typeface="Times New Roman" panose="02020603050405020304" pitchFamily="18" charset="0"/>
+              </a:rPr>
+              <a:t>  It offers easy deployment for static and serverless React apps.</a:t>
+            </a:r>
+          </a:p>
+        </p:txBody>
+      </p:sp>
+    </p:spTree>
+    <p:extLst>
+      <p:ext uri="{BB962C8B-B14F-4D97-AF65-F5344CB8AC3E}">
+        <p14:creationId xmlns:p14="http://schemas.microsoft.com/office/powerpoint/2010/main" val="1073456313"/>
+      </p:ext>
+    </p:extLst>
+  </p:cSld>
+  <p:clrMapOvr>
+    <a:masterClrMapping/>
+  </p:clrMapOvr>
+</p:sld>
+</file>
+
+<file path=ppt/slides/slide7.xml><?xml version="1.0" encoding="utf-8"?>
+<p:sld xmlns:a="http://schemas.openxmlformats.org/drawingml/2006/main" xmlns:r="http://schemas.openxmlformats.org/officeDocument/2006/relationships" xmlns:p="http://schemas.openxmlformats.org/presentationml/2006/main">
+  <p:cSld>
+    <p:spTree>
+      <p:nvGrpSpPr>
+        <p:cNvPr id="1" name=""/>
+        <p:cNvGrpSpPr/>
+        <p:nvPr/>
+      </p:nvGrpSpPr>
+      <p:grpSpPr>
+        <a:xfrm>
+          <a:off x="0" y="0"/>
+          <a:ext cx="0" cy="0"/>
+          <a:chOff x="0" y="0"/>
+          <a:chExt cx="0" cy="0"/>
+        </a:xfrm>
+      </p:grpSpPr>
+      <p:sp>
+        <p:nvSpPr>
+          <p:cNvPr id="2" name="Title 1">
+            <a:extLst>
+              <a:ext uri="{FF2B5EF4-FFF2-40B4-BE49-F238E27FC236}">
+                <a16:creationId xmlns:a16="http://schemas.microsoft.com/office/drawing/2014/main" id="{64B43ACC-4AE6-CBBD-2E25-27431DBD2A31}"/>
+              </a:ext>
+            </a:extLst>
+          </p:cNvPr>
+          <p:cNvSpPr>
+            <a:spLocks noGrp="1"/>
+          </p:cNvSpPr>
+          <p:nvPr>
+            <p:ph type="title"/>
+          </p:nvPr>
+        </p:nvSpPr>
+        <p:spPr/>
+        <p:txBody>
+          <a:bodyPr/>
+          <a:lstStyle/>
+          <a:p>
+            <a:r>
+              <a:rPr lang="en-IN" sz="2000" b="1" dirty="0"/>
+              <a:t>   Future Scope</a:t>
+            </a:r>
+          </a:p>
+        </p:txBody>
+      </p:sp>
+      <p:sp>
+        <p:nvSpPr>
+          <p:cNvPr id="5" name="Rectangle 2">
+            <a:extLst>
+              <a:ext uri="{FF2B5EF4-FFF2-40B4-BE49-F238E27FC236}">
+                <a16:creationId xmlns:a16="http://schemas.microsoft.com/office/drawing/2014/main" id="{3ADD1709-73A1-32E6-36A9-DCBB18EF0288}"/>
+              </a:ext>
+            </a:extLst>
+          </p:cNvPr>
+          <p:cNvSpPr>
+            <a:spLocks noChangeArrowheads="1"/>
+          </p:cNvSpPr>
+          <p:nvPr/>
+        </p:nvSpPr>
+        <p:spPr bwMode="auto">
+          <a:xfrm>
+            <a:off x="173736" y="914040"/>
+            <a:ext cx="8796527" cy="5539978"/>
+          </a:xfrm>
+          <a:prstGeom prst="rect">
+            <a:avLst/>
+          </a:prstGeom>
+          <a:noFill/>
+          <a:ln>
+            <a:noFill/>
+          </a:ln>
+          <a:effectLst/>
+          <a:extLst>
+            <a:ext uri="{909E8E84-426E-40DD-AFC4-6F175D3DCCD1}">
+              <a14:hiddenFill xmlns:a14="http://schemas.microsoft.com/office/drawing/2010/main">
+                <a:solidFill>
+                  <a:schemeClr val="accent1"/>
+                </a:solidFill>
+              </a14:hiddenFill>
+            </a:ext>
+            <a:ext uri="{91240B29-F687-4F45-9708-019B960494DF}">
+              <a14:hiddenLine xmlns:a14="http://schemas.microsoft.com/office/drawing/2010/main" w="9525">
+                <a:solidFill>
+                  <a:schemeClr val="tx1"/>
+                </a:solidFill>
+                <a:miter lim="800000"/>
+                <a:headEnd/>
+                <a:tailEnd/>
+              </a14:hiddenLine>
+            </a:ext>
+            <a:ext uri="{AF507438-7753-43E0-B8FC-AC1667EBCBE1}">
+              <a14:hiddenEffects xmlns:a14="http://schemas.microsoft.com/office/drawing/2010/main">
+                <a:effectLst>
+                  <a:outerShdw dist="35921" dir="2700000" algn="ctr" rotWithShape="0">
+                    <a:schemeClr val="bg2"/>
+                  </a:outerShdw>
+                </a:effectLst>
+              </a14:hiddenEffects>
+            </a:ext>
+          </a:extLst>
+        </p:spPr>
+        <p:txBody>
+          <a:bodyPr vert="horz" wrap="square" lIns="0" tIns="0" rIns="0" bIns="0" numCol="1" anchor="ctr" anchorCtr="0" compatLnSpc="1">
+            <a:prstTxWarp prst="textNoShape">
+              <a:avLst/>
+            </a:prstTxWarp>
+            <a:spAutoFit/>
+          </a:bodyPr>
+          <a:lstStyle/>
+          <a:p>
+            <a:pPr marL="0" marR="0" lvl="0" indent="0" algn="l" defTabSz="914400" rtl="0" eaLnBrk="0" fontAlgn="base" latinLnBrk="0" hangingPunct="0">
+              <a:lnSpc>
+                <a:spcPct val="100000"/>
+              </a:lnSpc>
+              <a:spcBef>
+                <a:spcPct val="0"/>
+              </a:spcBef>
+              <a:spcAft>
+                <a:spcPct val="0"/>
+              </a:spcAft>
+              <a:buClrTx/>
+              <a:buSzTx/>
+              <a:buFontTx/>
+              <a:buNone/>
+              <a:tabLst/>
+            </a:pPr>
+            <a:r>
+              <a:rPr kumimoji="0" lang="en-US" altLang="en-US" b="0" i="0" u="none" strike="noStrike" cap="none" normalizeH="0" baseline="0" dirty="0">
+                <a:ln>
+                  <a:noFill/>
+                </a:ln>
+                <a:solidFill>
+                  <a:srgbClr val="1F1F1F"/>
+                </a:solidFill>
+                <a:effectLst/>
+                <a:latin typeface="Google Sans"/>
+              </a:rPr>
+              <a:t>The Hostel Management System has significant potential for future development and expansion. Here are some areas to consider:</a:t>
+            </a:r>
+          </a:p>
+          <a:p>
+            <a:pPr marL="0" marR="0" lvl="0" indent="0" algn="l" defTabSz="914400" rtl="0" eaLnBrk="0" fontAlgn="base" latinLnBrk="0" hangingPunct="0">
+              <a:lnSpc>
+                <a:spcPct val="100000"/>
+              </a:lnSpc>
+              <a:spcBef>
+                <a:spcPct val="0"/>
+              </a:spcBef>
+              <a:spcAft>
+                <a:spcPct val="0"/>
+              </a:spcAft>
+              <a:buClrTx/>
+              <a:buSzTx/>
+              <a:buFontTx/>
+              <a:buNone/>
+              <a:tabLst/>
+            </a:pPr>
+            <a:endParaRPr kumimoji="0" lang="en-US" altLang="en-US" b="0" i="0" u="none" strike="noStrike" cap="none" normalizeH="0" baseline="0" dirty="0">
+              <a:ln>
+                <a:noFill/>
+              </a:ln>
+              <a:solidFill>
+                <a:srgbClr val="1F1F1F"/>
+              </a:solidFill>
+              <a:effectLst/>
+              <a:latin typeface="Google Sans"/>
+            </a:endParaRPr>
+          </a:p>
+          <a:p>
+            <a:pPr marL="0" marR="0" lvl="0" indent="0" algn="l" defTabSz="914400" rtl="0" eaLnBrk="0" fontAlgn="base" latinLnBrk="0" hangingPunct="0">
+              <a:lnSpc>
+                <a:spcPct val="100000"/>
+              </a:lnSpc>
+              <a:spcBef>
+                <a:spcPct val="0"/>
+              </a:spcBef>
+              <a:spcAft>
+                <a:spcPct val="0"/>
+              </a:spcAft>
+              <a:buClrTx/>
+              <a:buSzTx/>
+              <a:buFontTx/>
+              <a:buAutoNum type="arabicPeriod"/>
+              <a:tabLst/>
+            </a:pPr>
+            <a:r>
+              <a:rPr kumimoji="0" lang="en-US" altLang="en-US" b="1" i="0" u="none" strike="noStrike" cap="none" normalizeH="0" baseline="0" dirty="0">
+                <a:ln>
+                  <a:noFill/>
+                </a:ln>
+                <a:solidFill>
+                  <a:srgbClr val="1F1F1F"/>
+                </a:solidFill>
+                <a:effectLst/>
+                <a:latin typeface="Google Sans"/>
+              </a:rPr>
+              <a:t> Integration with other systems:</a:t>
+            </a:r>
+            <a:r>
+              <a:rPr kumimoji="0" lang="en-US" altLang="en-US" b="0" i="0" u="none" strike="noStrike" cap="none" normalizeH="0" baseline="0" dirty="0">
+                <a:ln>
+                  <a:noFill/>
+                </a:ln>
+                <a:solidFill>
+                  <a:srgbClr val="1F1F1F"/>
+                </a:solidFill>
+                <a:effectLst/>
+                <a:latin typeface="Google Sans"/>
+              </a:rPr>
+              <a:t> Integrating the system with other campus-wide systems, such as student information systems (SIS), financial systems, and learning management systems (LMS), can streamline processes and provide a more holistic view of student data.</a:t>
+            </a:r>
+          </a:p>
+          <a:p>
+            <a:pPr marL="0" marR="0" lvl="0" indent="0" algn="l" defTabSz="914400" rtl="0" eaLnBrk="0" fontAlgn="base" latinLnBrk="0" hangingPunct="0">
+              <a:lnSpc>
+                <a:spcPct val="100000"/>
+              </a:lnSpc>
+              <a:spcBef>
+                <a:spcPct val="0"/>
+              </a:spcBef>
+              <a:spcAft>
+                <a:spcPct val="0"/>
+              </a:spcAft>
+              <a:buClrTx/>
+              <a:buSzTx/>
+              <a:buFontTx/>
+              <a:buAutoNum type="arabicPeriod"/>
+              <a:tabLst/>
+            </a:pPr>
+            <a:endParaRPr kumimoji="0" lang="en-US" altLang="en-US" b="0" i="0" u="none" strike="noStrike" cap="none" normalizeH="0" baseline="0" dirty="0">
+              <a:ln>
+                <a:noFill/>
+              </a:ln>
+              <a:solidFill>
+                <a:srgbClr val="1F1F1F"/>
+              </a:solidFill>
+              <a:effectLst/>
+              <a:latin typeface="Google Sans"/>
+            </a:endParaRPr>
+          </a:p>
+          <a:p>
+            <a:pPr marL="0" marR="0" lvl="0" indent="0" algn="l" defTabSz="914400" rtl="0" eaLnBrk="0" fontAlgn="base" latinLnBrk="0" hangingPunct="0">
+              <a:lnSpc>
+                <a:spcPct val="100000"/>
+              </a:lnSpc>
+              <a:spcBef>
+                <a:spcPct val="0"/>
+              </a:spcBef>
+              <a:spcAft>
+                <a:spcPct val="0"/>
+              </a:spcAft>
+              <a:buClrTx/>
+              <a:buSzTx/>
+              <a:buFontTx/>
+              <a:buAutoNum type="arabicPeriod" startAt="2"/>
+              <a:tabLst/>
+            </a:pPr>
+            <a:r>
+              <a:rPr kumimoji="0" lang="en-US" altLang="en-US" b="1" i="0" u="none" strike="noStrike" cap="none" normalizeH="0" baseline="0" dirty="0">
+                <a:ln>
+                  <a:noFill/>
+                </a:ln>
+                <a:solidFill>
+                  <a:srgbClr val="1F1F1F"/>
+                </a:solidFill>
+                <a:effectLst/>
+                <a:latin typeface="Google Sans"/>
+              </a:rPr>
+              <a:t> Mobile app:</a:t>
+            </a:r>
+            <a:r>
+              <a:rPr kumimoji="0" lang="en-US" altLang="en-US" b="0" i="0" u="none" strike="noStrike" cap="none" normalizeH="0" baseline="0" dirty="0">
+                <a:ln>
+                  <a:noFill/>
+                </a:ln>
+                <a:solidFill>
+                  <a:srgbClr val="1F1F1F"/>
+                </a:solidFill>
+                <a:effectLst/>
+                <a:latin typeface="Google Sans"/>
+              </a:rPr>
+              <a:t> Developing a mobile app for students and staff would allow for convenient access to hostel information and services, such as making payments, submitting maintenance requests, and viewing announcements</a:t>
+            </a:r>
+          </a:p>
+          <a:p>
+            <a:pPr marL="0" marR="0" lvl="0" indent="0" algn="l" defTabSz="914400" rtl="0" eaLnBrk="0" fontAlgn="base" latinLnBrk="0" hangingPunct="0">
+              <a:lnSpc>
+                <a:spcPct val="100000"/>
+              </a:lnSpc>
+              <a:spcBef>
+                <a:spcPct val="0"/>
+              </a:spcBef>
+              <a:spcAft>
+                <a:spcPct val="0"/>
+              </a:spcAft>
+              <a:buClrTx/>
+              <a:buSzTx/>
+              <a:buFontTx/>
+              <a:buAutoNum type="arabicPeriod" startAt="2"/>
+              <a:tabLst/>
+            </a:pPr>
+            <a:endParaRPr kumimoji="0" lang="en-US" altLang="en-US" b="0" i="0" u="none" strike="noStrike" cap="none" normalizeH="0" baseline="0" dirty="0">
+              <a:ln>
+                <a:noFill/>
+              </a:ln>
+              <a:solidFill>
+                <a:srgbClr val="1F1F1F"/>
+              </a:solidFill>
+              <a:effectLst/>
+              <a:latin typeface="Google Sans"/>
+            </a:endParaRPr>
+          </a:p>
+          <a:p>
+            <a:pPr marL="0" marR="0" lvl="0" indent="0" algn="l" defTabSz="914400" rtl="0" eaLnBrk="0" fontAlgn="base" latinLnBrk="0" hangingPunct="0">
+              <a:lnSpc>
+                <a:spcPct val="100000"/>
+              </a:lnSpc>
+              <a:spcBef>
+                <a:spcPct val="0"/>
+              </a:spcBef>
+              <a:spcAft>
+                <a:spcPct val="0"/>
+              </a:spcAft>
+              <a:buClrTx/>
+              <a:buSzTx/>
+              <a:buFontTx/>
+              <a:buAutoNum type="arabicPeriod" startAt="2"/>
+              <a:tabLst/>
+            </a:pPr>
+            <a:r>
+              <a:rPr kumimoji="0" lang="en-US" altLang="en-US" b="1" i="0" u="none" strike="noStrike" cap="none" normalizeH="0" baseline="0" dirty="0">
+                <a:ln>
+                  <a:noFill/>
+                </a:ln>
+                <a:solidFill>
+                  <a:srgbClr val="1F1F1F"/>
+                </a:solidFill>
+                <a:effectLst/>
+                <a:latin typeface="Google Sans"/>
+              </a:rPr>
+              <a:t> Automated notifications:</a:t>
+            </a:r>
+            <a:r>
+              <a:rPr kumimoji="0" lang="en-US" altLang="en-US" b="0" i="0" u="none" strike="noStrike" cap="none" normalizeH="0" baseline="0" dirty="0">
+                <a:ln>
+                  <a:noFill/>
+                </a:ln>
+                <a:solidFill>
+                  <a:srgbClr val="1F1F1F"/>
+                </a:solidFill>
+                <a:effectLst/>
+                <a:latin typeface="Google Sans"/>
+              </a:rPr>
+              <a:t> Implementing automated notifications can keep students and staff informed about important events, such as upcoming deadlines, changes in rules, or maintenance schedules.</a:t>
+            </a:r>
+            <a:endParaRPr lang="en-US" altLang="en-US" dirty="0">
+              <a:solidFill>
+                <a:srgbClr val="1F1F1F"/>
+              </a:solidFill>
+              <a:latin typeface="Google Sans"/>
+            </a:endParaRPr>
+          </a:p>
+          <a:p>
+            <a:pPr marL="0" marR="0" lvl="0" indent="0" algn="l" defTabSz="914400" rtl="0" eaLnBrk="0" fontAlgn="base" latinLnBrk="0" hangingPunct="0">
+              <a:lnSpc>
+                <a:spcPct val="100000"/>
+              </a:lnSpc>
+              <a:spcBef>
+                <a:spcPct val="0"/>
+              </a:spcBef>
+              <a:spcAft>
+                <a:spcPct val="0"/>
+              </a:spcAft>
+              <a:buClrTx/>
+              <a:buSzTx/>
+              <a:buFontTx/>
+              <a:buAutoNum type="arabicPeriod" startAt="2"/>
+              <a:tabLst/>
+            </a:pPr>
+            <a:endParaRPr kumimoji="0" lang="en-US" altLang="en-US" b="1" i="0" u="none" strike="noStrike" cap="none" normalizeH="0" baseline="0" dirty="0">
+              <a:ln>
+                <a:noFill/>
+              </a:ln>
+              <a:solidFill>
+                <a:srgbClr val="1F1F1F"/>
+              </a:solidFill>
+              <a:effectLst/>
+              <a:latin typeface="Google Sans"/>
+            </a:endParaRPr>
+          </a:p>
+          <a:p>
+            <a:pPr marL="0" marR="0" lvl="0" indent="0" algn="l" defTabSz="914400" rtl="0" eaLnBrk="0" fontAlgn="base" latinLnBrk="0" hangingPunct="0">
+              <a:lnSpc>
+                <a:spcPct val="100000"/>
+              </a:lnSpc>
+              <a:spcBef>
+                <a:spcPct val="0"/>
+              </a:spcBef>
+              <a:spcAft>
+                <a:spcPct val="0"/>
+              </a:spcAft>
+              <a:buClrTx/>
+              <a:buSzTx/>
+              <a:buFontTx/>
+              <a:buAutoNum type="arabicPeriod" startAt="2"/>
+              <a:tabLst/>
+            </a:pPr>
+            <a:r>
+              <a:rPr kumimoji="0" lang="en-US" altLang="en-US" b="1" i="0" u="none" strike="noStrike" cap="none" normalizeH="0" baseline="0" dirty="0">
+                <a:ln>
+                  <a:noFill/>
+                </a:ln>
+                <a:solidFill>
+                  <a:srgbClr val="1F1F1F"/>
+                </a:solidFill>
+                <a:effectLst/>
+                <a:latin typeface="Google Sans"/>
+              </a:rPr>
+              <a:t> Customizable dashboards:</a:t>
+            </a:r>
+            <a:r>
+              <a:rPr kumimoji="0" lang="en-US" altLang="en-US" b="0" i="0" u="none" strike="noStrike" cap="none" normalizeH="0" baseline="0" dirty="0">
+                <a:ln>
+                  <a:noFill/>
+                </a:ln>
+                <a:solidFill>
+                  <a:srgbClr val="1F1F1F"/>
+                </a:solidFill>
+                <a:effectLst/>
+                <a:latin typeface="Google Sans"/>
+              </a:rPr>
+              <a:t> Providing customizable dashboards for administrators can allow them to tailor the system to their specific needs and preferences.</a:t>
+            </a:r>
+          </a:p>
+          <a:p>
+            <a:pPr marL="0" marR="0" lvl="0" indent="0" algn="l" defTabSz="914400" rtl="0" eaLnBrk="0" fontAlgn="base" latinLnBrk="0" hangingPunct="0">
+              <a:lnSpc>
+                <a:spcPct val="100000"/>
+              </a:lnSpc>
+              <a:spcBef>
+                <a:spcPct val="0"/>
+              </a:spcBef>
+              <a:spcAft>
+                <a:spcPct val="0"/>
+              </a:spcAft>
+              <a:buClrTx/>
+              <a:buSzTx/>
+              <a:buFontTx/>
+              <a:buAutoNum type="arabicPeriod" startAt="2"/>
+              <a:tabLst/>
+            </a:pPr>
+            <a:endParaRPr lang="en-US" altLang="en-US" dirty="0">
+              <a:solidFill>
+                <a:srgbClr val="1F1F1F"/>
+              </a:solidFill>
+              <a:latin typeface="Google Sans"/>
+            </a:endParaRPr>
+          </a:p>
+          <a:p>
+            <a:pPr marL="0" marR="0" lvl="0" indent="0" algn="l" defTabSz="914400" rtl="0" eaLnBrk="0" fontAlgn="base" latinLnBrk="0" hangingPunct="0">
+              <a:lnSpc>
+                <a:spcPct val="100000"/>
+              </a:lnSpc>
+              <a:spcBef>
+                <a:spcPct val="0"/>
+              </a:spcBef>
+              <a:spcAft>
+                <a:spcPct val="0"/>
+              </a:spcAft>
+              <a:buClrTx/>
+              <a:buSzTx/>
+              <a:buFontTx/>
+              <a:buAutoNum type="arabicPeriod" startAt="2"/>
+              <a:tabLst/>
+            </a:pPr>
+            <a:r>
+              <a:rPr kumimoji="0" lang="en-US" altLang="en-US" b="1" i="0" u="none" strike="noStrike" cap="none" normalizeH="0" baseline="0" dirty="0">
+                <a:ln>
+                  <a:noFill/>
+                </a:ln>
+                <a:solidFill>
+                  <a:srgbClr val="1F1F1F"/>
+                </a:solidFill>
+                <a:effectLst/>
+                <a:latin typeface="Google Sans"/>
+              </a:rPr>
+              <a:t> SaaS Model: </a:t>
+            </a:r>
+            <a:r>
+              <a:rPr lang="en-US" altLang="en-US" dirty="0">
+                <a:solidFill>
+                  <a:srgbClr val="1F1F1F"/>
+                </a:solidFill>
+                <a:latin typeface="Google Sans"/>
+              </a:rPr>
+              <a:t>Providing the services through SaaS model to incorporate other institutions, universities at a premium.</a:t>
+            </a:r>
+            <a:endParaRPr kumimoji="0" lang="en-US" altLang="en-US" b="1" i="0" u="none" strike="noStrike" cap="none" normalizeH="0" baseline="0" dirty="0">
+              <a:ln>
+                <a:noFill/>
+              </a:ln>
+              <a:solidFill>
+                <a:schemeClr val="tx1"/>
+              </a:solidFill>
+              <a:effectLst/>
+              <a:latin typeface="Arial" panose="020B0604020202020204" pitchFamily="34" charset="0"/>
+            </a:endParaRPr>
+          </a:p>
+        </p:txBody>
+      </p:sp>
+    </p:spTree>
+    <p:extLst>
+      <p:ext uri="{BB962C8B-B14F-4D97-AF65-F5344CB8AC3E}">
+        <p14:creationId xmlns:p14="http://schemas.microsoft.com/office/powerpoint/2010/main" val="1091307680"/>
+      </p:ext>
+    </p:extLst>
+  </p:cSld>
+  <p:clrMapOvr>
+    <a:masterClrMapping/>
+  </p:clrMapOvr>
+</p:sld>
+</file>
+
+<file path=ppt/slides/slide8.xml><?xml version="1.0" encoding="utf-8"?>
 <p:sld xmlns:a="http://schemas.openxmlformats.org/drawingml/2006/main" xmlns:r="http://schemas.openxmlformats.org/officeDocument/2006/relationships" xmlns:p="http://schemas.openxmlformats.org/presentationml/2006/main">
   <p:cSld>
     <p:spTree>
@@ -4204,6 +6007,41 @@
           </a:p>
         </p:txBody>
       </p:sp>
+      <p:sp>
+        <p:nvSpPr>
+          <p:cNvPr id="5" name="TextBox 4">
+            <a:extLst>
+              <a:ext uri="{FF2B5EF4-FFF2-40B4-BE49-F238E27FC236}">
+                <a16:creationId xmlns:a16="http://schemas.microsoft.com/office/drawing/2014/main" id="{5EA754CA-2B56-B2F7-FE80-A84FC5E0AB47}"/>
+              </a:ext>
+            </a:extLst>
+          </p:cNvPr>
+          <p:cNvSpPr txBox="1"/>
+          <p:nvPr/>
+        </p:nvSpPr>
+        <p:spPr>
+          <a:xfrm>
+            <a:off x="228600" y="244481"/>
+            <a:ext cx="4480560" cy="461665"/>
+          </a:xfrm>
+          <a:prstGeom prst="rect">
+            <a:avLst/>
+          </a:prstGeom>
+          <a:noFill/>
+        </p:spPr>
+        <p:txBody>
+          <a:bodyPr wrap="square" rtlCol="0">
+            <a:spAutoFit/>
+          </a:bodyPr>
+          <a:lstStyle/>
+          <a:p>
+            <a:r>
+              <a:rPr lang="en-IN" sz="2400" b="1" dirty="0"/>
+              <a:t>Features to be added …..</a:t>
+            </a:r>
+          </a:p>
+        </p:txBody>
+      </p:sp>
     </p:spTree>
     <p:extLst>
       <p:ext uri="{BB962C8B-B14F-4D97-AF65-F5344CB8AC3E}">
@@ -4217,7 +6055,7 @@
 </p:sld>
 </file>
 
-<file path=ppt/slides/slide15.xml><?xml version="1.0" encoding="utf-8"?>
+<file path=ppt/slides/slide9.xml><?xml version="1.0" encoding="utf-8"?>
 <p:sld xmlns:a="http://schemas.openxmlformats.org/drawingml/2006/main" xmlns:r="http://schemas.openxmlformats.org/officeDocument/2006/relationships" xmlns:p="http://schemas.openxmlformats.org/presentationml/2006/main">
   <p:cSld>
     <p:spTree>
@@ -4274,3360 +6112,6 @@
     <p:extLst>
       <p:ext uri="{BB962C8B-B14F-4D97-AF65-F5344CB8AC3E}">
         <p14:creationId xmlns:p14="http://schemas.microsoft.com/office/powerpoint/2010/main" val="689018732"/>
-      </p:ext>
-    </p:extLst>
-  </p:cSld>
-  <p:clrMapOvr>
-    <a:masterClrMapping/>
-  </p:clrMapOvr>
-</p:sld>
-</file>
-
-<file path=ppt/slides/slide16.xml><?xml version="1.0" encoding="utf-8"?>
-<p:sld xmlns:a="http://schemas.openxmlformats.org/drawingml/2006/main" xmlns:r="http://schemas.openxmlformats.org/officeDocument/2006/relationships" xmlns:p="http://schemas.openxmlformats.org/presentationml/2006/main">
-  <p:cSld>
-    <p:spTree>
-      <p:nvGrpSpPr>
-        <p:cNvPr id="1" name=""/>
-        <p:cNvGrpSpPr/>
-        <p:nvPr/>
-      </p:nvGrpSpPr>
-      <p:grpSpPr>
-        <a:xfrm>
-          <a:off x="0" y="0"/>
-          <a:ext cx="0" cy="0"/>
-          <a:chOff x="0" y="0"/>
-          <a:chExt cx="0" cy="0"/>
-        </a:xfrm>
-      </p:grpSpPr>
-      <p:pic>
-        <p:nvPicPr>
-          <p:cNvPr id="2" name="Picture 1">
-            <a:extLst>
-              <a:ext uri="{FF2B5EF4-FFF2-40B4-BE49-F238E27FC236}">
-                <a16:creationId xmlns:a16="http://schemas.microsoft.com/office/drawing/2014/main" id="{9F86F73B-6912-B44B-5D97-FC294D720E28}"/>
-              </a:ext>
-            </a:extLst>
-          </p:cNvPr>
-          <p:cNvPicPr>
-            <a:picLocks noChangeAspect="1"/>
-          </p:cNvPicPr>
-          <p:nvPr/>
-        </p:nvPicPr>
-        <p:blipFill>
-          <a:blip r:embed="rId2"/>
-          <a:stretch>
-            <a:fillRect/>
-          </a:stretch>
-        </p:blipFill>
-        <p:spPr>
-          <a:xfrm>
-            <a:off x="981892" y="1005840"/>
-            <a:ext cx="7180216" cy="5483074"/>
-          </a:xfrm>
-          <a:prstGeom prst="rect">
-            <a:avLst/>
-          </a:prstGeom>
-        </p:spPr>
-      </p:pic>
-    </p:spTree>
-    <p:extLst>
-      <p:ext uri="{BB962C8B-B14F-4D97-AF65-F5344CB8AC3E}">
-        <p14:creationId xmlns:p14="http://schemas.microsoft.com/office/powerpoint/2010/main" val="384476231"/>
-      </p:ext>
-    </p:extLst>
-  </p:cSld>
-  <p:clrMapOvr>
-    <a:masterClrMapping/>
-  </p:clrMapOvr>
-</p:sld>
-</file>
-
-<file path=ppt/slides/slide17.xml><?xml version="1.0" encoding="utf-8"?>
-<p:sld xmlns:a="http://schemas.openxmlformats.org/drawingml/2006/main" xmlns:r="http://schemas.openxmlformats.org/officeDocument/2006/relationships" xmlns:p="http://schemas.openxmlformats.org/presentationml/2006/main">
-  <p:cSld>
-    <p:spTree>
-      <p:nvGrpSpPr>
-        <p:cNvPr id="1" name=""/>
-        <p:cNvGrpSpPr/>
-        <p:nvPr/>
-      </p:nvGrpSpPr>
-      <p:grpSpPr>
-        <a:xfrm>
-          <a:off x="0" y="0"/>
-          <a:ext cx="0" cy="0"/>
-          <a:chOff x="0" y="0"/>
-          <a:chExt cx="0" cy="0"/>
-        </a:xfrm>
-      </p:grpSpPr>
-      <p:pic>
-        <p:nvPicPr>
-          <p:cNvPr id="2" name="Picture 1">
-            <a:extLst>
-              <a:ext uri="{FF2B5EF4-FFF2-40B4-BE49-F238E27FC236}">
-                <a16:creationId xmlns:a16="http://schemas.microsoft.com/office/drawing/2014/main" id="{B90635FF-C7D7-CFB4-CA29-A0B95661B13C}"/>
-              </a:ext>
-            </a:extLst>
-          </p:cNvPr>
-          <p:cNvPicPr>
-            <a:picLocks noChangeAspect="1"/>
-          </p:cNvPicPr>
-          <p:nvPr/>
-        </p:nvPicPr>
-        <p:blipFill>
-          <a:blip r:embed="rId2"/>
-          <a:stretch>
-            <a:fillRect/>
-          </a:stretch>
-        </p:blipFill>
-        <p:spPr>
-          <a:xfrm>
-            <a:off x="905256" y="976121"/>
-            <a:ext cx="7333488" cy="5583451"/>
-          </a:xfrm>
-          <a:prstGeom prst="rect">
-            <a:avLst/>
-          </a:prstGeom>
-        </p:spPr>
-      </p:pic>
-    </p:spTree>
-    <p:extLst>
-      <p:ext uri="{BB962C8B-B14F-4D97-AF65-F5344CB8AC3E}">
-        <p14:creationId xmlns:p14="http://schemas.microsoft.com/office/powerpoint/2010/main" val="3966828127"/>
-      </p:ext>
-    </p:extLst>
-  </p:cSld>
-  <p:clrMapOvr>
-    <a:masterClrMapping/>
-  </p:clrMapOvr>
-</p:sld>
-</file>
-
-<file path=ppt/slides/slide18.xml><?xml version="1.0" encoding="utf-8"?>
-<p:sld xmlns:a="http://schemas.openxmlformats.org/drawingml/2006/main" xmlns:r="http://schemas.openxmlformats.org/officeDocument/2006/relationships" xmlns:p="http://schemas.openxmlformats.org/presentationml/2006/main">
-  <p:cSld>
-    <p:spTree>
-      <p:nvGrpSpPr>
-        <p:cNvPr id="1" name=""/>
-        <p:cNvGrpSpPr/>
-        <p:nvPr/>
-      </p:nvGrpSpPr>
-      <p:grpSpPr>
-        <a:xfrm>
-          <a:off x="0" y="0"/>
-          <a:ext cx="0" cy="0"/>
-          <a:chOff x="0" y="0"/>
-          <a:chExt cx="0" cy="0"/>
-        </a:xfrm>
-      </p:grpSpPr>
-      <p:sp>
-        <p:nvSpPr>
-          <p:cNvPr id="2" name="Title 1">
-            <a:extLst>
-              <a:ext uri="{FF2B5EF4-FFF2-40B4-BE49-F238E27FC236}">
-                <a16:creationId xmlns:a16="http://schemas.microsoft.com/office/drawing/2014/main" id="{2B8331A9-4B8E-02B3-6466-3BF132569AD2}"/>
-              </a:ext>
-            </a:extLst>
-          </p:cNvPr>
-          <p:cNvSpPr>
-            <a:spLocks noGrp="1"/>
-          </p:cNvSpPr>
-          <p:nvPr>
-            <p:ph type="title"/>
-          </p:nvPr>
-        </p:nvSpPr>
-        <p:spPr/>
-        <p:txBody>
-          <a:bodyPr/>
-          <a:lstStyle/>
-          <a:p>
-            <a:r>
-              <a:rPr lang="en-IN" sz="2000" dirty="0"/>
-              <a:t>		</a:t>
-            </a:r>
-            <a:r>
-              <a:rPr lang="en-US" sz="1800" b="1" u="sng" kern="100" dirty="0">
-                <a:effectLst/>
-                <a:latin typeface="Times New Roman" panose="02020603050405020304" pitchFamily="18" charset="0"/>
-                <a:ea typeface="Calibri" panose="020F0502020204030204" pitchFamily="34" charset="0"/>
-              </a:rPr>
-              <a:t>TECHNOLOGIES AND TOOLS</a:t>
-            </a:r>
-            <a:endParaRPr lang="en-IN" sz="2000" dirty="0"/>
-          </a:p>
-        </p:txBody>
-      </p:sp>
-      <p:sp>
-        <p:nvSpPr>
-          <p:cNvPr id="3" name="TextBox 2">
-            <a:extLst>
-              <a:ext uri="{FF2B5EF4-FFF2-40B4-BE49-F238E27FC236}">
-                <a16:creationId xmlns:a16="http://schemas.microsoft.com/office/drawing/2014/main" id="{7793AFE9-9FF4-80DE-7F3A-3D775962DC4A}"/>
-              </a:ext>
-            </a:extLst>
-          </p:cNvPr>
-          <p:cNvSpPr txBox="1"/>
-          <p:nvPr/>
-        </p:nvSpPr>
-        <p:spPr>
-          <a:xfrm>
-            <a:off x="190746" y="1149981"/>
-            <a:ext cx="8091948" cy="3170099"/>
-          </a:xfrm>
-          <a:prstGeom prst="rect">
-            <a:avLst/>
-          </a:prstGeom>
-          <a:noFill/>
-        </p:spPr>
-        <p:txBody>
-          <a:bodyPr wrap="square" rtlCol="0">
-            <a:spAutoFit/>
-          </a:bodyPr>
-          <a:lstStyle/>
-          <a:p>
-            <a:pPr marL="342900" lvl="0" indent="-342900">
-              <a:spcBef>
-                <a:spcPts val="1220"/>
-              </a:spcBef>
-              <a:buSzPts val="1000"/>
-              <a:buFont typeface="Symbol" panose="05050102010706020507" pitchFamily="18" charset="2"/>
-              <a:buChar char=""/>
-              <a:tabLst>
-                <a:tab pos="457200" algn="l"/>
-                <a:tab pos="758825" algn="l"/>
-                <a:tab pos="759460" algn="l"/>
-              </a:tabLst>
-            </a:pPr>
-            <a:r>
-              <a:rPr lang="en-IN" sz="2000" b="1" dirty="0">
-                <a:effectLst/>
-                <a:latin typeface="Times New Roman" panose="02020603050405020304" pitchFamily="18" charset="0"/>
-                <a:ea typeface="Times New Roman" panose="02020603050405020304" pitchFamily="18" charset="0"/>
-              </a:rPr>
-              <a:t>Local Development:</a:t>
-            </a:r>
-            <a:endParaRPr lang="en-IN" sz="2000" dirty="0">
-              <a:effectLst/>
-              <a:latin typeface="Times New Roman" panose="02020603050405020304" pitchFamily="18" charset="0"/>
-              <a:ea typeface="Times New Roman" panose="02020603050405020304" pitchFamily="18" charset="0"/>
-            </a:endParaRPr>
-          </a:p>
-          <a:p>
-            <a:pPr marL="742950" lvl="1" indent="-285750">
-              <a:spcBef>
-                <a:spcPts val="1220"/>
-              </a:spcBef>
-              <a:spcAft>
-                <a:spcPts val="0"/>
-              </a:spcAft>
-              <a:buSzPts val="1000"/>
-              <a:buFont typeface="Courier New" panose="02070309020205020404" pitchFamily="49" charset="0"/>
-              <a:buChar char="o"/>
-              <a:tabLst>
-                <a:tab pos="758825" algn="l"/>
-                <a:tab pos="759460" algn="l"/>
-                <a:tab pos="914400" algn="l"/>
-              </a:tabLst>
-            </a:pPr>
-            <a:r>
-              <a:rPr lang="en-IN" sz="2000" b="1" dirty="0">
-                <a:effectLst/>
-                <a:latin typeface="Times New Roman" panose="02020603050405020304" pitchFamily="18" charset="0"/>
-                <a:ea typeface="Times New Roman" panose="02020603050405020304" pitchFamily="18" charset="0"/>
-                <a:cs typeface="Times New Roman" panose="02020603050405020304" pitchFamily="18" charset="0"/>
-              </a:rPr>
-              <a:t>Frontend:</a:t>
-            </a:r>
-            <a:r>
-              <a:rPr lang="en-IN" sz="2000" dirty="0">
-                <a:effectLst/>
-                <a:latin typeface="Times New Roman" panose="02020603050405020304" pitchFamily="18" charset="0"/>
-                <a:ea typeface="Times New Roman" panose="02020603050405020304" pitchFamily="18" charset="0"/>
-                <a:cs typeface="Times New Roman" panose="02020603050405020304" pitchFamily="18" charset="0"/>
-              </a:rPr>
-              <a:t> React.js for building the user interface. Tools like create-react-app can help you get started quickly.</a:t>
-            </a:r>
-          </a:p>
-          <a:p>
-            <a:pPr marL="742950" lvl="1" indent="-285750">
-              <a:spcBef>
-                <a:spcPts val="1220"/>
-              </a:spcBef>
-              <a:spcAft>
-                <a:spcPts val="0"/>
-              </a:spcAft>
-              <a:buSzPts val="1000"/>
-              <a:buFont typeface="Courier New" panose="02070309020205020404" pitchFamily="49" charset="0"/>
-              <a:buChar char="o"/>
-              <a:tabLst>
-                <a:tab pos="758825" algn="l"/>
-                <a:tab pos="759460" algn="l"/>
-                <a:tab pos="914400" algn="l"/>
-              </a:tabLst>
-            </a:pPr>
-            <a:r>
-              <a:rPr lang="en-IN" sz="2000" b="1" dirty="0">
-                <a:effectLst/>
-                <a:latin typeface="Times New Roman" panose="02020603050405020304" pitchFamily="18" charset="0"/>
-                <a:ea typeface="Times New Roman" panose="02020603050405020304" pitchFamily="18" charset="0"/>
-                <a:cs typeface="Times New Roman" panose="02020603050405020304" pitchFamily="18" charset="0"/>
-              </a:rPr>
-              <a:t>Backend:</a:t>
-            </a:r>
-            <a:r>
-              <a:rPr lang="en-IN" sz="2000" dirty="0">
-                <a:effectLst/>
-                <a:latin typeface="Times New Roman" panose="02020603050405020304" pitchFamily="18" charset="0"/>
-                <a:ea typeface="Times New Roman" panose="02020603050405020304" pitchFamily="18" charset="0"/>
-                <a:cs typeface="Times New Roman" panose="02020603050405020304" pitchFamily="18" charset="0"/>
-              </a:rPr>
-              <a:t> Node.js with Express.js for creating RESTful APIs.</a:t>
-            </a:r>
-          </a:p>
-          <a:p>
-            <a:pPr marL="742950" lvl="1" indent="-285750">
-              <a:spcBef>
-                <a:spcPts val="1220"/>
-              </a:spcBef>
-              <a:spcAft>
-                <a:spcPts val="0"/>
-              </a:spcAft>
-              <a:buSzPts val="1000"/>
-              <a:buFont typeface="Courier New" panose="02070309020205020404" pitchFamily="49" charset="0"/>
-              <a:buChar char="o"/>
-              <a:tabLst>
-                <a:tab pos="758825" algn="l"/>
-                <a:tab pos="759460" algn="l"/>
-                <a:tab pos="914400" algn="l"/>
-              </a:tabLst>
-            </a:pPr>
-            <a:r>
-              <a:rPr lang="en-IN" sz="2000" b="1" dirty="0">
-                <a:effectLst/>
-                <a:latin typeface="Times New Roman" panose="02020603050405020304" pitchFamily="18" charset="0"/>
-                <a:ea typeface="Times New Roman" panose="02020603050405020304" pitchFamily="18" charset="0"/>
-                <a:cs typeface="Times New Roman" panose="02020603050405020304" pitchFamily="18" charset="0"/>
-              </a:rPr>
-              <a:t>Database:</a:t>
-            </a:r>
-            <a:r>
-              <a:rPr lang="en-IN" sz="2000" dirty="0">
-                <a:effectLst/>
-                <a:latin typeface="Times New Roman" panose="02020603050405020304" pitchFamily="18" charset="0"/>
-                <a:ea typeface="Times New Roman" panose="02020603050405020304" pitchFamily="18" charset="0"/>
-                <a:cs typeface="Times New Roman" panose="02020603050405020304" pitchFamily="18" charset="0"/>
-              </a:rPr>
-              <a:t> Use a database like MySQL, MongoDB for storing data. </a:t>
-            </a:r>
-          </a:p>
-          <a:p>
-            <a:pPr marL="742950" lvl="1" indent="-285750">
-              <a:spcBef>
-                <a:spcPts val="1220"/>
-              </a:spcBef>
-              <a:spcAft>
-                <a:spcPts val="0"/>
-              </a:spcAft>
-              <a:buSzPts val="1000"/>
-              <a:buFont typeface="Courier New" panose="02070309020205020404" pitchFamily="49" charset="0"/>
-              <a:buChar char="o"/>
-              <a:tabLst>
-                <a:tab pos="758825" algn="l"/>
-                <a:tab pos="759460" algn="l"/>
-                <a:tab pos="914400" algn="l"/>
-              </a:tabLst>
-            </a:pPr>
-            <a:r>
-              <a:rPr lang="en-IN" sz="2000" b="1" dirty="0">
-                <a:effectLst/>
-                <a:latin typeface="Times New Roman" panose="02020603050405020304" pitchFamily="18" charset="0"/>
-                <a:ea typeface="Times New Roman" panose="02020603050405020304" pitchFamily="18" charset="0"/>
-                <a:cs typeface="Times New Roman" panose="02020603050405020304" pitchFamily="18" charset="0"/>
-              </a:rPr>
-              <a:t>Version Control:</a:t>
-            </a:r>
-            <a:r>
-              <a:rPr lang="en-IN" sz="2000" dirty="0">
-                <a:effectLst/>
-                <a:latin typeface="Times New Roman" panose="02020603050405020304" pitchFamily="18" charset="0"/>
-                <a:ea typeface="Times New Roman" panose="02020603050405020304" pitchFamily="18" charset="0"/>
-                <a:cs typeface="Times New Roman" panose="02020603050405020304" pitchFamily="18" charset="0"/>
-              </a:rPr>
-              <a:t> Use Git for version control, and GitHub for collaboration and repository management.</a:t>
-            </a:r>
-          </a:p>
-          <a:p>
-            <a:endParaRPr lang="en-IN" sz="2000" dirty="0"/>
-          </a:p>
-        </p:txBody>
-      </p:sp>
-      <p:sp>
-        <p:nvSpPr>
-          <p:cNvPr id="5" name="TextBox 4">
-            <a:extLst>
-              <a:ext uri="{FF2B5EF4-FFF2-40B4-BE49-F238E27FC236}">
-                <a16:creationId xmlns:a16="http://schemas.microsoft.com/office/drawing/2014/main" id="{E7E46B6C-7D13-D4A3-3233-A524FC151B3E}"/>
-              </a:ext>
-            </a:extLst>
-          </p:cNvPr>
-          <p:cNvSpPr txBox="1"/>
-          <p:nvPr/>
-        </p:nvSpPr>
-        <p:spPr>
-          <a:xfrm>
-            <a:off x="190746" y="4320080"/>
-            <a:ext cx="7909560" cy="861774"/>
-          </a:xfrm>
-          <a:prstGeom prst="rect">
-            <a:avLst/>
-          </a:prstGeom>
-          <a:noFill/>
-        </p:spPr>
-        <p:txBody>
-          <a:bodyPr wrap="square">
-            <a:spAutoFit/>
-          </a:bodyPr>
-          <a:lstStyle/>
-          <a:p>
-            <a:pPr marL="342900" indent="-342900">
-              <a:spcBef>
-                <a:spcPts val="1220"/>
-              </a:spcBef>
-              <a:buFont typeface="Arial" panose="020B0604020202020204" pitchFamily="34" charset="0"/>
-              <a:buChar char="•"/>
-              <a:tabLst>
-                <a:tab pos="758825" algn="l"/>
-                <a:tab pos="759460" algn="l"/>
-              </a:tabLst>
-            </a:pPr>
-            <a:r>
-              <a:rPr lang="en-IN" sz="2000" b="1" dirty="0">
-                <a:effectLst/>
-                <a:latin typeface="Times New Roman" panose="02020603050405020304" pitchFamily="18" charset="0"/>
-                <a:ea typeface="Times New Roman" panose="02020603050405020304" pitchFamily="18" charset="0"/>
-              </a:rPr>
-              <a:t>Platform-as-a-Service (PaaS):</a:t>
-            </a:r>
-            <a:endParaRPr lang="en-IN" sz="2000" dirty="0">
-              <a:effectLst/>
-              <a:latin typeface="Times New Roman" panose="02020603050405020304" pitchFamily="18" charset="0"/>
-              <a:ea typeface="Times New Roman" panose="02020603050405020304" pitchFamily="18" charset="0"/>
-            </a:endParaRPr>
-          </a:p>
-          <a:p>
-            <a:pPr>
-              <a:spcBef>
-                <a:spcPts val="1220"/>
-              </a:spcBef>
-              <a:tabLst>
-                <a:tab pos="758825" algn="l"/>
-                <a:tab pos="759460" algn="l"/>
-              </a:tabLst>
-            </a:pPr>
-            <a:r>
-              <a:rPr lang="en-IN" sz="2000" b="1" dirty="0">
-                <a:effectLst/>
-                <a:latin typeface="Times New Roman" panose="02020603050405020304" pitchFamily="18" charset="0"/>
-                <a:ea typeface="Times New Roman" panose="02020603050405020304" pitchFamily="18" charset="0"/>
-              </a:rPr>
-              <a:t>       Netlify:</a:t>
-            </a:r>
-            <a:r>
-              <a:rPr lang="en-IN" sz="2000" dirty="0">
-                <a:effectLst/>
-                <a:latin typeface="Times New Roman" panose="02020603050405020304" pitchFamily="18" charset="0"/>
-                <a:ea typeface="Times New Roman" panose="02020603050405020304" pitchFamily="18" charset="0"/>
-              </a:rPr>
-              <a:t>  It offers easy deployment for static and serverless React apps.</a:t>
-            </a:r>
-          </a:p>
-        </p:txBody>
-      </p:sp>
-    </p:spTree>
-    <p:extLst>
-      <p:ext uri="{BB962C8B-B14F-4D97-AF65-F5344CB8AC3E}">
-        <p14:creationId xmlns:p14="http://schemas.microsoft.com/office/powerpoint/2010/main" val="1073456313"/>
-      </p:ext>
-    </p:extLst>
-  </p:cSld>
-  <p:clrMapOvr>
-    <a:masterClrMapping/>
-  </p:clrMapOvr>
-</p:sld>
-</file>
-
-<file path=ppt/slides/slide19.xml><?xml version="1.0" encoding="utf-8"?>
-<p:sld xmlns:a="http://schemas.openxmlformats.org/drawingml/2006/main" xmlns:r="http://schemas.openxmlformats.org/officeDocument/2006/relationships" xmlns:p="http://schemas.openxmlformats.org/presentationml/2006/main">
-  <p:cSld>
-    <p:spTree>
-      <p:nvGrpSpPr>
-        <p:cNvPr id="1" name=""/>
-        <p:cNvGrpSpPr/>
-        <p:nvPr/>
-      </p:nvGrpSpPr>
-      <p:grpSpPr>
-        <a:xfrm>
-          <a:off x="0" y="0"/>
-          <a:ext cx="0" cy="0"/>
-          <a:chOff x="0" y="0"/>
-          <a:chExt cx="0" cy="0"/>
-        </a:xfrm>
-      </p:grpSpPr>
-      <p:sp>
-        <p:nvSpPr>
-          <p:cNvPr id="2" name="Title 1">
-            <a:extLst>
-              <a:ext uri="{FF2B5EF4-FFF2-40B4-BE49-F238E27FC236}">
-                <a16:creationId xmlns:a16="http://schemas.microsoft.com/office/drawing/2014/main" id="{E46625E9-2905-3704-68CE-2615756FFEA5}"/>
-              </a:ext>
-            </a:extLst>
-          </p:cNvPr>
-          <p:cNvSpPr>
-            <a:spLocks noGrp="1"/>
-          </p:cNvSpPr>
-          <p:nvPr>
-            <p:ph type="title"/>
-          </p:nvPr>
-        </p:nvSpPr>
-        <p:spPr/>
-        <p:txBody>
-          <a:bodyPr/>
-          <a:lstStyle/>
-          <a:p>
-            <a:r>
-              <a:rPr lang="en-IN" sz="2000" b="1" dirty="0"/>
-              <a:t>   Conclusion</a:t>
-            </a:r>
-          </a:p>
-        </p:txBody>
-      </p:sp>
-      <p:sp>
-        <p:nvSpPr>
-          <p:cNvPr id="4" name="TextBox 3">
-            <a:extLst>
-              <a:ext uri="{FF2B5EF4-FFF2-40B4-BE49-F238E27FC236}">
-                <a16:creationId xmlns:a16="http://schemas.microsoft.com/office/drawing/2014/main" id="{16BDF915-3F52-56CE-8791-C2B8CDFB7E6A}"/>
-              </a:ext>
-            </a:extLst>
-          </p:cNvPr>
-          <p:cNvSpPr txBox="1"/>
-          <p:nvPr/>
-        </p:nvSpPr>
-        <p:spPr>
-          <a:xfrm>
-            <a:off x="206477" y="914040"/>
-            <a:ext cx="8937523" cy="1754326"/>
-          </a:xfrm>
-          <a:prstGeom prst="rect">
-            <a:avLst/>
-          </a:prstGeom>
-          <a:noFill/>
-        </p:spPr>
-        <p:txBody>
-          <a:bodyPr wrap="square" rtlCol="0">
-            <a:spAutoFit/>
-          </a:bodyPr>
-          <a:lstStyle/>
-          <a:p>
-            <a:r>
-              <a:rPr lang="en-GB" dirty="0"/>
-              <a:t>Hostel Sync offers an efficient solution to address the challenges faced by hostels. By automating key processes, enhancing transparency, and improving communication, the system empowers hostel administrators to effectively manage their operations and provide a better overall experience for students and staff. </a:t>
-            </a:r>
-          </a:p>
-          <a:p>
-            <a:endParaRPr lang="en-GB" b="1" dirty="0"/>
-          </a:p>
-          <a:p>
-            <a:endParaRPr lang="en-IN" dirty="0"/>
-          </a:p>
-        </p:txBody>
-      </p:sp>
-      <p:sp>
-        <p:nvSpPr>
-          <p:cNvPr id="5" name="Rectangle 2">
-            <a:extLst>
-              <a:ext uri="{FF2B5EF4-FFF2-40B4-BE49-F238E27FC236}">
-                <a16:creationId xmlns:a16="http://schemas.microsoft.com/office/drawing/2014/main" id="{2EB3A5AE-D01D-C3C3-574D-672B3CE398EC}"/>
-              </a:ext>
-            </a:extLst>
-          </p:cNvPr>
-          <p:cNvSpPr>
-            <a:spLocks noChangeArrowheads="1"/>
-          </p:cNvSpPr>
-          <p:nvPr/>
-        </p:nvSpPr>
-        <p:spPr bwMode="auto">
-          <a:xfrm>
-            <a:off x="206477" y="2151245"/>
-            <a:ext cx="8731046" cy="2862322"/>
-          </a:xfrm>
-          <a:prstGeom prst="rect">
-            <a:avLst/>
-          </a:prstGeom>
-          <a:noFill/>
-          <a:ln>
-            <a:noFill/>
-          </a:ln>
-          <a:effectLst/>
-          <a:extLst>
-            <a:ext uri="{909E8E84-426E-40DD-AFC4-6F175D3DCCD1}">
-              <a14:hiddenFill xmlns:a14="http://schemas.microsoft.com/office/drawing/2010/main">
-                <a:solidFill>
-                  <a:schemeClr val="accent1"/>
-                </a:solidFill>
-              </a14:hiddenFill>
-            </a:ext>
-            <a:ext uri="{91240B29-F687-4F45-9708-019B960494DF}">
-              <a14:hiddenLine xmlns:a14="http://schemas.microsoft.com/office/drawing/2010/main" w="9525">
-                <a:solidFill>
-                  <a:schemeClr val="tx1"/>
-                </a:solidFill>
-                <a:miter lim="800000"/>
-                <a:headEnd/>
-                <a:tailEnd/>
-              </a14:hiddenLine>
-            </a:ext>
-            <a:ext uri="{AF507438-7753-43E0-B8FC-AC1667EBCBE1}">
-              <a14:hiddenEffects xmlns:a14="http://schemas.microsoft.com/office/drawing/2010/main">
-                <a:effectLst>
-                  <a:outerShdw dist="35921" dir="2700000" algn="ctr" rotWithShape="0">
-                    <a:schemeClr val="bg2"/>
-                  </a:outerShdw>
-                </a:effectLst>
-              </a14:hiddenEffects>
-            </a:ext>
-          </a:extLst>
-        </p:spPr>
-        <p:txBody>
-          <a:bodyPr vert="horz" wrap="square" lIns="91440" tIns="45720" rIns="91440" bIns="45720" numCol="1" anchor="ctr" anchorCtr="0" compatLnSpc="1">
-            <a:prstTxWarp prst="textNoShape">
-              <a:avLst/>
-            </a:prstTxWarp>
-            <a:spAutoFit/>
-          </a:bodyPr>
-          <a:lstStyle/>
-          <a:p>
-            <a:pPr marL="0" marR="0" lvl="0" indent="0" algn="l" defTabSz="914400" rtl="0" eaLnBrk="0" fontAlgn="base" latinLnBrk="0" hangingPunct="0">
-              <a:lnSpc>
-                <a:spcPct val="100000"/>
-              </a:lnSpc>
-              <a:spcBef>
-                <a:spcPct val="0"/>
-              </a:spcBef>
-              <a:spcAft>
-                <a:spcPct val="0"/>
-              </a:spcAft>
-              <a:buClrTx/>
-              <a:buSzTx/>
-              <a:buFontTx/>
-              <a:buChar char="•"/>
-              <a:tabLst/>
-            </a:pPr>
-            <a:r>
-              <a:rPr kumimoji="0" lang="en-US" altLang="en-US" sz="1800" b="1" i="0" u="none" strike="noStrike" cap="none" normalizeH="0" baseline="0" dirty="0">
-                <a:ln>
-                  <a:noFill/>
-                </a:ln>
-                <a:solidFill>
-                  <a:schemeClr val="tx1"/>
-                </a:solidFill>
-                <a:effectLst/>
-                <a:latin typeface="Arial" panose="020B0604020202020204" pitchFamily="34" charset="0"/>
-              </a:rPr>
-              <a:t>Efficiency:</a:t>
-            </a:r>
-            <a:r>
-              <a:rPr kumimoji="0" lang="en-US" altLang="en-US" sz="1800" b="0" i="0" u="none" strike="noStrike" cap="none" normalizeH="0" baseline="0" dirty="0">
-                <a:ln>
-                  <a:noFill/>
-                </a:ln>
-                <a:solidFill>
-                  <a:schemeClr val="tx1"/>
-                </a:solidFill>
-                <a:effectLst/>
-                <a:latin typeface="Arial" panose="020B0604020202020204" pitchFamily="34" charset="0"/>
-              </a:rPr>
-              <a:t> The Hostel Management System automates routine tasks, reducing manual labor and improving efficiency.</a:t>
-            </a:r>
-          </a:p>
-          <a:p>
-            <a:pPr marL="0" marR="0" lvl="0" indent="0" algn="l" defTabSz="914400" rtl="0" eaLnBrk="0" fontAlgn="base" latinLnBrk="0" hangingPunct="0">
-              <a:lnSpc>
-                <a:spcPct val="100000"/>
-              </a:lnSpc>
-              <a:spcBef>
-                <a:spcPct val="0"/>
-              </a:spcBef>
-              <a:spcAft>
-                <a:spcPct val="0"/>
-              </a:spcAft>
-              <a:buClrTx/>
-              <a:buSzTx/>
-              <a:buFontTx/>
-              <a:buChar char="•"/>
-              <a:tabLst/>
-            </a:pPr>
-            <a:endParaRPr kumimoji="0" lang="en-US" altLang="en-US" sz="1800" b="0" i="0" u="none" strike="noStrike" cap="none" normalizeH="0" baseline="0" dirty="0">
-              <a:ln>
-                <a:noFill/>
-              </a:ln>
-              <a:solidFill>
-                <a:schemeClr val="tx1"/>
-              </a:solidFill>
-              <a:effectLst/>
-              <a:latin typeface="Arial" panose="020B0604020202020204" pitchFamily="34" charset="0"/>
-            </a:endParaRPr>
-          </a:p>
-          <a:p>
-            <a:pPr marL="0" marR="0" lvl="0" indent="0" algn="l" defTabSz="914400" rtl="0" eaLnBrk="0" fontAlgn="base" latinLnBrk="0" hangingPunct="0">
-              <a:lnSpc>
-                <a:spcPct val="100000"/>
-              </a:lnSpc>
-              <a:spcBef>
-                <a:spcPct val="0"/>
-              </a:spcBef>
-              <a:spcAft>
-                <a:spcPct val="0"/>
-              </a:spcAft>
-              <a:buClrTx/>
-              <a:buSzTx/>
-              <a:buFontTx/>
-              <a:buChar char="•"/>
-              <a:tabLst/>
-            </a:pPr>
-            <a:r>
-              <a:rPr kumimoji="0" lang="en-US" altLang="en-US" sz="1800" b="1" i="0" u="none" strike="noStrike" cap="none" normalizeH="0" baseline="0" dirty="0">
-                <a:ln>
-                  <a:noFill/>
-                </a:ln>
-                <a:solidFill>
-                  <a:schemeClr val="tx1"/>
-                </a:solidFill>
-                <a:effectLst/>
-                <a:latin typeface="Arial" panose="020B0604020202020204" pitchFamily="34" charset="0"/>
-              </a:rPr>
-              <a:t>Transparency:</a:t>
-            </a:r>
-            <a:r>
-              <a:rPr kumimoji="0" lang="en-US" altLang="en-US" sz="1800" b="0" i="0" u="none" strike="noStrike" cap="none" normalizeH="0" baseline="0" dirty="0">
-                <a:ln>
-                  <a:noFill/>
-                </a:ln>
-                <a:solidFill>
-                  <a:schemeClr val="tx1"/>
-                </a:solidFill>
-                <a:effectLst/>
-                <a:latin typeface="Arial" panose="020B0604020202020204" pitchFamily="34" charset="0"/>
-              </a:rPr>
-              <a:t> The system provides real-time access to information, enhancing transparency and accountability.</a:t>
-            </a:r>
-          </a:p>
-          <a:p>
-            <a:pPr marL="0" marR="0" lvl="0" indent="0" algn="l" defTabSz="914400" rtl="0" eaLnBrk="0" fontAlgn="base" latinLnBrk="0" hangingPunct="0">
-              <a:lnSpc>
-                <a:spcPct val="100000"/>
-              </a:lnSpc>
-              <a:spcBef>
-                <a:spcPct val="0"/>
-              </a:spcBef>
-              <a:spcAft>
-                <a:spcPct val="0"/>
-              </a:spcAft>
-              <a:buClrTx/>
-              <a:buSzTx/>
-              <a:buFontTx/>
-              <a:buChar char="•"/>
-              <a:tabLst/>
-            </a:pPr>
-            <a:endParaRPr kumimoji="0" lang="en-US" altLang="en-US" sz="1800" b="0" i="0" u="none" strike="noStrike" cap="none" normalizeH="0" baseline="0" dirty="0">
-              <a:ln>
-                <a:noFill/>
-              </a:ln>
-              <a:solidFill>
-                <a:schemeClr val="tx1"/>
-              </a:solidFill>
-              <a:effectLst/>
-              <a:latin typeface="Arial" panose="020B0604020202020204" pitchFamily="34" charset="0"/>
-            </a:endParaRPr>
-          </a:p>
-          <a:p>
-            <a:pPr marL="0" marR="0" lvl="0" indent="0" algn="l" defTabSz="914400" rtl="0" eaLnBrk="0" fontAlgn="base" latinLnBrk="0" hangingPunct="0">
-              <a:lnSpc>
-                <a:spcPct val="100000"/>
-              </a:lnSpc>
-              <a:spcBef>
-                <a:spcPct val="0"/>
-              </a:spcBef>
-              <a:spcAft>
-                <a:spcPct val="0"/>
-              </a:spcAft>
-              <a:buClrTx/>
-              <a:buSzTx/>
-              <a:buFontTx/>
-              <a:buChar char="•"/>
-              <a:tabLst/>
-            </a:pPr>
-            <a:r>
-              <a:rPr kumimoji="0" lang="en-US" altLang="en-US" sz="1800" b="1" i="0" u="none" strike="noStrike" cap="none" normalizeH="0" baseline="0" dirty="0">
-                <a:ln>
-                  <a:noFill/>
-                </a:ln>
-                <a:solidFill>
-                  <a:schemeClr val="tx1"/>
-                </a:solidFill>
-                <a:effectLst/>
-                <a:latin typeface="Arial" panose="020B0604020202020204" pitchFamily="34" charset="0"/>
-              </a:rPr>
-              <a:t>Communication:</a:t>
-            </a:r>
-            <a:r>
-              <a:rPr kumimoji="0" lang="en-US" altLang="en-US" sz="1800" b="0" i="0" u="none" strike="noStrike" cap="none" normalizeH="0" baseline="0" dirty="0">
-                <a:ln>
-                  <a:noFill/>
-                </a:ln>
-                <a:solidFill>
-                  <a:schemeClr val="tx1"/>
-                </a:solidFill>
-                <a:effectLst/>
-                <a:latin typeface="Arial" panose="020B0604020202020204" pitchFamily="34" charset="0"/>
-              </a:rPr>
-              <a:t> Improved communication channels facilitate better interaction between students, staff, and administrators.</a:t>
-            </a:r>
-          </a:p>
-          <a:p>
-            <a:pPr marL="0" marR="0" lvl="0" indent="0" algn="l" defTabSz="914400" rtl="0" eaLnBrk="0" fontAlgn="base" latinLnBrk="0" hangingPunct="0">
-              <a:lnSpc>
-                <a:spcPct val="100000"/>
-              </a:lnSpc>
-              <a:spcBef>
-                <a:spcPct val="0"/>
-              </a:spcBef>
-              <a:spcAft>
-                <a:spcPct val="0"/>
-              </a:spcAft>
-              <a:buClrTx/>
-              <a:buSzTx/>
-              <a:buFontTx/>
-              <a:buChar char="•"/>
-              <a:tabLst/>
-            </a:pPr>
-            <a:endParaRPr kumimoji="0" lang="en-US" altLang="en-US" sz="1800" b="0" i="0" u="none" strike="noStrike" cap="none" normalizeH="0" baseline="0" dirty="0">
-              <a:ln>
-                <a:noFill/>
-              </a:ln>
-              <a:solidFill>
-                <a:schemeClr val="tx1"/>
-              </a:solidFill>
-              <a:effectLst/>
-              <a:latin typeface="Arial" panose="020B0604020202020204" pitchFamily="34" charset="0"/>
-            </a:endParaRPr>
-          </a:p>
-          <a:p>
-            <a:pPr marL="0" marR="0" lvl="0" indent="0" algn="l" defTabSz="914400" rtl="0" eaLnBrk="0" fontAlgn="base" latinLnBrk="0" hangingPunct="0">
-              <a:lnSpc>
-                <a:spcPct val="100000"/>
-              </a:lnSpc>
-              <a:spcBef>
-                <a:spcPct val="0"/>
-              </a:spcBef>
-              <a:spcAft>
-                <a:spcPct val="0"/>
-              </a:spcAft>
-              <a:buClrTx/>
-              <a:buSzTx/>
-              <a:buFontTx/>
-              <a:buChar char="•"/>
-              <a:tabLst/>
-            </a:pPr>
-            <a:r>
-              <a:rPr kumimoji="0" lang="en-US" altLang="en-US" sz="1800" b="1" i="0" u="none" strike="noStrike" cap="none" normalizeH="0" baseline="0" dirty="0">
-                <a:ln>
-                  <a:noFill/>
-                </a:ln>
-                <a:solidFill>
-                  <a:schemeClr val="tx1"/>
-                </a:solidFill>
-                <a:effectLst/>
-                <a:latin typeface="Arial" panose="020B0604020202020204" pitchFamily="34" charset="0"/>
-              </a:rPr>
-              <a:t>Paperless:</a:t>
-            </a:r>
-            <a:r>
-              <a:rPr kumimoji="0" lang="en-US" altLang="en-US" sz="1800" b="0" i="0" u="none" strike="noStrike" cap="none" normalizeH="0" baseline="0" dirty="0">
-                <a:ln>
-                  <a:noFill/>
-                </a:ln>
-                <a:solidFill>
-                  <a:schemeClr val="tx1"/>
-                </a:solidFill>
-                <a:effectLst/>
-                <a:latin typeface="Arial" panose="020B0604020202020204" pitchFamily="34" charset="0"/>
-              </a:rPr>
-              <a:t> The system reduces paperwork, saving time, space, and resources. </a:t>
-            </a:r>
-          </a:p>
-        </p:txBody>
-      </p:sp>
-      <p:sp>
-        <p:nvSpPr>
-          <p:cNvPr id="6" name="Rectangle 3">
-            <a:extLst>
-              <a:ext uri="{FF2B5EF4-FFF2-40B4-BE49-F238E27FC236}">
-                <a16:creationId xmlns:a16="http://schemas.microsoft.com/office/drawing/2014/main" id="{D99A88C6-F999-99D3-F23A-D7FED4BFEA56}"/>
-              </a:ext>
-            </a:extLst>
-          </p:cNvPr>
-          <p:cNvSpPr>
-            <a:spLocks noChangeArrowheads="1"/>
-          </p:cNvSpPr>
-          <p:nvPr/>
-        </p:nvSpPr>
-        <p:spPr bwMode="auto">
-          <a:xfrm>
-            <a:off x="206477" y="5085467"/>
-            <a:ext cx="8526043" cy="1477328"/>
-          </a:xfrm>
-          <a:prstGeom prst="rect">
-            <a:avLst/>
-          </a:prstGeom>
-          <a:noFill/>
-          <a:ln>
-            <a:noFill/>
-          </a:ln>
-          <a:effectLst/>
-          <a:extLst>
-            <a:ext uri="{909E8E84-426E-40DD-AFC4-6F175D3DCCD1}">
-              <a14:hiddenFill xmlns:a14="http://schemas.microsoft.com/office/drawing/2010/main">
-                <a:solidFill>
-                  <a:schemeClr val="accent1"/>
-                </a:solidFill>
-              </a14:hiddenFill>
-            </a:ext>
-            <a:ext uri="{91240B29-F687-4F45-9708-019B960494DF}">
-              <a14:hiddenLine xmlns:a14="http://schemas.microsoft.com/office/drawing/2010/main" w="9525">
-                <a:solidFill>
-                  <a:schemeClr val="tx1"/>
-                </a:solidFill>
-                <a:miter lim="800000"/>
-                <a:headEnd/>
-                <a:tailEnd/>
-              </a14:hiddenLine>
-            </a:ext>
-            <a:ext uri="{AF507438-7753-43E0-B8FC-AC1667EBCBE1}">
-              <a14:hiddenEffects xmlns:a14="http://schemas.microsoft.com/office/drawing/2010/main">
-                <a:effectLst>
-                  <a:outerShdw dist="35921" dir="2700000" algn="ctr" rotWithShape="0">
-                    <a:schemeClr val="bg2"/>
-                  </a:outerShdw>
-                </a:effectLst>
-              </a14:hiddenEffects>
-            </a:ext>
-          </a:extLst>
-        </p:spPr>
-        <p:txBody>
-          <a:bodyPr vert="horz" wrap="square" lIns="91440" tIns="45720" rIns="91440" bIns="45720" numCol="1" anchor="ctr" anchorCtr="0" compatLnSpc="1">
-            <a:prstTxWarp prst="textNoShape">
-              <a:avLst/>
-            </a:prstTxWarp>
-            <a:spAutoFit/>
-          </a:bodyPr>
-          <a:lstStyle/>
-          <a:p>
-            <a:pPr marL="0" marR="0" lvl="0" indent="0" algn="l" defTabSz="914400" rtl="0" eaLnBrk="0" fontAlgn="base" latinLnBrk="0" hangingPunct="0">
-              <a:lnSpc>
-                <a:spcPct val="100000"/>
-              </a:lnSpc>
-              <a:spcBef>
-                <a:spcPct val="0"/>
-              </a:spcBef>
-              <a:spcAft>
-                <a:spcPct val="0"/>
-              </a:spcAft>
-              <a:buClrTx/>
-              <a:buSzTx/>
-              <a:buFontTx/>
-              <a:buChar char="•"/>
-              <a:tabLst/>
-            </a:pPr>
-            <a:r>
-              <a:rPr kumimoji="0" lang="en-US" altLang="en-US" sz="1800" b="1" i="0" u="none" strike="noStrike" cap="none" normalizeH="0" baseline="0" dirty="0">
-                <a:ln>
-                  <a:noFill/>
-                </a:ln>
-                <a:solidFill>
-                  <a:schemeClr val="tx1"/>
-                </a:solidFill>
-                <a:effectLst/>
-                <a:latin typeface="Arial" panose="020B0604020202020204" pitchFamily="34" charset="0"/>
-              </a:rPr>
-              <a:t>User-friendly:</a:t>
-            </a:r>
-            <a:r>
-              <a:rPr kumimoji="0" lang="en-US" altLang="en-US" sz="1800" b="0" i="0" u="none" strike="noStrike" cap="none" normalizeH="0" baseline="0" dirty="0">
-                <a:ln>
-                  <a:noFill/>
-                </a:ln>
-                <a:solidFill>
-                  <a:schemeClr val="tx1"/>
-                </a:solidFill>
-                <a:effectLst/>
-                <a:latin typeface="Arial" panose="020B0604020202020204" pitchFamily="34" charset="0"/>
-              </a:rPr>
-              <a:t> The intuitive interface makes the system easy to use for both administrators and students.</a:t>
-            </a:r>
-          </a:p>
-          <a:p>
-            <a:pPr marL="0" marR="0" lvl="0" indent="0" algn="l" defTabSz="914400" rtl="0" eaLnBrk="0" fontAlgn="base" latinLnBrk="0" hangingPunct="0">
-              <a:lnSpc>
-                <a:spcPct val="100000"/>
-              </a:lnSpc>
-              <a:spcBef>
-                <a:spcPct val="0"/>
-              </a:spcBef>
-              <a:spcAft>
-                <a:spcPct val="0"/>
-              </a:spcAft>
-              <a:buClrTx/>
-              <a:buSzTx/>
-              <a:buFontTx/>
-              <a:buChar char="•"/>
-              <a:tabLst/>
-            </a:pPr>
-            <a:endParaRPr kumimoji="0" lang="en-US" altLang="en-US" sz="1800" b="0" i="0" u="none" strike="noStrike" cap="none" normalizeH="0" baseline="0" dirty="0">
-              <a:ln>
-                <a:noFill/>
-              </a:ln>
-              <a:solidFill>
-                <a:schemeClr val="tx1"/>
-              </a:solidFill>
-              <a:effectLst/>
-              <a:latin typeface="Arial" panose="020B0604020202020204" pitchFamily="34" charset="0"/>
-            </a:endParaRPr>
-          </a:p>
-          <a:p>
-            <a:pPr marL="0" marR="0" lvl="0" indent="0" algn="l" defTabSz="914400" rtl="0" eaLnBrk="0" fontAlgn="base" latinLnBrk="0" hangingPunct="0">
-              <a:lnSpc>
-                <a:spcPct val="100000"/>
-              </a:lnSpc>
-              <a:spcBef>
-                <a:spcPct val="0"/>
-              </a:spcBef>
-              <a:spcAft>
-                <a:spcPct val="0"/>
-              </a:spcAft>
-              <a:buClrTx/>
-              <a:buSzTx/>
-              <a:buFontTx/>
-              <a:buChar char="•"/>
-              <a:tabLst/>
-            </a:pPr>
-            <a:r>
-              <a:rPr kumimoji="0" lang="en-US" altLang="en-US" sz="1800" b="1" i="0" u="none" strike="noStrike" cap="none" normalizeH="0" baseline="0" dirty="0">
-                <a:ln>
-                  <a:noFill/>
-                </a:ln>
-                <a:solidFill>
-                  <a:schemeClr val="tx1"/>
-                </a:solidFill>
-                <a:effectLst/>
-                <a:latin typeface="Arial" panose="020B0604020202020204" pitchFamily="34" charset="0"/>
-              </a:rPr>
-              <a:t>Scalability:</a:t>
-            </a:r>
-            <a:r>
-              <a:rPr kumimoji="0" lang="en-US" altLang="en-US" sz="1800" b="0" i="0" u="none" strike="noStrike" cap="none" normalizeH="0" baseline="0" dirty="0">
-                <a:ln>
-                  <a:noFill/>
-                </a:ln>
-                <a:solidFill>
-                  <a:schemeClr val="tx1"/>
-                </a:solidFill>
-                <a:effectLst/>
-                <a:latin typeface="Arial" panose="020B0604020202020204" pitchFamily="34" charset="0"/>
-              </a:rPr>
-              <a:t> The system can accommodate hostels of varying sizes and complexities. </a:t>
-            </a:r>
-          </a:p>
-        </p:txBody>
-      </p:sp>
-    </p:spTree>
-    <p:extLst>
-      <p:ext uri="{BB962C8B-B14F-4D97-AF65-F5344CB8AC3E}">
-        <p14:creationId xmlns:p14="http://schemas.microsoft.com/office/powerpoint/2010/main" val="1646538363"/>
-      </p:ext>
-    </p:extLst>
-  </p:cSld>
-  <p:clrMapOvr>
-    <a:masterClrMapping/>
-  </p:clrMapOvr>
-</p:sld>
-</file>
-
-<file path=ppt/slides/slide2.xml><?xml version="1.0" encoding="utf-8"?>
-<p:sld xmlns:a="http://schemas.openxmlformats.org/drawingml/2006/main" xmlns:r="http://schemas.openxmlformats.org/officeDocument/2006/relationships" xmlns:p="http://schemas.openxmlformats.org/presentationml/2006/main">
-  <p:cSld>
-    <p:spTree>
-      <p:nvGrpSpPr>
-        <p:cNvPr id="1" name=""/>
-        <p:cNvGrpSpPr/>
-        <p:nvPr/>
-      </p:nvGrpSpPr>
-      <p:grpSpPr>
-        <a:xfrm>
-          <a:off x="0" y="0"/>
-          <a:ext cx="0" cy="0"/>
-          <a:chOff x="0" y="0"/>
-          <a:chExt cx="0" cy="0"/>
-        </a:xfrm>
-      </p:grpSpPr>
-      <p:sp>
-        <p:nvSpPr>
-          <p:cNvPr id="108" name="TextShape 1"/>
-          <p:cNvSpPr txBox="1"/>
-          <p:nvPr/>
-        </p:nvSpPr>
-        <p:spPr>
-          <a:xfrm>
-            <a:off x="350640" y="0"/>
-            <a:ext cx="6019560" cy="837720"/>
-          </a:xfrm>
-          <a:prstGeom prst="rect">
-            <a:avLst/>
-          </a:prstGeom>
-          <a:noFill/>
-          <a:ln w="9360">
-            <a:noFill/>
-          </a:ln>
-        </p:spPr>
-        <p:txBody>
-          <a:bodyPr anchor="ctr">
-            <a:noAutofit/>
-          </a:bodyPr>
-          <a:lstStyle/>
-          <a:p>
-            <a:pPr algn="ctr">
-              <a:lnSpc>
-                <a:spcPct val="100000"/>
-              </a:lnSpc>
-            </a:pPr>
-            <a:r>
-              <a:rPr lang="en-US" sz="3000" b="0" strike="noStrike" spc="-1" dirty="0">
-                <a:solidFill>
-                  <a:srgbClr val="000000"/>
-                </a:solidFill>
-                <a:latin typeface="Times New Roman" panose="02020603050405020304" pitchFamily="18" charset="0"/>
-                <a:cs typeface="Times New Roman" panose="02020603050405020304" pitchFamily="18" charset="0"/>
-              </a:rPr>
-              <a:t>Abstract</a:t>
-            </a:r>
-          </a:p>
-        </p:txBody>
-      </p:sp>
-      <p:sp>
-        <p:nvSpPr>
-          <p:cNvPr id="110" name="TextShape 3"/>
-          <p:cNvSpPr txBox="1"/>
-          <p:nvPr/>
-        </p:nvSpPr>
-        <p:spPr>
-          <a:xfrm>
-            <a:off x="6553080" y="6356520"/>
-            <a:ext cx="2133360" cy="364680"/>
-          </a:xfrm>
-          <a:prstGeom prst="rect">
-            <a:avLst/>
-          </a:prstGeom>
-          <a:noFill/>
-          <a:ln>
-            <a:noFill/>
-          </a:ln>
-        </p:spPr>
-        <p:txBody>
-          <a:bodyPr anchor="ctr">
-            <a:noAutofit/>
-          </a:bodyPr>
-          <a:lstStyle/>
-          <a:p>
-            <a:pPr algn="r">
-              <a:lnSpc>
-                <a:spcPct val="100000"/>
-              </a:lnSpc>
-            </a:pPr>
-            <a:fld id="{4D4FEEEE-7AC5-48A9-86F4-13448BE87B58}" type="slidenum">
-              <a:rPr lang="en-US" sz="1200" b="1" strike="noStrike" spc="-1">
-                <a:solidFill>
-                  <a:srgbClr val="000000"/>
-                </a:solidFill>
-                <a:latin typeface="Calibri"/>
-                <a:ea typeface="MS PGothic"/>
-              </a:rPr>
-              <a:pPr algn="r">
-                <a:lnSpc>
-                  <a:spcPct val="100000"/>
-                </a:lnSpc>
-              </a:pPr>
-              <a:t>2</a:t>
-            </a:fld>
-            <a:endParaRPr lang="en-GB" sz="1200" b="0" strike="noStrike" spc="-1">
-              <a:latin typeface="Times New Roman"/>
-            </a:endParaRPr>
-          </a:p>
-        </p:txBody>
-      </p:sp>
-      <p:sp>
-        <p:nvSpPr>
-          <p:cNvPr id="5" name="TextShape 2"/>
-          <p:cNvSpPr txBox="1"/>
-          <p:nvPr/>
-        </p:nvSpPr>
-        <p:spPr>
-          <a:xfrm>
-            <a:off x="164008" y="1109742"/>
-            <a:ext cx="8838720" cy="5359884"/>
-          </a:xfrm>
-          <a:prstGeom prst="rect">
-            <a:avLst/>
-          </a:prstGeom>
-          <a:noFill/>
-          <a:ln w="9360">
-            <a:noFill/>
-          </a:ln>
-        </p:spPr>
-        <p:txBody>
-          <a:bodyPr>
-            <a:noAutofit/>
-          </a:bodyPr>
-          <a:lstStyle/>
-          <a:p>
-            <a:pPr marL="285750" indent="-285750">
-              <a:buFont typeface="Arial" panose="020B0604020202020204" pitchFamily="34" charset="0"/>
-              <a:buChar char="•"/>
-            </a:pPr>
-            <a:r>
-              <a:rPr lang="en-GB" b="1" dirty="0"/>
-              <a:t>Hostel Sync </a:t>
-            </a:r>
-            <a:r>
-              <a:rPr lang="en-GB" dirty="0"/>
-              <a:t>is a web-based application designed to streamline the administrative tasks and operations of hostels. This system offers a comprehensive solution for managing various aspects of hostel management, including student registration, accommodation allocation, fee management, attendance tracking, and maintenance requests.</a:t>
-            </a:r>
-          </a:p>
-          <a:p>
-            <a:pPr marL="285750" indent="-285750">
-              <a:buFont typeface="Arial" panose="020B0604020202020204" pitchFamily="34" charset="0"/>
-              <a:buChar char="•"/>
-            </a:pPr>
-            <a:endParaRPr lang="en-GB" dirty="0"/>
-          </a:p>
-          <a:p>
-            <a:pPr marL="285750" indent="-285750">
-              <a:buFont typeface="Arial" panose="020B0604020202020204" pitchFamily="34" charset="0"/>
-              <a:buChar char="•"/>
-            </a:pPr>
-            <a:r>
-              <a:rPr lang="en-GB" dirty="0"/>
-              <a:t>The system aims to improve efficiency, transparency, and communication within the hostel environment. By automating routine tasks, reducing paperwork, and providing real-time access to information, it empowers hostel administrators to make informed decisions and enhance the overall hostel experience for both students and staff.</a:t>
-            </a:r>
-          </a:p>
-        </p:txBody>
-      </p:sp>
-    </p:spTree>
-    <p:extLst>
-      <p:ext uri="{BB962C8B-B14F-4D97-AF65-F5344CB8AC3E}">
-        <p14:creationId xmlns:p14="http://schemas.microsoft.com/office/powerpoint/2010/main" val="2552008277"/>
-      </p:ext>
-    </p:extLst>
-  </p:cSld>
-  <p:clrMapOvr>
-    <a:masterClrMapping/>
-  </p:clrMapOvr>
-</p:sld>
-</file>
-
-<file path=ppt/slides/slide20.xml><?xml version="1.0" encoding="utf-8"?>
-<p:sld xmlns:a="http://schemas.openxmlformats.org/drawingml/2006/main" xmlns:r="http://schemas.openxmlformats.org/officeDocument/2006/relationships" xmlns:p="http://schemas.openxmlformats.org/presentationml/2006/main">
-  <p:cSld>
-    <p:spTree>
-      <p:nvGrpSpPr>
-        <p:cNvPr id="1" name=""/>
-        <p:cNvGrpSpPr/>
-        <p:nvPr/>
-      </p:nvGrpSpPr>
-      <p:grpSpPr>
-        <a:xfrm>
-          <a:off x="0" y="0"/>
-          <a:ext cx="0" cy="0"/>
-          <a:chOff x="0" y="0"/>
-          <a:chExt cx="0" cy="0"/>
-        </a:xfrm>
-      </p:grpSpPr>
-      <p:sp>
-        <p:nvSpPr>
-          <p:cNvPr id="2" name="Title 1">
-            <a:extLst>
-              <a:ext uri="{FF2B5EF4-FFF2-40B4-BE49-F238E27FC236}">
-                <a16:creationId xmlns:a16="http://schemas.microsoft.com/office/drawing/2014/main" id="{64B43ACC-4AE6-CBBD-2E25-27431DBD2A31}"/>
-              </a:ext>
-            </a:extLst>
-          </p:cNvPr>
-          <p:cNvSpPr>
-            <a:spLocks noGrp="1"/>
-          </p:cNvSpPr>
-          <p:nvPr>
-            <p:ph type="title"/>
-          </p:nvPr>
-        </p:nvSpPr>
-        <p:spPr/>
-        <p:txBody>
-          <a:bodyPr/>
-          <a:lstStyle/>
-          <a:p>
-            <a:r>
-              <a:rPr lang="en-IN" sz="2000" b="1" dirty="0"/>
-              <a:t>   Future Scope</a:t>
-            </a:r>
-          </a:p>
-        </p:txBody>
-      </p:sp>
-      <p:sp>
-        <p:nvSpPr>
-          <p:cNvPr id="5" name="Rectangle 2">
-            <a:extLst>
-              <a:ext uri="{FF2B5EF4-FFF2-40B4-BE49-F238E27FC236}">
-                <a16:creationId xmlns:a16="http://schemas.microsoft.com/office/drawing/2014/main" id="{3ADD1709-73A1-32E6-36A9-DCBB18EF0288}"/>
-              </a:ext>
-            </a:extLst>
-          </p:cNvPr>
-          <p:cNvSpPr>
-            <a:spLocks noChangeArrowheads="1"/>
-          </p:cNvSpPr>
-          <p:nvPr/>
-        </p:nvSpPr>
-        <p:spPr bwMode="auto">
-          <a:xfrm>
-            <a:off x="173736" y="914040"/>
-            <a:ext cx="8796527" cy="5539978"/>
-          </a:xfrm>
-          <a:prstGeom prst="rect">
-            <a:avLst/>
-          </a:prstGeom>
-          <a:noFill/>
-          <a:ln>
-            <a:noFill/>
-          </a:ln>
-          <a:effectLst/>
-          <a:extLst>
-            <a:ext uri="{909E8E84-426E-40DD-AFC4-6F175D3DCCD1}">
-              <a14:hiddenFill xmlns:a14="http://schemas.microsoft.com/office/drawing/2010/main">
-                <a:solidFill>
-                  <a:schemeClr val="accent1"/>
-                </a:solidFill>
-              </a14:hiddenFill>
-            </a:ext>
-            <a:ext uri="{91240B29-F687-4F45-9708-019B960494DF}">
-              <a14:hiddenLine xmlns:a14="http://schemas.microsoft.com/office/drawing/2010/main" w="9525">
-                <a:solidFill>
-                  <a:schemeClr val="tx1"/>
-                </a:solidFill>
-                <a:miter lim="800000"/>
-                <a:headEnd/>
-                <a:tailEnd/>
-              </a14:hiddenLine>
-            </a:ext>
-            <a:ext uri="{AF507438-7753-43E0-B8FC-AC1667EBCBE1}">
-              <a14:hiddenEffects xmlns:a14="http://schemas.microsoft.com/office/drawing/2010/main">
-                <a:effectLst>
-                  <a:outerShdw dist="35921" dir="2700000" algn="ctr" rotWithShape="0">
-                    <a:schemeClr val="bg2"/>
-                  </a:outerShdw>
-                </a:effectLst>
-              </a14:hiddenEffects>
-            </a:ext>
-          </a:extLst>
-        </p:spPr>
-        <p:txBody>
-          <a:bodyPr vert="horz" wrap="square" lIns="0" tIns="0" rIns="0" bIns="0" numCol="1" anchor="ctr" anchorCtr="0" compatLnSpc="1">
-            <a:prstTxWarp prst="textNoShape">
-              <a:avLst/>
-            </a:prstTxWarp>
-            <a:spAutoFit/>
-          </a:bodyPr>
-          <a:lstStyle/>
-          <a:p>
-            <a:pPr marL="0" marR="0" lvl="0" indent="0" algn="l" defTabSz="914400" rtl="0" eaLnBrk="0" fontAlgn="base" latinLnBrk="0" hangingPunct="0">
-              <a:lnSpc>
-                <a:spcPct val="100000"/>
-              </a:lnSpc>
-              <a:spcBef>
-                <a:spcPct val="0"/>
-              </a:spcBef>
-              <a:spcAft>
-                <a:spcPct val="0"/>
-              </a:spcAft>
-              <a:buClrTx/>
-              <a:buSzTx/>
-              <a:buFontTx/>
-              <a:buNone/>
-              <a:tabLst/>
-            </a:pPr>
-            <a:r>
-              <a:rPr kumimoji="0" lang="en-US" altLang="en-US" b="0" i="0" u="none" strike="noStrike" cap="none" normalizeH="0" baseline="0" dirty="0">
-                <a:ln>
-                  <a:noFill/>
-                </a:ln>
-                <a:solidFill>
-                  <a:srgbClr val="1F1F1F"/>
-                </a:solidFill>
-                <a:effectLst/>
-                <a:latin typeface="Google Sans"/>
-              </a:rPr>
-              <a:t>The Hostel Management System has significant potential for future development and expansion. Here are some areas to consider:</a:t>
-            </a:r>
-          </a:p>
-          <a:p>
-            <a:pPr marL="0" marR="0" lvl="0" indent="0" algn="l" defTabSz="914400" rtl="0" eaLnBrk="0" fontAlgn="base" latinLnBrk="0" hangingPunct="0">
-              <a:lnSpc>
-                <a:spcPct val="100000"/>
-              </a:lnSpc>
-              <a:spcBef>
-                <a:spcPct val="0"/>
-              </a:spcBef>
-              <a:spcAft>
-                <a:spcPct val="0"/>
-              </a:spcAft>
-              <a:buClrTx/>
-              <a:buSzTx/>
-              <a:buFontTx/>
-              <a:buNone/>
-              <a:tabLst/>
-            </a:pPr>
-            <a:endParaRPr kumimoji="0" lang="en-US" altLang="en-US" b="0" i="0" u="none" strike="noStrike" cap="none" normalizeH="0" baseline="0" dirty="0">
-              <a:ln>
-                <a:noFill/>
-              </a:ln>
-              <a:solidFill>
-                <a:srgbClr val="1F1F1F"/>
-              </a:solidFill>
-              <a:effectLst/>
-              <a:latin typeface="Google Sans"/>
-            </a:endParaRPr>
-          </a:p>
-          <a:p>
-            <a:pPr marL="0" marR="0" lvl="0" indent="0" algn="l" defTabSz="914400" rtl="0" eaLnBrk="0" fontAlgn="base" latinLnBrk="0" hangingPunct="0">
-              <a:lnSpc>
-                <a:spcPct val="100000"/>
-              </a:lnSpc>
-              <a:spcBef>
-                <a:spcPct val="0"/>
-              </a:spcBef>
-              <a:spcAft>
-                <a:spcPct val="0"/>
-              </a:spcAft>
-              <a:buClrTx/>
-              <a:buSzTx/>
-              <a:buFontTx/>
-              <a:buAutoNum type="arabicPeriod"/>
-              <a:tabLst/>
-            </a:pPr>
-            <a:r>
-              <a:rPr kumimoji="0" lang="en-US" altLang="en-US" b="1" i="0" u="none" strike="noStrike" cap="none" normalizeH="0" baseline="0" dirty="0">
-                <a:ln>
-                  <a:noFill/>
-                </a:ln>
-                <a:solidFill>
-                  <a:srgbClr val="1F1F1F"/>
-                </a:solidFill>
-                <a:effectLst/>
-                <a:latin typeface="Google Sans"/>
-              </a:rPr>
-              <a:t> Integration with other systems:</a:t>
-            </a:r>
-            <a:r>
-              <a:rPr kumimoji="0" lang="en-US" altLang="en-US" b="0" i="0" u="none" strike="noStrike" cap="none" normalizeH="0" baseline="0" dirty="0">
-                <a:ln>
-                  <a:noFill/>
-                </a:ln>
-                <a:solidFill>
-                  <a:srgbClr val="1F1F1F"/>
-                </a:solidFill>
-                <a:effectLst/>
-                <a:latin typeface="Google Sans"/>
-              </a:rPr>
-              <a:t> Integrating the system with other campus-wide systems, such as student information systems (SIS), financial systems, and learning management systems (LMS), can streamline processes and provide a more holistic view of student data.</a:t>
-            </a:r>
-          </a:p>
-          <a:p>
-            <a:pPr marL="0" marR="0" lvl="0" indent="0" algn="l" defTabSz="914400" rtl="0" eaLnBrk="0" fontAlgn="base" latinLnBrk="0" hangingPunct="0">
-              <a:lnSpc>
-                <a:spcPct val="100000"/>
-              </a:lnSpc>
-              <a:spcBef>
-                <a:spcPct val="0"/>
-              </a:spcBef>
-              <a:spcAft>
-                <a:spcPct val="0"/>
-              </a:spcAft>
-              <a:buClrTx/>
-              <a:buSzTx/>
-              <a:buFontTx/>
-              <a:buAutoNum type="arabicPeriod"/>
-              <a:tabLst/>
-            </a:pPr>
-            <a:endParaRPr kumimoji="0" lang="en-US" altLang="en-US" b="0" i="0" u="none" strike="noStrike" cap="none" normalizeH="0" baseline="0" dirty="0">
-              <a:ln>
-                <a:noFill/>
-              </a:ln>
-              <a:solidFill>
-                <a:srgbClr val="1F1F1F"/>
-              </a:solidFill>
-              <a:effectLst/>
-              <a:latin typeface="Google Sans"/>
-            </a:endParaRPr>
-          </a:p>
-          <a:p>
-            <a:pPr marL="0" marR="0" lvl="0" indent="0" algn="l" defTabSz="914400" rtl="0" eaLnBrk="0" fontAlgn="base" latinLnBrk="0" hangingPunct="0">
-              <a:lnSpc>
-                <a:spcPct val="100000"/>
-              </a:lnSpc>
-              <a:spcBef>
-                <a:spcPct val="0"/>
-              </a:spcBef>
-              <a:spcAft>
-                <a:spcPct val="0"/>
-              </a:spcAft>
-              <a:buClrTx/>
-              <a:buSzTx/>
-              <a:buFontTx/>
-              <a:buAutoNum type="arabicPeriod" startAt="2"/>
-              <a:tabLst/>
-            </a:pPr>
-            <a:r>
-              <a:rPr kumimoji="0" lang="en-US" altLang="en-US" b="1" i="0" u="none" strike="noStrike" cap="none" normalizeH="0" baseline="0" dirty="0">
-                <a:ln>
-                  <a:noFill/>
-                </a:ln>
-                <a:solidFill>
-                  <a:srgbClr val="1F1F1F"/>
-                </a:solidFill>
-                <a:effectLst/>
-                <a:latin typeface="Google Sans"/>
-              </a:rPr>
-              <a:t> Mobile app:</a:t>
-            </a:r>
-            <a:r>
-              <a:rPr kumimoji="0" lang="en-US" altLang="en-US" b="0" i="0" u="none" strike="noStrike" cap="none" normalizeH="0" baseline="0" dirty="0">
-                <a:ln>
-                  <a:noFill/>
-                </a:ln>
-                <a:solidFill>
-                  <a:srgbClr val="1F1F1F"/>
-                </a:solidFill>
-                <a:effectLst/>
-                <a:latin typeface="Google Sans"/>
-              </a:rPr>
-              <a:t> Developing a mobile app for students and staff would allow for convenient access to hostel information and services, such as making payments, submitting maintenance requests, and viewing announcements</a:t>
-            </a:r>
-          </a:p>
-          <a:p>
-            <a:pPr marL="0" marR="0" lvl="0" indent="0" algn="l" defTabSz="914400" rtl="0" eaLnBrk="0" fontAlgn="base" latinLnBrk="0" hangingPunct="0">
-              <a:lnSpc>
-                <a:spcPct val="100000"/>
-              </a:lnSpc>
-              <a:spcBef>
-                <a:spcPct val="0"/>
-              </a:spcBef>
-              <a:spcAft>
-                <a:spcPct val="0"/>
-              </a:spcAft>
-              <a:buClrTx/>
-              <a:buSzTx/>
-              <a:buFontTx/>
-              <a:buAutoNum type="arabicPeriod" startAt="2"/>
-              <a:tabLst/>
-            </a:pPr>
-            <a:endParaRPr kumimoji="0" lang="en-US" altLang="en-US" b="0" i="0" u="none" strike="noStrike" cap="none" normalizeH="0" baseline="0" dirty="0">
-              <a:ln>
-                <a:noFill/>
-              </a:ln>
-              <a:solidFill>
-                <a:srgbClr val="1F1F1F"/>
-              </a:solidFill>
-              <a:effectLst/>
-              <a:latin typeface="Google Sans"/>
-            </a:endParaRPr>
-          </a:p>
-          <a:p>
-            <a:pPr marL="0" marR="0" lvl="0" indent="0" algn="l" defTabSz="914400" rtl="0" eaLnBrk="0" fontAlgn="base" latinLnBrk="0" hangingPunct="0">
-              <a:lnSpc>
-                <a:spcPct val="100000"/>
-              </a:lnSpc>
-              <a:spcBef>
-                <a:spcPct val="0"/>
-              </a:spcBef>
-              <a:spcAft>
-                <a:spcPct val="0"/>
-              </a:spcAft>
-              <a:buClrTx/>
-              <a:buSzTx/>
-              <a:buFontTx/>
-              <a:buAutoNum type="arabicPeriod" startAt="2"/>
-              <a:tabLst/>
-            </a:pPr>
-            <a:r>
-              <a:rPr kumimoji="0" lang="en-US" altLang="en-US" b="1" i="0" u="none" strike="noStrike" cap="none" normalizeH="0" baseline="0" dirty="0">
-                <a:ln>
-                  <a:noFill/>
-                </a:ln>
-                <a:solidFill>
-                  <a:srgbClr val="1F1F1F"/>
-                </a:solidFill>
-                <a:effectLst/>
-                <a:latin typeface="Google Sans"/>
-              </a:rPr>
-              <a:t> Automated notifications:</a:t>
-            </a:r>
-            <a:r>
-              <a:rPr kumimoji="0" lang="en-US" altLang="en-US" b="0" i="0" u="none" strike="noStrike" cap="none" normalizeH="0" baseline="0" dirty="0">
-                <a:ln>
-                  <a:noFill/>
-                </a:ln>
-                <a:solidFill>
-                  <a:srgbClr val="1F1F1F"/>
-                </a:solidFill>
-                <a:effectLst/>
-                <a:latin typeface="Google Sans"/>
-              </a:rPr>
-              <a:t> Implementing automated notifications can keep students and staff informed about important events, such as upcoming deadlines, changes in rules, or maintenance schedules.</a:t>
-            </a:r>
-            <a:endParaRPr lang="en-US" altLang="en-US" dirty="0">
-              <a:solidFill>
-                <a:srgbClr val="1F1F1F"/>
-              </a:solidFill>
-              <a:latin typeface="Google Sans"/>
-            </a:endParaRPr>
-          </a:p>
-          <a:p>
-            <a:pPr marL="0" marR="0" lvl="0" indent="0" algn="l" defTabSz="914400" rtl="0" eaLnBrk="0" fontAlgn="base" latinLnBrk="0" hangingPunct="0">
-              <a:lnSpc>
-                <a:spcPct val="100000"/>
-              </a:lnSpc>
-              <a:spcBef>
-                <a:spcPct val="0"/>
-              </a:spcBef>
-              <a:spcAft>
-                <a:spcPct val="0"/>
-              </a:spcAft>
-              <a:buClrTx/>
-              <a:buSzTx/>
-              <a:buFontTx/>
-              <a:buAutoNum type="arabicPeriod" startAt="2"/>
-              <a:tabLst/>
-            </a:pPr>
-            <a:endParaRPr kumimoji="0" lang="en-US" altLang="en-US" b="1" i="0" u="none" strike="noStrike" cap="none" normalizeH="0" baseline="0" dirty="0">
-              <a:ln>
-                <a:noFill/>
-              </a:ln>
-              <a:solidFill>
-                <a:srgbClr val="1F1F1F"/>
-              </a:solidFill>
-              <a:effectLst/>
-              <a:latin typeface="Google Sans"/>
-            </a:endParaRPr>
-          </a:p>
-          <a:p>
-            <a:pPr marL="0" marR="0" lvl="0" indent="0" algn="l" defTabSz="914400" rtl="0" eaLnBrk="0" fontAlgn="base" latinLnBrk="0" hangingPunct="0">
-              <a:lnSpc>
-                <a:spcPct val="100000"/>
-              </a:lnSpc>
-              <a:spcBef>
-                <a:spcPct val="0"/>
-              </a:spcBef>
-              <a:spcAft>
-                <a:spcPct val="0"/>
-              </a:spcAft>
-              <a:buClrTx/>
-              <a:buSzTx/>
-              <a:buFontTx/>
-              <a:buAutoNum type="arabicPeriod" startAt="2"/>
-              <a:tabLst/>
-            </a:pPr>
-            <a:r>
-              <a:rPr kumimoji="0" lang="en-US" altLang="en-US" b="1" i="0" u="none" strike="noStrike" cap="none" normalizeH="0" baseline="0" dirty="0">
-                <a:ln>
-                  <a:noFill/>
-                </a:ln>
-                <a:solidFill>
-                  <a:srgbClr val="1F1F1F"/>
-                </a:solidFill>
-                <a:effectLst/>
-                <a:latin typeface="Google Sans"/>
-              </a:rPr>
-              <a:t> Customizable dashboards:</a:t>
-            </a:r>
-            <a:r>
-              <a:rPr kumimoji="0" lang="en-US" altLang="en-US" b="0" i="0" u="none" strike="noStrike" cap="none" normalizeH="0" baseline="0" dirty="0">
-                <a:ln>
-                  <a:noFill/>
-                </a:ln>
-                <a:solidFill>
-                  <a:srgbClr val="1F1F1F"/>
-                </a:solidFill>
-                <a:effectLst/>
-                <a:latin typeface="Google Sans"/>
-              </a:rPr>
-              <a:t> Providing customizable dashboards for administrators can allow them to tailor the system to their specific needs and preferences.</a:t>
-            </a:r>
-          </a:p>
-          <a:p>
-            <a:pPr marL="0" marR="0" lvl="0" indent="0" algn="l" defTabSz="914400" rtl="0" eaLnBrk="0" fontAlgn="base" latinLnBrk="0" hangingPunct="0">
-              <a:lnSpc>
-                <a:spcPct val="100000"/>
-              </a:lnSpc>
-              <a:spcBef>
-                <a:spcPct val="0"/>
-              </a:spcBef>
-              <a:spcAft>
-                <a:spcPct val="0"/>
-              </a:spcAft>
-              <a:buClrTx/>
-              <a:buSzTx/>
-              <a:buFontTx/>
-              <a:buAutoNum type="arabicPeriod" startAt="2"/>
-              <a:tabLst/>
-            </a:pPr>
-            <a:endParaRPr lang="en-US" altLang="en-US" dirty="0">
-              <a:solidFill>
-                <a:srgbClr val="1F1F1F"/>
-              </a:solidFill>
-              <a:latin typeface="Google Sans"/>
-            </a:endParaRPr>
-          </a:p>
-          <a:p>
-            <a:pPr marL="0" marR="0" lvl="0" indent="0" algn="l" defTabSz="914400" rtl="0" eaLnBrk="0" fontAlgn="base" latinLnBrk="0" hangingPunct="0">
-              <a:lnSpc>
-                <a:spcPct val="100000"/>
-              </a:lnSpc>
-              <a:spcBef>
-                <a:spcPct val="0"/>
-              </a:spcBef>
-              <a:spcAft>
-                <a:spcPct val="0"/>
-              </a:spcAft>
-              <a:buClrTx/>
-              <a:buSzTx/>
-              <a:buFontTx/>
-              <a:buAutoNum type="arabicPeriod" startAt="2"/>
-              <a:tabLst/>
-            </a:pPr>
-            <a:r>
-              <a:rPr kumimoji="0" lang="en-US" altLang="en-US" b="1" i="0" u="none" strike="noStrike" cap="none" normalizeH="0" baseline="0" dirty="0">
-                <a:ln>
-                  <a:noFill/>
-                </a:ln>
-                <a:solidFill>
-                  <a:srgbClr val="1F1F1F"/>
-                </a:solidFill>
-                <a:effectLst/>
-                <a:latin typeface="Google Sans"/>
-              </a:rPr>
-              <a:t> SaaS Model: </a:t>
-            </a:r>
-            <a:r>
-              <a:rPr lang="en-US" altLang="en-US" dirty="0">
-                <a:solidFill>
-                  <a:srgbClr val="1F1F1F"/>
-                </a:solidFill>
-                <a:latin typeface="Google Sans"/>
-              </a:rPr>
-              <a:t>Providing the services through SaaS model to incorporate other institutions, universities at a premium.</a:t>
-            </a:r>
-            <a:endParaRPr kumimoji="0" lang="en-US" altLang="en-US" b="1" i="0" u="none" strike="noStrike" cap="none" normalizeH="0" baseline="0" dirty="0">
-              <a:ln>
-                <a:noFill/>
-              </a:ln>
-              <a:solidFill>
-                <a:schemeClr val="tx1"/>
-              </a:solidFill>
-              <a:effectLst/>
-              <a:latin typeface="Arial" panose="020B0604020202020204" pitchFamily="34" charset="0"/>
-            </a:endParaRPr>
-          </a:p>
-        </p:txBody>
-      </p:sp>
-    </p:spTree>
-    <p:extLst>
-      <p:ext uri="{BB962C8B-B14F-4D97-AF65-F5344CB8AC3E}">
-        <p14:creationId xmlns:p14="http://schemas.microsoft.com/office/powerpoint/2010/main" val="1091307680"/>
-      </p:ext>
-    </p:extLst>
-  </p:cSld>
-  <p:clrMapOvr>
-    <a:masterClrMapping/>
-  </p:clrMapOvr>
-</p:sld>
-</file>
-
-<file path=ppt/slides/slide21.xml><?xml version="1.0" encoding="utf-8"?>
-<p:sld xmlns:a="http://schemas.openxmlformats.org/drawingml/2006/main" xmlns:r="http://schemas.openxmlformats.org/officeDocument/2006/relationships" xmlns:p="http://schemas.openxmlformats.org/presentationml/2006/main">
-  <p:cSld>
-    <p:spTree>
-      <p:nvGrpSpPr>
-        <p:cNvPr id="1" name=""/>
-        <p:cNvGrpSpPr/>
-        <p:nvPr/>
-      </p:nvGrpSpPr>
-      <p:grpSpPr>
-        <a:xfrm>
-          <a:off x="0" y="0"/>
-          <a:ext cx="0" cy="0"/>
-          <a:chOff x="0" y="0"/>
-          <a:chExt cx="0" cy="0"/>
-        </a:xfrm>
-      </p:grpSpPr>
-      <p:sp>
-        <p:nvSpPr>
-          <p:cNvPr id="2" name="Title 1">
-            <a:extLst>
-              <a:ext uri="{FF2B5EF4-FFF2-40B4-BE49-F238E27FC236}">
-                <a16:creationId xmlns:a16="http://schemas.microsoft.com/office/drawing/2014/main" id="{66039E87-B60E-5EF5-CEDC-2D0C01FF3F26}"/>
-              </a:ext>
-            </a:extLst>
-          </p:cNvPr>
-          <p:cNvSpPr>
-            <a:spLocks noGrp="1"/>
-          </p:cNvSpPr>
-          <p:nvPr>
-            <p:ph type="title"/>
-          </p:nvPr>
-        </p:nvSpPr>
-        <p:spPr/>
-        <p:txBody>
-          <a:bodyPr/>
-          <a:lstStyle/>
-          <a:p>
-            <a:r>
-              <a:rPr lang="en-IN" sz="2000" b="1" dirty="0"/>
-              <a:t>   Bibliography/References</a:t>
-            </a:r>
-          </a:p>
-        </p:txBody>
-      </p:sp>
-      <p:sp>
-        <p:nvSpPr>
-          <p:cNvPr id="4" name="TextBox 3">
-            <a:extLst>
-              <a:ext uri="{FF2B5EF4-FFF2-40B4-BE49-F238E27FC236}">
-                <a16:creationId xmlns:a16="http://schemas.microsoft.com/office/drawing/2014/main" id="{F71A5A12-1171-C2B3-EFDF-B6D4E7700B33}"/>
-              </a:ext>
-            </a:extLst>
-          </p:cNvPr>
-          <p:cNvSpPr txBox="1"/>
-          <p:nvPr/>
-        </p:nvSpPr>
-        <p:spPr>
-          <a:xfrm>
-            <a:off x="117987" y="1032092"/>
-            <a:ext cx="8908026" cy="4770537"/>
-          </a:xfrm>
-          <a:prstGeom prst="rect">
-            <a:avLst/>
-          </a:prstGeom>
-          <a:noFill/>
-        </p:spPr>
-        <p:txBody>
-          <a:bodyPr wrap="square" rtlCol="0">
-            <a:spAutoFit/>
-          </a:bodyPr>
-          <a:lstStyle/>
-          <a:p>
-            <a:pPr>
-              <a:spcBef>
-                <a:spcPts val="1220"/>
-              </a:spcBef>
-              <a:tabLst>
-                <a:tab pos="758825" algn="l"/>
-                <a:tab pos="759460" algn="l"/>
-              </a:tabLst>
-            </a:pPr>
-            <a:r>
-              <a:rPr lang="en-IN" sz="1800" b="1" dirty="0">
-                <a:effectLst/>
-                <a:latin typeface="Times New Roman" panose="02020603050405020304" pitchFamily="18" charset="0"/>
-                <a:ea typeface="Times New Roman" panose="02020603050405020304" pitchFamily="18" charset="0"/>
-              </a:rPr>
-              <a:t> Websites and Online Resources:</a:t>
-            </a:r>
-            <a:endParaRPr lang="en-IN" sz="1800" dirty="0">
-              <a:effectLst/>
-              <a:latin typeface="Times New Roman" panose="02020603050405020304" pitchFamily="18" charset="0"/>
-              <a:ea typeface="Times New Roman" panose="02020603050405020304" pitchFamily="18" charset="0"/>
-            </a:endParaRPr>
-          </a:p>
-          <a:p>
-            <a:pPr marL="342900" lvl="0" indent="-342900">
-              <a:spcBef>
-                <a:spcPts val="1220"/>
-              </a:spcBef>
-              <a:buSzPts val="1000"/>
-              <a:buFont typeface="Symbol" panose="05050102010706020507" pitchFamily="18" charset="2"/>
-              <a:buChar char=""/>
-              <a:tabLst>
-                <a:tab pos="457200" algn="l"/>
-                <a:tab pos="758825" algn="l"/>
-                <a:tab pos="759460" algn="l"/>
-              </a:tabLst>
-            </a:pPr>
-            <a:r>
-              <a:rPr lang="en-IN" sz="1800" b="1" dirty="0">
-                <a:effectLst/>
-                <a:latin typeface="Times New Roman" panose="02020603050405020304" pitchFamily="18" charset="0"/>
-                <a:ea typeface="Times New Roman" panose="02020603050405020304" pitchFamily="18" charset="0"/>
-              </a:rPr>
-              <a:t>React.js Official Documentation (reactjs.org)</a:t>
-            </a:r>
-            <a:r>
-              <a:rPr lang="en-IN" sz="1800" dirty="0">
-                <a:effectLst/>
-                <a:latin typeface="Times New Roman" panose="02020603050405020304" pitchFamily="18" charset="0"/>
-                <a:ea typeface="Times New Roman" panose="02020603050405020304" pitchFamily="18" charset="0"/>
-              </a:rPr>
-              <a:t> – For understanding React.js concepts, components, and hooks.</a:t>
-            </a:r>
-          </a:p>
-          <a:p>
-            <a:pPr marL="342900" lvl="0" indent="-342900">
-              <a:spcBef>
-                <a:spcPts val="1220"/>
-              </a:spcBef>
-              <a:buSzPts val="1000"/>
-              <a:buFont typeface="Symbol" panose="05050102010706020507" pitchFamily="18" charset="2"/>
-              <a:buChar char=""/>
-              <a:tabLst>
-                <a:tab pos="457200" algn="l"/>
-                <a:tab pos="758825" algn="l"/>
-                <a:tab pos="759460" algn="l"/>
-              </a:tabLst>
-            </a:pPr>
-            <a:r>
-              <a:rPr lang="en-IN" sz="1800" b="1" dirty="0">
-                <a:effectLst/>
-                <a:latin typeface="Times New Roman" panose="02020603050405020304" pitchFamily="18" charset="0"/>
-                <a:ea typeface="Times New Roman" panose="02020603050405020304" pitchFamily="18" charset="0"/>
-              </a:rPr>
-              <a:t>NPM Documentation</a:t>
-            </a:r>
-            <a:r>
-              <a:rPr lang="en-IN" sz="1800" dirty="0">
-                <a:effectLst/>
-                <a:latin typeface="Times New Roman" panose="02020603050405020304" pitchFamily="18" charset="0"/>
-                <a:ea typeface="Times New Roman" panose="02020603050405020304" pitchFamily="18" charset="0"/>
-              </a:rPr>
-              <a:t>– For accessing various npm libraries.</a:t>
-            </a:r>
-          </a:p>
-          <a:p>
-            <a:pPr>
-              <a:spcBef>
-                <a:spcPts val="1220"/>
-              </a:spcBef>
-              <a:tabLst>
-                <a:tab pos="758825" algn="l"/>
-                <a:tab pos="759460" algn="l"/>
-              </a:tabLst>
-            </a:pPr>
-            <a:r>
-              <a:rPr lang="en-IN" sz="1800" b="1" dirty="0">
-                <a:effectLst/>
-                <a:latin typeface="Times New Roman" panose="02020603050405020304" pitchFamily="18" charset="0"/>
-                <a:ea typeface="Times New Roman" panose="02020603050405020304" pitchFamily="18" charset="0"/>
-              </a:rPr>
-              <a:t>Articles and Tutorials:</a:t>
-            </a:r>
-            <a:endParaRPr lang="en-IN" sz="1800" dirty="0">
-              <a:effectLst/>
-              <a:latin typeface="Times New Roman" panose="02020603050405020304" pitchFamily="18" charset="0"/>
-              <a:ea typeface="Times New Roman" panose="02020603050405020304" pitchFamily="18" charset="0"/>
-            </a:endParaRPr>
-          </a:p>
-          <a:p>
-            <a:pPr marL="342900" lvl="0" indent="-342900">
-              <a:spcBef>
-                <a:spcPts val="1220"/>
-              </a:spcBef>
-              <a:buSzPts val="1000"/>
-              <a:buFont typeface="Symbol" panose="05050102010706020507" pitchFamily="18" charset="2"/>
-              <a:buChar char=""/>
-              <a:tabLst>
-                <a:tab pos="457200" algn="l"/>
-                <a:tab pos="758825" algn="l"/>
-                <a:tab pos="759460" algn="l"/>
-              </a:tabLst>
-            </a:pPr>
-            <a:r>
-              <a:rPr lang="en-IN" sz="1800" b="1" dirty="0">
-                <a:effectLst/>
-                <a:latin typeface="Times New Roman" panose="02020603050405020304" pitchFamily="18" charset="0"/>
-                <a:ea typeface="Times New Roman" panose="02020603050405020304" pitchFamily="18" charset="0"/>
-              </a:rPr>
-              <a:t>"Understanding REST APIs" on Medium</a:t>
-            </a:r>
-            <a:r>
-              <a:rPr lang="en-IN" sz="1800" dirty="0">
-                <a:effectLst/>
-                <a:latin typeface="Times New Roman" panose="02020603050405020304" pitchFamily="18" charset="0"/>
-                <a:ea typeface="Times New Roman" panose="02020603050405020304" pitchFamily="18" charset="0"/>
-              </a:rPr>
-              <a:t> – For insights into building and consuming RESTful APIs.</a:t>
-            </a:r>
-          </a:p>
-          <a:p>
-            <a:pPr marL="342900" lvl="0" indent="-342900">
-              <a:spcBef>
-                <a:spcPts val="1220"/>
-              </a:spcBef>
-              <a:buSzPts val="1000"/>
-              <a:buFont typeface="Symbol" panose="05050102010706020507" pitchFamily="18" charset="2"/>
-              <a:buChar char=""/>
-              <a:tabLst>
-                <a:tab pos="457200" algn="l"/>
-                <a:tab pos="758825" algn="l"/>
-                <a:tab pos="759460" algn="l"/>
-              </a:tabLst>
-            </a:pPr>
-            <a:r>
-              <a:rPr lang="en-IN" sz="1800" b="1" dirty="0">
-                <a:effectLst/>
-                <a:latin typeface="Times New Roman" panose="02020603050405020304" pitchFamily="18" charset="0"/>
-                <a:ea typeface="Times New Roman" panose="02020603050405020304" pitchFamily="18" charset="0"/>
-              </a:rPr>
-              <a:t>"Building a Simple Node.js Backend" on Dev.to</a:t>
-            </a:r>
-            <a:r>
-              <a:rPr lang="en-IN" sz="1800" dirty="0">
-                <a:effectLst/>
-                <a:latin typeface="Times New Roman" panose="02020603050405020304" pitchFamily="18" charset="0"/>
-                <a:ea typeface="Times New Roman" panose="02020603050405020304" pitchFamily="18" charset="0"/>
-              </a:rPr>
-              <a:t> – A step-by-step guide for setting up a basic backend with Node.js and Express.</a:t>
-            </a:r>
-          </a:p>
-          <a:p>
-            <a:pPr>
-              <a:spcBef>
-                <a:spcPts val="1220"/>
-              </a:spcBef>
-              <a:tabLst>
-                <a:tab pos="758825" algn="l"/>
-                <a:tab pos="759460" algn="l"/>
-              </a:tabLst>
-            </a:pPr>
-            <a:r>
-              <a:rPr lang="en-IN" sz="1800" b="1" dirty="0">
-                <a:effectLst/>
-                <a:latin typeface="Times New Roman" panose="02020603050405020304" pitchFamily="18" charset="0"/>
-                <a:ea typeface="Times New Roman" panose="02020603050405020304" pitchFamily="18" charset="0"/>
-              </a:rPr>
-              <a:t> Tools and Libraries Documentation:</a:t>
-            </a:r>
-            <a:endParaRPr lang="en-IN" sz="1800" dirty="0">
-              <a:effectLst/>
-              <a:latin typeface="Times New Roman" panose="02020603050405020304" pitchFamily="18" charset="0"/>
-              <a:ea typeface="Times New Roman" panose="02020603050405020304" pitchFamily="18" charset="0"/>
-            </a:endParaRPr>
-          </a:p>
-          <a:p>
-            <a:pPr marL="342900" lvl="0" indent="-342900">
-              <a:spcBef>
-                <a:spcPts val="1220"/>
-              </a:spcBef>
-              <a:buSzPts val="1000"/>
-              <a:buFont typeface="Symbol" panose="05050102010706020507" pitchFamily="18" charset="2"/>
-              <a:buChar char=""/>
-              <a:tabLst>
-                <a:tab pos="457200" algn="l"/>
-                <a:tab pos="758825" algn="l"/>
-                <a:tab pos="759460" algn="l"/>
-              </a:tabLst>
-            </a:pPr>
-            <a:r>
-              <a:rPr lang="en-IN" sz="1800" b="1" dirty="0">
-                <a:effectLst/>
-                <a:latin typeface="Times New Roman" panose="02020603050405020304" pitchFamily="18" charset="0"/>
-                <a:ea typeface="Times New Roman" panose="02020603050405020304" pitchFamily="18" charset="0"/>
-              </a:rPr>
-              <a:t>Node.js Documentation (nodejs.org)</a:t>
-            </a:r>
-            <a:r>
-              <a:rPr lang="en-IN" sz="1800" dirty="0">
-                <a:effectLst/>
-                <a:latin typeface="Times New Roman" panose="02020603050405020304" pitchFamily="18" charset="0"/>
-                <a:ea typeface="Times New Roman" panose="02020603050405020304" pitchFamily="18" charset="0"/>
-              </a:rPr>
-              <a:t> – For understanding the Node.js runtime and its capabilities.</a:t>
-            </a:r>
-          </a:p>
-          <a:p>
-            <a:endParaRPr lang="en-IN" dirty="0"/>
-          </a:p>
-        </p:txBody>
-      </p:sp>
-    </p:spTree>
-    <p:extLst>
-      <p:ext uri="{BB962C8B-B14F-4D97-AF65-F5344CB8AC3E}">
-        <p14:creationId xmlns:p14="http://schemas.microsoft.com/office/powerpoint/2010/main" val="622029710"/>
-      </p:ext>
-    </p:extLst>
-  </p:cSld>
-  <p:clrMapOvr>
-    <a:masterClrMapping/>
-  </p:clrMapOvr>
-</p:sld>
-</file>
-
-<file path=ppt/slides/slide22.xml><?xml version="1.0" encoding="utf-8"?>
-<p:sld xmlns:a="http://schemas.openxmlformats.org/drawingml/2006/main" xmlns:r="http://schemas.openxmlformats.org/officeDocument/2006/relationships" xmlns:p="http://schemas.openxmlformats.org/presentationml/2006/main">
-  <p:cSld>
-    <p:spTree>
-      <p:nvGrpSpPr>
-        <p:cNvPr id="1" name=""/>
-        <p:cNvGrpSpPr/>
-        <p:nvPr/>
-      </p:nvGrpSpPr>
-      <p:grpSpPr>
-        <a:xfrm>
-          <a:off x="0" y="0"/>
-          <a:ext cx="0" cy="0"/>
-          <a:chOff x="0" y="0"/>
-          <a:chExt cx="0" cy="0"/>
-        </a:xfrm>
-      </p:grpSpPr>
-      <p:sp>
-        <p:nvSpPr>
-          <p:cNvPr id="108" name="TextShape 1"/>
-          <p:cNvSpPr txBox="1"/>
-          <p:nvPr/>
-        </p:nvSpPr>
-        <p:spPr>
-          <a:xfrm>
-            <a:off x="1297577" y="2821578"/>
-            <a:ext cx="6705599" cy="1410788"/>
-          </a:xfrm>
-          <a:prstGeom prst="rect">
-            <a:avLst/>
-          </a:prstGeom>
-          <a:noFill/>
-          <a:ln w="9360">
-            <a:noFill/>
-          </a:ln>
-        </p:spPr>
-        <p:txBody>
-          <a:bodyPr anchor="ctr">
-            <a:noAutofit/>
-          </a:bodyPr>
-          <a:lstStyle/>
-          <a:p>
-            <a:pPr algn="ctr">
-              <a:lnSpc>
-                <a:spcPct val="100000"/>
-              </a:lnSpc>
-            </a:pPr>
-            <a:r>
-              <a:rPr lang="en" sz="5400" dirty="0">
-                <a:latin typeface="Times New Roman" panose="02020603050405020304" pitchFamily="18" charset="0"/>
-                <a:cs typeface="Times New Roman" panose="02020603050405020304" pitchFamily="18" charset="0"/>
-              </a:rPr>
-              <a:t>Thank You</a:t>
-            </a:r>
-            <a:endParaRPr lang="en-US" sz="5400" b="0" strike="noStrike" spc="-1" dirty="0">
-              <a:solidFill>
-                <a:srgbClr val="000000"/>
-              </a:solidFill>
-              <a:latin typeface="Times New Roman" panose="02020603050405020304" pitchFamily="18" charset="0"/>
-              <a:cs typeface="Times New Roman" panose="02020603050405020304" pitchFamily="18" charset="0"/>
-            </a:endParaRPr>
-          </a:p>
-        </p:txBody>
-      </p:sp>
-      <p:sp>
-        <p:nvSpPr>
-          <p:cNvPr id="110" name="TextShape 3"/>
-          <p:cNvSpPr txBox="1"/>
-          <p:nvPr/>
-        </p:nvSpPr>
-        <p:spPr>
-          <a:xfrm>
-            <a:off x="6553080" y="6356520"/>
-            <a:ext cx="2133360" cy="364680"/>
-          </a:xfrm>
-          <a:prstGeom prst="rect">
-            <a:avLst/>
-          </a:prstGeom>
-          <a:noFill/>
-          <a:ln>
-            <a:noFill/>
-          </a:ln>
-        </p:spPr>
-        <p:txBody>
-          <a:bodyPr anchor="ctr">
-            <a:noAutofit/>
-          </a:bodyPr>
-          <a:lstStyle/>
-          <a:p>
-            <a:pPr algn="r">
-              <a:lnSpc>
-                <a:spcPct val="100000"/>
-              </a:lnSpc>
-            </a:pPr>
-            <a:fld id="{4D4FEEEE-7AC5-48A9-86F4-13448BE87B58}" type="slidenum">
-              <a:rPr lang="en-US" sz="1200" b="1" strike="noStrike" spc="-1">
-                <a:solidFill>
-                  <a:srgbClr val="000000"/>
-                </a:solidFill>
-                <a:latin typeface="Calibri"/>
-                <a:ea typeface="MS PGothic"/>
-              </a:rPr>
-              <a:pPr algn="r">
-                <a:lnSpc>
-                  <a:spcPct val="100000"/>
-                </a:lnSpc>
-              </a:pPr>
-              <a:t>22</a:t>
-            </a:fld>
-            <a:endParaRPr lang="en-GB" sz="1200" b="0" strike="noStrike" spc="-1">
-              <a:latin typeface="Times New Roman"/>
-            </a:endParaRPr>
-          </a:p>
-        </p:txBody>
-      </p:sp>
-    </p:spTree>
-    <p:extLst>
-      <p:ext uri="{BB962C8B-B14F-4D97-AF65-F5344CB8AC3E}">
-        <p14:creationId xmlns:p14="http://schemas.microsoft.com/office/powerpoint/2010/main" val="2834479809"/>
-      </p:ext>
-    </p:extLst>
-  </p:cSld>
-  <p:clrMapOvr>
-    <a:masterClrMapping/>
-  </p:clrMapOvr>
-</p:sld>
-</file>
-
-<file path=ppt/slides/slide3.xml><?xml version="1.0" encoding="utf-8"?>
-<p:sld xmlns:a="http://schemas.openxmlformats.org/drawingml/2006/main" xmlns:r="http://schemas.openxmlformats.org/officeDocument/2006/relationships" xmlns:p="http://schemas.openxmlformats.org/presentationml/2006/main">
-  <p:cSld>
-    <p:spTree>
-      <p:nvGrpSpPr>
-        <p:cNvPr id="1" name=""/>
-        <p:cNvGrpSpPr/>
-        <p:nvPr/>
-      </p:nvGrpSpPr>
-      <p:grpSpPr>
-        <a:xfrm>
-          <a:off x="0" y="0"/>
-          <a:ext cx="0" cy="0"/>
-          <a:chOff x="0" y="0"/>
-          <a:chExt cx="0" cy="0"/>
-        </a:xfrm>
-      </p:grpSpPr>
-      <p:sp>
-        <p:nvSpPr>
-          <p:cNvPr id="108" name="TextShape 1"/>
-          <p:cNvSpPr txBox="1"/>
-          <p:nvPr/>
-        </p:nvSpPr>
-        <p:spPr>
-          <a:xfrm>
-            <a:off x="350640" y="0"/>
-            <a:ext cx="6019560" cy="837720"/>
-          </a:xfrm>
-          <a:prstGeom prst="rect">
-            <a:avLst/>
-          </a:prstGeom>
-          <a:noFill/>
-          <a:ln w="9360">
-            <a:noFill/>
-          </a:ln>
-        </p:spPr>
-        <p:txBody>
-          <a:bodyPr anchor="ctr">
-            <a:noAutofit/>
-          </a:bodyPr>
-          <a:lstStyle/>
-          <a:p>
-            <a:pPr algn="ctr">
-              <a:lnSpc>
-                <a:spcPct val="100000"/>
-              </a:lnSpc>
-            </a:pPr>
-            <a:r>
-              <a:rPr lang="en-US" sz="3000" spc="-1" dirty="0">
-                <a:solidFill>
-                  <a:srgbClr val="000000"/>
-                </a:solidFill>
-                <a:latin typeface="Times New Roman" panose="02020603050405020304" pitchFamily="18" charset="0"/>
-                <a:cs typeface="Times New Roman" panose="02020603050405020304" pitchFamily="18" charset="0"/>
-              </a:rPr>
-              <a:t>Keywords</a:t>
-            </a:r>
-            <a:endParaRPr lang="en-US" sz="3000" b="0" strike="noStrike" spc="-1" dirty="0">
-              <a:solidFill>
-                <a:srgbClr val="000000"/>
-              </a:solidFill>
-              <a:latin typeface="Times New Roman" panose="02020603050405020304" pitchFamily="18" charset="0"/>
-              <a:cs typeface="Times New Roman" panose="02020603050405020304" pitchFamily="18" charset="0"/>
-            </a:endParaRPr>
-          </a:p>
-        </p:txBody>
-      </p:sp>
-      <p:sp>
-        <p:nvSpPr>
-          <p:cNvPr id="110" name="TextShape 3"/>
-          <p:cNvSpPr txBox="1"/>
-          <p:nvPr/>
-        </p:nvSpPr>
-        <p:spPr>
-          <a:xfrm>
-            <a:off x="6553080" y="6356520"/>
-            <a:ext cx="2133360" cy="364680"/>
-          </a:xfrm>
-          <a:prstGeom prst="rect">
-            <a:avLst/>
-          </a:prstGeom>
-          <a:noFill/>
-          <a:ln>
-            <a:noFill/>
-          </a:ln>
-        </p:spPr>
-        <p:txBody>
-          <a:bodyPr anchor="ctr">
-            <a:noAutofit/>
-          </a:bodyPr>
-          <a:lstStyle/>
-          <a:p>
-            <a:pPr algn="r">
-              <a:lnSpc>
-                <a:spcPct val="100000"/>
-              </a:lnSpc>
-            </a:pPr>
-            <a:fld id="{4D4FEEEE-7AC5-48A9-86F4-13448BE87B58}" type="slidenum">
-              <a:rPr lang="en-US" sz="1200" b="1" strike="noStrike" spc="-1">
-                <a:solidFill>
-                  <a:srgbClr val="000000"/>
-                </a:solidFill>
-                <a:latin typeface="Calibri"/>
-                <a:ea typeface="MS PGothic"/>
-              </a:rPr>
-              <a:pPr algn="r">
-                <a:lnSpc>
-                  <a:spcPct val="100000"/>
-                </a:lnSpc>
-              </a:pPr>
-              <a:t>3</a:t>
-            </a:fld>
-            <a:endParaRPr lang="en-GB" sz="1200" b="0" strike="noStrike" spc="-1">
-              <a:latin typeface="Times New Roman"/>
-            </a:endParaRPr>
-          </a:p>
-        </p:txBody>
-      </p:sp>
-      <p:sp>
-        <p:nvSpPr>
-          <p:cNvPr id="5" name="TextShape 2"/>
-          <p:cNvSpPr txBox="1"/>
-          <p:nvPr/>
-        </p:nvSpPr>
-        <p:spPr>
-          <a:xfrm>
-            <a:off x="164008" y="1109742"/>
-            <a:ext cx="8838720" cy="5359884"/>
-          </a:xfrm>
-          <a:prstGeom prst="rect">
-            <a:avLst/>
-          </a:prstGeom>
-          <a:noFill/>
-          <a:ln w="9360">
-            <a:noFill/>
-          </a:ln>
-        </p:spPr>
-        <p:txBody>
-          <a:bodyPr>
-            <a:noAutofit/>
-          </a:bodyPr>
-          <a:lstStyle/>
-          <a:p>
-            <a:pPr marL="342900" indent="-342900">
-              <a:lnSpc>
-                <a:spcPct val="100000"/>
-              </a:lnSpc>
-              <a:spcBef>
-                <a:spcPts val="400"/>
-              </a:spcBef>
-              <a:buFont typeface="Arial" panose="020B0604020202020204" pitchFamily="34" charset="0"/>
-              <a:buChar char="•"/>
-            </a:pPr>
-            <a:r>
-              <a:rPr lang="en-US" sz="2000" dirty="0">
-                <a:latin typeface="Times New Roman" panose="02020603050405020304" pitchFamily="18" charset="0"/>
-                <a:cs typeface="Times New Roman" panose="02020603050405020304" pitchFamily="18" charset="0"/>
-              </a:rPr>
-              <a:t>Booking System</a:t>
-            </a:r>
-          </a:p>
-          <a:p>
-            <a:pPr marL="342900" indent="-342900">
-              <a:lnSpc>
-                <a:spcPct val="100000"/>
-              </a:lnSpc>
-              <a:spcBef>
-                <a:spcPts val="400"/>
-              </a:spcBef>
-              <a:buFont typeface="Arial" panose="020B0604020202020204" pitchFamily="34" charset="0"/>
-              <a:buChar char="•"/>
-            </a:pPr>
-            <a:r>
-              <a:rPr lang="en-US" sz="2000" dirty="0">
-                <a:latin typeface="Times New Roman" panose="02020603050405020304" pitchFamily="18" charset="0"/>
-                <a:cs typeface="Times New Roman" panose="02020603050405020304" pitchFamily="18" charset="0"/>
-              </a:rPr>
-              <a:t>Realtime Analytics</a:t>
-            </a:r>
-          </a:p>
-          <a:p>
-            <a:pPr marL="342900" indent="-342900">
-              <a:lnSpc>
-                <a:spcPct val="100000"/>
-              </a:lnSpc>
-              <a:spcBef>
-                <a:spcPts val="400"/>
-              </a:spcBef>
-              <a:buFont typeface="Arial" panose="020B0604020202020204" pitchFamily="34" charset="0"/>
-              <a:buChar char="•"/>
-            </a:pPr>
-            <a:r>
-              <a:rPr lang="en-US" sz="2000" dirty="0">
-                <a:latin typeface="Times New Roman" panose="02020603050405020304" pitchFamily="18" charset="0"/>
-                <a:cs typeface="Times New Roman" panose="02020603050405020304" pitchFamily="18" charset="0"/>
-              </a:rPr>
-              <a:t>Email Integration</a:t>
-            </a:r>
-          </a:p>
-          <a:p>
-            <a:pPr marL="342900" indent="-342900">
-              <a:lnSpc>
-                <a:spcPct val="100000"/>
-              </a:lnSpc>
-              <a:spcBef>
-                <a:spcPts val="400"/>
-              </a:spcBef>
-              <a:buFont typeface="Arial" panose="020B0604020202020204" pitchFamily="34" charset="0"/>
-              <a:buChar char="•"/>
-            </a:pPr>
-            <a:r>
-              <a:rPr lang="en-US" sz="2000" dirty="0">
-                <a:latin typeface="Times New Roman" panose="02020603050405020304" pitchFamily="18" charset="0"/>
-                <a:cs typeface="Times New Roman" panose="02020603050405020304" pitchFamily="18" charset="0"/>
-              </a:rPr>
-              <a:t>QR Scanner for Record Management</a:t>
-            </a:r>
-          </a:p>
-        </p:txBody>
-      </p:sp>
-    </p:spTree>
-    <p:extLst>
-      <p:ext uri="{BB962C8B-B14F-4D97-AF65-F5344CB8AC3E}">
-        <p14:creationId xmlns:p14="http://schemas.microsoft.com/office/powerpoint/2010/main" val="2885960050"/>
-      </p:ext>
-    </p:extLst>
-  </p:cSld>
-  <p:clrMapOvr>
-    <a:masterClrMapping/>
-  </p:clrMapOvr>
-</p:sld>
-</file>
-
-<file path=ppt/slides/slide4.xml><?xml version="1.0" encoding="utf-8"?>
-<p:sld xmlns:a="http://schemas.openxmlformats.org/drawingml/2006/main" xmlns:r="http://schemas.openxmlformats.org/officeDocument/2006/relationships" xmlns:p="http://schemas.openxmlformats.org/presentationml/2006/main">
-  <p:cSld>
-    <p:spTree>
-      <p:nvGrpSpPr>
-        <p:cNvPr id="1" name=""/>
-        <p:cNvGrpSpPr/>
-        <p:nvPr/>
-      </p:nvGrpSpPr>
-      <p:grpSpPr>
-        <a:xfrm>
-          <a:off x="0" y="0"/>
-          <a:ext cx="0" cy="0"/>
-          <a:chOff x="0" y="0"/>
-          <a:chExt cx="0" cy="0"/>
-        </a:xfrm>
-      </p:grpSpPr>
-      <p:sp>
-        <p:nvSpPr>
-          <p:cNvPr id="108" name="TextShape 1"/>
-          <p:cNvSpPr txBox="1"/>
-          <p:nvPr/>
-        </p:nvSpPr>
-        <p:spPr>
-          <a:xfrm>
-            <a:off x="350640" y="0"/>
-            <a:ext cx="6019560" cy="837720"/>
-          </a:xfrm>
-          <a:prstGeom prst="rect">
-            <a:avLst/>
-          </a:prstGeom>
-          <a:noFill/>
-          <a:ln w="9360">
-            <a:noFill/>
-          </a:ln>
-        </p:spPr>
-        <p:txBody>
-          <a:bodyPr anchor="ctr">
-            <a:noAutofit/>
-          </a:bodyPr>
-          <a:lstStyle/>
-          <a:p>
-            <a:pPr algn="ctr">
-              <a:lnSpc>
-                <a:spcPct val="100000"/>
-              </a:lnSpc>
-            </a:pPr>
-            <a:r>
-              <a:rPr lang="en" sz="3200" dirty="0">
-                <a:latin typeface="Times New Roman" panose="02020603050405020304" pitchFamily="18" charset="0"/>
-                <a:cs typeface="Times New Roman" panose="02020603050405020304" pitchFamily="18" charset="0"/>
-              </a:rPr>
-              <a:t>Introduction</a:t>
-            </a:r>
-            <a:endParaRPr lang="en-US" sz="3000" b="0" strike="noStrike" spc="-1" dirty="0">
-              <a:solidFill>
-                <a:srgbClr val="000000"/>
-              </a:solidFill>
-              <a:latin typeface="Times New Roman" panose="02020603050405020304" pitchFamily="18" charset="0"/>
-              <a:cs typeface="Times New Roman" panose="02020603050405020304" pitchFamily="18" charset="0"/>
-            </a:endParaRPr>
-          </a:p>
-        </p:txBody>
-      </p:sp>
-      <p:sp>
-        <p:nvSpPr>
-          <p:cNvPr id="110" name="TextShape 3"/>
-          <p:cNvSpPr txBox="1"/>
-          <p:nvPr/>
-        </p:nvSpPr>
-        <p:spPr>
-          <a:xfrm>
-            <a:off x="6553080" y="6356520"/>
-            <a:ext cx="2133360" cy="364680"/>
-          </a:xfrm>
-          <a:prstGeom prst="rect">
-            <a:avLst/>
-          </a:prstGeom>
-          <a:noFill/>
-          <a:ln>
-            <a:noFill/>
-          </a:ln>
-        </p:spPr>
-        <p:txBody>
-          <a:bodyPr anchor="ctr">
-            <a:noAutofit/>
-          </a:bodyPr>
-          <a:lstStyle/>
-          <a:p>
-            <a:pPr algn="r">
-              <a:lnSpc>
-                <a:spcPct val="100000"/>
-              </a:lnSpc>
-            </a:pPr>
-            <a:fld id="{4D4FEEEE-7AC5-48A9-86F4-13448BE87B58}" type="slidenum">
-              <a:rPr lang="en-US" sz="1200" b="1" strike="noStrike" spc="-1">
-                <a:solidFill>
-                  <a:srgbClr val="000000"/>
-                </a:solidFill>
-                <a:latin typeface="Calibri"/>
-                <a:ea typeface="MS PGothic"/>
-              </a:rPr>
-              <a:pPr algn="r">
-                <a:lnSpc>
-                  <a:spcPct val="100000"/>
-                </a:lnSpc>
-              </a:pPr>
-              <a:t>4</a:t>
-            </a:fld>
-            <a:endParaRPr lang="en-GB" sz="1200" b="0" strike="noStrike" spc="-1">
-              <a:latin typeface="Times New Roman"/>
-            </a:endParaRPr>
-          </a:p>
-        </p:txBody>
-      </p:sp>
-      <p:sp>
-        <p:nvSpPr>
-          <p:cNvPr id="5" name="TextShape 2"/>
-          <p:cNvSpPr txBox="1"/>
-          <p:nvPr/>
-        </p:nvSpPr>
-        <p:spPr>
-          <a:xfrm>
-            <a:off x="164008" y="1109742"/>
-            <a:ext cx="8838720" cy="5359884"/>
-          </a:xfrm>
-          <a:prstGeom prst="rect">
-            <a:avLst/>
-          </a:prstGeom>
-          <a:noFill/>
-          <a:ln w="9360">
-            <a:noFill/>
-          </a:ln>
-        </p:spPr>
-        <p:txBody>
-          <a:bodyPr>
-            <a:noAutofit/>
-          </a:bodyPr>
-          <a:lstStyle/>
-          <a:p>
-            <a:pPr>
-              <a:spcBef>
-                <a:spcPts val="400"/>
-              </a:spcBef>
-            </a:pPr>
-            <a:r>
-              <a:rPr lang="en-US" sz="2000" b="1" strike="noStrike" spc="-1" dirty="0">
-                <a:solidFill>
-                  <a:srgbClr val="000000"/>
-                </a:solidFill>
-                <a:latin typeface="Times New Roman" panose="02020603050405020304" pitchFamily="18" charset="0"/>
-                <a:cs typeface="Times New Roman" panose="02020603050405020304" pitchFamily="18" charset="0"/>
-              </a:rPr>
-              <a:t>Problem Statement</a:t>
-            </a:r>
-          </a:p>
-          <a:p>
-            <a:r>
-              <a:rPr lang="en-GB" dirty="0"/>
-              <a:t>Hostels often face challenges in managing their operations efficiently, such as:</a:t>
-            </a:r>
-          </a:p>
-          <a:p>
-            <a:endParaRPr lang="en-GB" dirty="0"/>
-          </a:p>
-          <a:p>
-            <a:pPr>
-              <a:buFont typeface="Arial" panose="020B0604020202020204" pitchFamily="34" charset="0"/>
-              <a:buChar char="•"/>
-            </a:pPr>
-            <a:r>
-              <a:rPr lang="en-GB" b="1" dirty="0"/>
-              <a:t> Manual processes:</a:t>
-            </a:r>
-            <a:r>
-              <a:rPr lang="en-GB" dirty="0"/>
-              <a:t> Time-consuming and error-prone manual tasks, including student registration, accommodation allocation, fee collection, and attendance tracking.</a:t>
-            </a:r>
-          </a:p>
-          <a:p>
-            <a:pPr>
-              <a:buFont typeface="Arial" panose="020B0604020202020204" pitchFamily="34" charset="0"/>
-              <a:buChar char="•"/>
-            </a:pPr>
-            <a:endParaRPr lang="en-GB" dirty="0"/>
-          </a:p>
-          <a:p>
-            <a:pPr>
-              <a:buFont typeface="Arial" panose="020B0604020202020204" pitchFamily="34" charset="0"/>
-              <a:buChar char="•"/>
-            </a:pPr>
-            <a:r>
-              <a:rPr lang="en-GB" b="1" dirty="0"/>
-              <a:t> Lack of transparency:</a:t>
-            </a:r>
-            <a:r>
-              <a:rPr lang="en-GB" dirty="0"/>
-              <a:t> Limited visibility into hostel operations, leading to difficulties in monitoring and managing resources effectively.</a:t>
-            </a:r>
-          </a:p>
-          <a:p>
-            <a:pPr>
-              <a:buFont typeface="Arial" panose="020B0604020202020204" pitchFamily="34" charset="0"/>
-              <a:buChar char="•"/>
-            </a:pPr>
-            <a:endParaRPr lang="en-GB" dirty="0"/>
-          </a:p>
-          <a:p>
-            <a:pPr>
-              <a:buFont typeface="Arial" panose="020B0604020202020204" pitchFamily="34" charset="0"/>
-              <a:buChar char="•"/>
-            </a:pPr>
-            <a:r>
-              <a:rPr lang="en-GB" b="1" dirty="0"/>
-              <a:t> Inefficient communication:</a:t>
-            </a:r>
-            <a:r>
-              <a:rPr lang="en-GB" dirty="0"/>
-              <a:t> Challenges in communicating with students and staff, resulting in delays and misunderstandings.</a:t>
-            </a:r>
-          </a:p>
-          <a:p>
-            <a:pPr>
-              <a:buFont typeface="Arial" panose="020B0604020202020204" pitchFamily="34" charset="0"/>
-              <a:buChar char="•"/>
-            </a:pPr>
-            <a:endParaRPr lang="en-GB" dirty="0"/>
-          </a:p>
-          <a:p>
-            <a:pPr>
-              <a:buFont typeface="Arial" panose="020B0604020202020204" pitchFamily="34" charset="0"/>
-              <a:buChar char="•"/>
-            </a:pPr>
-            <a:r>
-              <a:rPr lang="en-GB" b="1" dirty="0"/>
-              <a:t> Paperwork:</a:t>
-            </a:r>
-            <a:r>
-              <a:rPr lang="en-GB" dirty="0"/>
-              <a:t> Excessive paperwork, leading to storage issues and increased administrative costs.</a:t>
-            </a:r>
-          </a:p>
-          <a:p>
-            <a:pPr>
-              <a:buFont typeface="Arial" panose="020B0604020202020204" pitchFamily="34" charset="0"/>
-              <a:buChar char="•"/>
-            </a:pPr>
-            <a:endParaRPr lang="en-GB" dirty="0"/>
-          </a:p>
-          <a:p>
-            <a:r>
-              <a:rPr lang="en-GB" dirty="0"/>
-              <a:t>These challenges can negatively impact the overall hostel experience for students and staff.</a:t>
-            </a:r>
-          </a:p>
-          <a:p>
-            <a:pPr>
-              <a:spcBef>
-                <a:spcPts val="400"/>
-              </a:spcBef>
-            </a:pPr>
-            <a:endParaRPr lang="en-US" sz="2000" b="1" strike="noStrike" spc="-1" dirty="0">
-              <a:solidFill>
-                <a:srgbClr val="000000"/>
-              </a:solidFill>
-              <a:latin typeface="Calibri"/>
-            </a:endParaRPr>
-          </a:p>
-          <a:p>
-            <a:pPr>
-              <a:lnSpc>
-                <a:spcPct val="100000"/>
-              </a:lnSpc>
-              <a:spcBef>
-                <a:spcPts val="400"/>
-              </a:spcBef>
-            </a:pPr>
-            <a:endParaRPr lang="en-US" sz="2000" strike="noStrike" spc="-1" dirty="0">
-              <a:solidFill>
-                <a:srgbClr val="000000"/>
-              </a:solidFill>
-              <a:latin typeface="Calibri"/>
-            </a:endParaRPr>
-          </a:p>
-        </p:txBody>
-      </p:sp>
-    </p:spTree>
-  </p:cSld>
-  <p:clrMapOvr>
-    <a:masterClrMapping/>
-  </p:clrMapOvr>
-</p:sld>
-</file>
-
-<file path=ppt/slides/slide5.xml><?xml version="1.0" encoding="utf-8"?>
-<p:sld xmlns:a="http://schemas.openxmlformats.org/drawingml/2006/main" xmlns:r="http://schemas.openxmlformats.org/officeDocument/2006/relationships" xmlns:p="http://schemas.openxmlformats.org/presentationml/2006/main">
-  <p:cSld>
-    <p:spTree>
-      <p:nvGrpSpPr>
-        <p:cNvPr id="1" name=""/>
-        <p:cNvGrpSpPr/>
-        <p:nvPr/>
-      </p:nvGrpSpPr>
-      <p:grpSpPr>
-        <a:xfrm>
-          <a:off x="0" y="0"/>
-          <a:ext cx="0" cy="0"/>
-          <a:chOff x="0" y="0"/>
-          <a:chExt cx="0" cy="0"/>
-        </a:xfrm>
-      </p:grpSpPr>
-      <p:sp>
-        <p:nvSpPr>
-          <p:cNvPr id="2" name="Title 1">
-            <a:extLst>
-              <a:ext uri="{FF2B5EF4-FFF2-40B4-BE49-F238E27FC236}">
-                <a16:creationId xmlns:a16="http://schemas.microsoft.com/office/drawing/2014/main" id="{255EB804-F3DA-AFCE-1087-1D8FD9EC4A34}"/>
-              </a:ext>
-            </a:extLst>
-          </p:cNvPr>
-          <p:cNvSpPr>
-            <a:spLocks noGrp="1"/>
-          </p:cNvSpPr>
-          <p:nvPr>
-            <p:ph type="title"/>
-          </p:nvPr>
-        </p:nvSpPr>
-        <p:spPr>
-          <a:xfrm>
-            <a:off x="0" y="246888"/>
-            <a:ext cx="7680960" cy="585216"/>
-          </a:xfrm>
-        </p:spPr>
-        <p:txBody>
-          <a:bodyPr/>
-          <a:lstStyle/>
-          <a:p>
-            <a:r>
-              <a:rPr lang="en-US" b="1" dirty="0"/>
-              <a:t> </a:t>
-            </a:r>
-            <a:r>
-              <a:rPr lang="en-US" sz="2000" b="1" dirty="0"/>
-              <a:t>Software and Hardware Requirement Specification</a:t>
-            </a:r>
-            <a:br>
-              <a:rPr lang="en-US" sz="3200" b="1" dirty="0"/>
-            </a:br>
-            <a:endParaRPr lang="en-IN" sz="3200" dirty="0"/>
-          </a:p>
-        </p:txBody>
-      </p:sp>
-      <p:sp>
-        <p:nvSpPr>
-          <p:cNvPr id="7" name="Text Placeholder 6">
-            <a:extLst>
-              <a:ext uri="{FF2B5EF4-FFF2-40B4-BE49-F238E27FC236}">
-                <a16:creationId xmlns:a16="http://schemas.microsoft.com/office/drawing/2014/main" id="{2F87B3EF-A864-5B52-A4BA-D7287E68453C}"/>
-              </a:ext>
-            </a:extLst>
-          </p:cNvPr>
-          <p:cNvSpPr>
-            <a:spLocks noGrp="1"/>
-          </p:cNvSpPr>
-          <p:nvPr>
-            <p:ph type="body"/>
-          </p:nvPr>
-        </p:nvSpPr>
-        <p:spPr>
-          <a:xfrm>
-            <a:off x="235974" y="923544"/>
-            <a:ext cx="8908026" cy="4828032"/>
-          </a:xfrm>
-        </p:spPr>
-        <p:txBody>
-          <a:bodyPr>
-            <a:normAutofit/>
-          </a:bodyPr>
-          <a:lstStyle/>
-          <a:p>
-            <a:r>
-              <a:rPr lang="en-IN" sz="2000" b="1" dirty="0">
-                <a:latin typeface="Times New Roman" panose="02020603050405020304" pitchFamily="18" charset="0"/>
-                <a:ea typeface="Calibri" panose="020F0502020204030204" pitchFamily="34" charset="0"/>
-                <a:cs typeface="Times New Roman" panose="02020603050405020304" pitchFamily="18" charset="0"/>
-              </a:rPr>
-              <a:t>3.1 Methods</a:t>
-            </a:r>
-          </a:p>
-          <a:p>
-            <a:r>
-              <a:rPr lang="en-IN" sz="2400" b="1" dirty="0">
-                <a:latin typeface="Times New Roman" panose="02020603050405020304" pitchFamily="18" charset="0"/>
-                <a:ea typeface="Calibri" panose="020F0502020204030204" pitchFamily="34" charset="0"/>
-                <a:cs typeface="Times New Roman" panose="02020603050405020304" pitchFamily="18" charset="0"/>
-              </a:rPr>
-              <a:t>	</a:t>
-            </a:r>
-            <a:r>
-              <a:rPr lang="en-US" sz="1800" dirty="0">
-                <a:latin typeface="Times New Roman" panose="02020603050405020304" pitchFamily="18" charset="0"/>
-                <a:ea typeface="Calibri" panose="020F0502020204030204" pitchFamily="34" charset="0"/>
-                <a:cs typeface="Times New Roman" panose="02020603050405020304" pitchFamily="18" charset="0"/>
-              </a:rPr>
-              <a:t>The development methodology follows Agile principles, focusing on iterative development and continuous feedback. The project will be divided into sprints, each delivering key components of the system</a:t>
-            </a:r>
-          </a:p>
-          <a:p>
-            <a:endParaRPr lang="en-US" sz="2000" dirty="0">
-              <a:latin typeface="Times New Roman" panose="02020603050405020304" pitchFamily="18" charset="0"/>
-              <a:ea typeface="Calibri" panose="020F0502020204030204" pitchFamily="34" charset="0"/>
-              <a:cs typeface="Times New Roman" panose="02020603050405020304" pitchFamily="18" charset="0"/>
-            </a:endParaRPr>
-          </a:p>
-          <a:p>
-            <a:r>
-              <a:rPr lang="en-IN" sz="2000" b="1" dirty="0">
-                <a:latin typeface="Times New Roman" panose="02020603050405020304" pitchFamily="18" charset="0"/>
-                <a:ea typeface="Calibri" panose="020F0502020204030204" pitchFamily="34" charset="0"/>
-                <a:cs typeface="Times New Roman" panose="02020603050405020304" pitchFamily="18" charset="0"/>
-              </a:rPr>
-              <a:t>3.2 Programming/Working Environment</a:t>
-            </a:r>
-          </a:p>
-          <a:p>
-            <a:r>
-              <a:rPr lang="en-IN" sz="1800" b="1" dirty="0">
-                <a:latin typeface="Times New Roman" panose="02020603050405020304" pitchFamily="18" charset="0"/>
-                <a:ea typeface="Calibri" panose="020F0502020204030204" pitchFamily="34" charset="0"/>
-                <a:cs typeface="Times New Roman" panose="02020603050405020304" pitchFamily="18" charset="0"/>
-              </a:rPr>
-              <a:t>	</a:t>
-            </a:r>
-            <a:r>
-              <a:rPr lang="en-IN" sz="1800" dirty="0">
-                <a:latin typeface="Times New Roman" panose="02020603050405020304" pitchFamily="18" charset="0"/>
-                <a:ea typeface="Calibri" panose="020F0502020204030204" pitchFamily="34" charset="0"/>
-                <a:cs typeface="Times New Roman" panose="02020603050405020304" pitchFamily="18" charset="0"/>
-              </a:rPr>
-              <a:t>Programming Language: JavaScript (React for frontend, Node.js for backend)</a:t>
-            </a:r>
-          </a:p>
-          <a:p>
-            <a:r>
-              <a:rPr lang="en-IN" sz="1800" dirty="0">
-                <a:latin typeface="Times New Roman" panose="02020603050405020304" pitchFamily="18" charset="0"/>
-                <a:ea typeface="Calibri" panose="020F0502020204030204" pitchFamily="34" charset="0"/>
-                <a:cs typeface="Times New Roman" panose="02020603050405020304" pitchFamily="18" charset="0"/>
-              </a:rPr>
-              <a:t>	Database: MongoDB (NoSQL database)	</a:t>
-            </a:r>
-          </a:p>
-          <a:p>
-            <a:r>
-              <a:rPr lang="en-IN" sz="1800" dirty="0">
-                <a:latin typeface="Times New Roman" panose="02020603050405020304" pitchFamily="18" charset="0"/>
-                <a:ea typeface="Calibri" panose="020F0502020204030204" pitchFamily="34" charset="0"/>
-                <a:cs typeface="Times New Roman" panose="02020603050405020304" pitchFamily="18" charset="0"/>
-              </a:rPr>
-              <a:t>	Communication: WebSocket (for chat functionality)Email/SMS</a:t>
-            </a:r>
-          </a:p>
-          <a:p>
-            <a:r>
-              <a:rPr lang="en-IN" sz="1800" dirty="0">
-                <a:latin typeface="Times New Roman" panose="02020603050405020304" pitchFamily="18" charset="0"/>
-                <a:ea typeface="Calibri" panose="020F0502020204030204" pitchFamily="34" charset="0"/>
-                <a:cs typeface="Times New Roman" panose="02020603050405020304" pitchFamily="18" charset="0"/>
-              </a:rPr>
-              <a:t>               Integration: Twilio (for SMS) and Node mailer (for email notifications)</a:t>
-            </a:r>
-          </a:p>
-          <a:p>
-            <a:endParaRPr lang="en-IN" sz="2000" dirty="0">
-              <a:latin typeface="Times New Roman" panose="02020603050405020304" pitchFamily="18" charset="0"/>
-              <a:ea typeface="Calibri" panose="020F0502020204030204" pitchFamily="34" charset="0"/>
-              <a:cs typeface="Times New Roman" panose="02020603050405020304" pitchFamily="18" charset="0"/>
-            </a:endParaRPr>
-          </a:p>
-          <a:p>
-            <a:r>
-              <a:rPr lang="en-US" sz="2000" b="1" dirty="0">
-                <a:latin typeface="Times New Roman" panose="02020603050405020304" pitchFamily="18" charset="0"/>
-                <a:ea typeface="Calibri" panose="020F0502020204030204" pitchFamily="34" charset="0"/>
-                <a:cs typeface="Times New Roman" panose="02020603050405020304" pitchFamily="18" charset="0"/>
-              </a:rPr>
-              <a:t>3.3 Requirements to run the application</a:t>
-            </a:r>
-          </a:p>
-          <a:p>
-            <a:r>
-              <a:rPr lang="en-US" sz="1800" dirty="0">
-                <a:latin typeface="Times New Roman" panose="02020603050405020304" pitchFamily="18" charset="0"/>
-                <a:ea typeface="Calibri" panose="020F0502020204030204" pitchFamily="34" charset="0"/>
-                <a:cs typeface="Times New Roman" panose="02020603050405020304" pitchFamily="18" charset="0"/>
-              </a:rPr>
-              <a:t>	Operating System: Windows 10/Linux/MacOS</a:t>
-            </a:r>
-          </a:p>
-          <a:p>
-            <a:r>
-              <a:rPr lang="en-US" sz="1800" dirty="0">
-                <a:latin typeface="Times New Roman" panose="02020603050405020304" pitchFamily="18" charset="0"/>
-                <a:ea typeface="Calibri" panose="020F0502020204030204" pitchFamily="34" charset="0"/>
-                <a:cs typeface="Times New Roman" panose="02020603050405020304" pitchFamily="18" charset="0"/>
-              </a:rPr>
-              <a:t>	RAM: Minimum 8GB</a:t>
-            </a:r>
-          </a:p>
-          <a:p>
-            <a:r>
-              <a:rPr lang="en-US" sz="1800" dirty="0">
-                <a:latin typeface="Times New Roman" panose="02020603050405020304" pitchFamily="18" charset="0"/>
-                <a:ea typeface="Calibri" panose="020F0502020204030204" pitchFamily="34" charset="0"/>
-                <a:cs typeface="Times New Roman" panose="02020603050405020304" pitchFamily="18" charset="0"/>
-              </a:rPr>
-              <a:t>	Processor: Intel i5 or equivalent Software </a:t>
-            </a:r>
-          </a:p>
-          <a:p>
-            <a:r>
-              <a:rPr lang="en-US" sz="1800" dirty="0">
-                <a:latin typeface="Times New Roman" panose="02020603050405020304" pitchFamily="18" charset="0"/>
-                <a:ea typeface="Calibri" panose="020F0502020204030204" pitchFamily="34" charset="0"/>
-                <a:cs typeface="Times New Roman" panose="02020603050405020304" pitchFamily="18" charset="0"/>
-              </a:rPr>
-              <a:t>	Dependencies: Node.js, MongoDB , Express</a:t>
-            </a:r>
-          </a:p>
-          <a:p>
-            <a:r>
-              <a:rPr lang="en-US" sz="1800" dirty="0">
-                <a:latin typeface="Times New Roman" panose="02020603050405020304" pitchFamily="18" charset="0"/>
-                <a:ea typeface="Calibri" panose="020F0502020204030204" pitchFamily="34" charset="0"/>
-                <a:cs typeface="Times New Roman" panose="02020603050405020304" pitchFamily="18" charset="0"/>
-              </a:rPr>
-              <a:t>	Browser: Latest versions of Chrome, Firefox, or Safari</a:t>
-            </a:r>
-            <a:endParaRPr lang="en-IN" sz="1800" dirty="0">
-              <a:latin typeface="Times New Roman" panose="02020603050405020304" pitchFamily="18" charset="0"/>
-              <a:ea typeface="Calibri" panose="020F0502020204030204" pitchFamily="34" charset="0"/>
-              <a:cs typeface="Times New Roman" panose="02020603050405020304" pitchFamily="18" charset="0"/>
-            </a:endParaRPr>
-          </a:p>
-        </p:txBody>
-      </p:sp>
-    </p:spTree>
-    <p:extLst>
-      <p:ext uri="{BB962C8B-B14F-4D97-AF65-F5344CB8AC3E}">
-        <p14:creationId xmlns:p14="http://schemas.microsoft.com/office/powerpoint/2010/main" val="3278424306"/>
-      </p:ext>
-    </p:extLst>
-  </p:cSld>
-  <p:clrMapOvr>
-    <a:masterClrMapping/>
-  </p:clrMapOvr>
-</p:sld>
-</file>
-
-<file path=ppt/slides/slide6.xml><?xml version="1.0" encoding="utf-8"?>
-<p:sld xmlns:a="http://schemas.openxmlformats.org/drawingml/2006/main" xmlns:r="http://schemas.openxmlformats.org/officeDocument/2006/relationships" xmlns:p="http://schemas.openxmlformats.org/presentationml/2006/main">
-  <p:cSld>
-    <p:spTree>
-      <p:nvGrpSpPr>
-        <p:cNvPr id="1" name=""/>
-        <p:cNvGrpSpPr/>
-        <p:nvPr/>
-      </p:nvGrpSpPr>
-      <p:grpSpPr>
-        <a:xfrm>
-          <a:off x="0" y="0"/>
-          <a:ext cx="0" cy="0"/>
-          <a:chOff x="0" y="0"/>
-          <a:chExt cx="0" cy="0"/>
-        </a:xfrm>
-      </p:grpSpPr>
-      <p:sp>
-        <p:nvSpPr>
-          <p:cNvPr id="2" name="Title 1">
-            <a:extLst>
-              <a:ext uri="{FF2B5EF4-FFF2-40B4-BE49-F238E27FC236}">
-                <a16:creationId xmlns:a16="http://schemas.microsoft.com/office/drawing/2014/main" id="{205BD58C-864C-9F7C-3053-7FED77B8D63E}"/>
-              </a:ext>
-            </a:extLst>
-          </p:cNvPr>
-          <p:cNvSpPr>
-            <a:spLocks noGrp="1"/>
-          </p:cNvSpPr>
-          <p:nvPr>
-            <p:ph type="title"/>
-          </p:nvPr>
-        </p:nvSpPr>
-        <p:spPr>
-          <a:xfrm>
-            <a:off x="128016" y="0"/>
-            <a:ext cx="6931742" cy="914040"/>
-          </a:xfrm>
-        </p:spPr>
-        <p:txBody>
-          <a:bodyPr/>
-          <a:lstStyle/>
-          <a:p>
-            <a:r>
-              <a:rPr lang="en-IN" sz="2000" b="1" dirty="0"/>
-              <a:t>Landing Page of the website</a:t>
-            </a:r>
-          </a:p>
-        </p:txBody>
-      </p:sp>
-      <p:pic>
-        <p:nvPicPr>
-          <p:cNvPr id="4" name="Picture 3">
-            <a:extLst>
-              <a:ext uri="{FF2B5EF4-FFF2-40B4-BE49-F238E27FC236}">
-                <a16:creationId xmlns:a16="http://schemas.microsoft.com/office/drawing/2014/main" id="{5B342FA2-2FD9-029E-3CF6-F85DAF0E89F2}"/>
-              </a:ext>
-            </a:extLst>
-          </p:cNvPr>
-          <p:cNvPicPr>
-            <a:picLocks noChangeAspect="1"/>
-          </p:cNvPicPr>
-          <p:nvPr/>
-        </p:nvPicPr>
-        <p:blipFill>
-          <a:blip r:embed="rId2">
-            <a:extLst>
-              <a:ext uri="{28A0092B-C50C-407E-A947-70E740481C1C}">
-                <a14:useLocalDpi xmlns:a14="http://schemas.microsoft.com/office/drawing/2010/main" val="0"/>
-              </a:ext>
-            </a:extLst>
-          </a:blip>
-          <a:stretch>
-            <a:fillRect/>
-          </a:stretch>
-        </p:blipFill>
-        <p:spPr>
-          <a:xfrm>
-            <a:off x="0" y="1241726"/>
-            <a:ext cx="9144000" cy="4722019"/>
-          </a:xfrm>
-          <a:prstGeom prst="rect">
-            <a:avLst/>
-          </a:prstGeom>
-        </p:spPr>
-      </p:pic>
-    </p:spTree>
-    <p:extLst>
-      <p:ext uri="{BB962C8B-B14F-4D97-AF65-F5344CB8AC3E}">
-        <p14:creationId xmlns:p14="http://schemas.microsoft.com/office/powerpoint/2010/main" val="2710798209"/>
-      </p:ext>
-    </p:extLst>
-  </p:cSld>
-  <p:clrMapOvr>
-    <a:masterClrMapping/>
-  </p:clrMapOvr>
-</p:sld>
-</file>
-
-<file path=ppt/slides/slide7.xml><?xml version="1.0" encoding="utf-8"?>
-<p:sld xmlns:a="http://schemas.openxmlformats.org/drawingml/2006/main" xmlns:r="http://schemas.openxmlformats.org/officeDocument/2006/relationships" xmlns:p="http://schemas.openxmlformats.org/presentationml/2006/main">
-  <p:cSld>
-    <p:spTree>
-      <p:nvGrpSpPr>
-        <p:cNvPr id="1" name=""/>
-        <p:cNvGrpSpPr/>
-        <p:nvPr/>
-      </p:nvGrpSpPr>
-      <p:grpSpPr>
-        <a:xfrm>
-          <a:off x="0" y="0"/>
-          <a:ext cx="0" cy="0"/>
-          <a:chOff x="0" y="0"/>
-          <a:chExt cx="0" cy="0"/>
-        </a:xfrm>
-      </p:grpSpPr>
-      <p:pic>
-        <p:nvPicPr>
-          <p:cNvPr id="3" name="Picture 2">
-            <a:extLst>
-              <a:ext uri="{FF2B5EF4-FFF2-40B4-BE49-F238E27FC236}">
-                <a16:creationId xmlns:a16="http://schemas.microsoft.com/office/drawing/2014/main" id="{889AE043-5ABB-333A-E416-BC134C0F5EC4}"/>
-              </a:ext>
-            </a:extLst>
-          </p:cNvPr>
-          <p:cNvPicPr>
-            <a:picLocks noChangeAspect="1"/>
-          </p:cNvPicPr>
-          <p:nvPr/>
-        </p:nvPicPr>
-        <p:blipFill>
-          <a:blip r:embed="rId2">
-            <a:extLst>
-              <a:ext uri="{28A0092B-C50C-407E-A947-70E740481C1C}">
-                <a14:useLocalDpi xmlns:a14="http://schemas.microsoft.com/office/drawing/2010/main" val="0"/>
-              </a:ext>
-            </a:extLst>
-          </a:blip>
-          <a:stretch>
-            <a:fillRect/>
-          </a:stretch>
-        </p:blipFill>
-        <p:spPr>
-          <a:xfrm>
-            <a:off x="0" y="1067990"/>
-            <a:ext cx="9144000" cy="4722019"/>
-          </a:xfrm>
-          <a:prstGeom prst="rect">
-            <a:avLst/>
-          </a:prstGeom>
-        </p:spPr>
-      </p:pic>
-    </p:spTree>
-    <p:extLst>
-      <p:ext uri="{BB962C8B-B14F-4D97-AF65-F5344CB8AC3E}">
-        <p14:creationId xmlns:p14="http://schemas.microsoft.com/office/powerpoint/2010/main" val="2479407671"/>
-      </p:ext>
-    </p:extLst>
-  </p:cSld>
-  <p:clrMapOvr>
-    <a:masterClrMapping/>
-  </p:clrMapOvr>
-</p:sld>
-</file>
-
-<file path=ppt/slides/slide8.xml><?xml version="1.0" encoding="utf-8"?>
-<p:sld xmlns:a="http://schemas.openxmlformats.org/drawingml/2006/main" xmlns:r="http://schemas.openxmlformats.org/officeDocument/2006/relationships" xmlns:p="http://schemas.openxmlformats.org/presentationml/2006/main">
-  <p:cSld>
-    <p:spTree>
-      <p:nvGrpSpPr>
-        <p:cNvPr id="1" name=""/>
-        <p:cNvGrpSpPr/>
-        <p:nvPr/>
-      </p:nvGrpSpPr>
-      <p:grpSpPr>
-        <a:xfrm>
-          <a:off x="0" y="0"/>
-          <a:ext cx="0" cy="0"/>
-          <a:chOff x="0" y="0"/>
-          <a:chExt cx="0" cy="0"/>
-        </a:xfrm>
-      </p:grpSpPr>
-      <p:pic>
-        <p:nvPicPr>
-          <p:cNvPr id="4" name="Picture 3">
-            <a:extLst>
-              <a:ext uri="{FF2B5EF4-FFF2-40B4-BE49-F238E27FC236}">
-                <a16:creationId xmlns:a16="http://schemas.microsoft.com/office/drawing/2014/main" id="{CD81767D-DA10-6EF6-D42B-4B8CB6C6AAF1}"/>
-              </a:ext>
-            </a:extLst>
-          </p:cNvPr>
-          <p:cNvPicPr>
-            <a:picLocks noChangeAspect="1"/>
-          </p:cNvPicPr>
-          <p:nvPr/>
-        </p:nvPicPr>
-        <p:blipFill>
-          <a:blip r:embed="rId2">
-            <a:extLst>
-              <a:ext uri="{28A0092B-C50C-407E-A947-70E740481C1C}">
-                <a14:useLocalDpi xmlns:a14="http://schemas.microsoft.com/office/drawing/2010/main" val="0"/>
-              </a:ext>
-            </a:extLst>
-          </a:blip>
-          <a:stretch>
-            <a:fillRect/>
-          </a:stretch>
-        </p:blipFill>
-        <p:spPr>
-          <a:xfrm>
-            <a:off x="0" y="1071562"/>
-            <a:ext cx="9144000" cy="4714875"/>
-          </a:xfrm>
-          <a:prstGeom prst="rect">
-            <a:avLst/>
-          </a:prstGeom>
-        </p:spPr>
-      </p:pic>
-    </p:spTree>
-    <p:extLst>
-      <p:ext uri="{BB962C8B-B14F-4D97-AF65-F5344CB8AC3E}">
-        <p14:creationId xmlns:p14="http://schemas.microsoft.com/office/powerpoint/2010/main" val="3608813261"/>
-      </p:ext>
-    </p:extLst>
-  </p:cSld>
-  <p:clrMapOvr>
-    <a:masterClrMapping/>
-  </p:clrMapOvr>
-</p:sld>
-</file>
-
-<file path=ppt/slides/slide9.xml><?xml version="1.0" encoding="utf-8"?>
-<p:sld xmlns:a="http://schemas.openxmlformats.org/drawingml/2006/main" xmlns:r="http://schemas.openxmlformats.org/officeDocument/2006/relationships" xmlns:p="http://schemas.openxmlformats.org/presentationml/2006/main">
-  <p:cSld>
-    <p:spTree>
-      <p:nvGrpSpPr>
-        <p:cNvPr id="1" name=""/>
-        <p:cNvGrpSpPr/>
-        <p:nvPr/>
-      </p:nvGrpSpPr>
-      <p:grpSpPr>
-        <a:xfrm>
-          <a:off x="0" y="0"/>
-          <a:ext cx="0" cy="0"/>
-          <a:chOff x="0" y="0"/>
-          <a:chExt cx="0" cy="0"/>
-        </a:xfrm>
-      </p:grpSpPr>
-      <p:pic>
-        <p:nvPicPr>
-          <p:cNvPr id="3" name="Picture 2">
-            <a:extLst>
-              <a:ext uri="{FF2B5EF4-FFF2-40B4-BE49-F238E27FC236}">
-                <a16:creationId xmlns:a16="http://schemas.microsoft.com/office/drawing/2014/main" id="{6CDE9A27-3531-8C86-6C8C-17D5B546F827}"/>
-              </a:ext>
-            </a:extLst>
-          </p:cNvPr>
-          <p:cNvPicPr>
-            <a:picLocks noChangeAspect="1"/>
-          </p:cNvPicPr>
-          <p:nvPr/>
-        </p:nvPicPr>
-        <p:blipFill>
-          <a:blip r:embed="rId2">
-            <a:extLst>
-              <a:ext uri="{28A0092B-C50C-407E-A947-70E740481C1C}">
-                <a14:useLocalDpi xmlns:a14="http://schemas.microsoft.com/office/drawing/2010/main" val="0"/>
-              </a:ext>
-            </a:extLst>
-          </a:blip>
-          <a:stretch>
-            <a:fillRect/>
-          </a:stretch>
-        </p:blipFill>
-        <p:spPr>
-          <a:xfrm>
-            <a:off x="1563624" y="827818"/>
-            <a:ext cx="5806440" cy="2939978"/>
-          </a:xfrm>
-          <a:prstGeom prst="rect">
-            <a:avLst/>
-          </a:prstGeom>
-        </p:spPr>
-      </p:pic>
-      <p:pic>
-        <p:nvPicPr>
-          <p:cNvPr id="5" name="Picture 4">
-            <a:extLst>
-              <a:ext uri="{FF2B5EF4-FFF2-40B4-BE49-F238E27FC236}">
-                <a16:creationId xmlns:a16="http://schemas.microsoft.com/office/drawing/2014/main" id="{0C0E83A7-85FB-6234-4655-8AF6E985949F}"/>
-              </a:ext>
-            </a:extLst>
-          </p:cNvPr>
-          <p:cNvPicPr>
-            <a:picLocks noChangeAspect="1"/>
-          </p:cNvPicPr>
-          <p:nvPr/>
-        </p:nvPicPr>
-        <p:blipFill>
-          <a:blip r:embed="rId3">
-            <a:extLst>
-              <a:ext uri="{28A0092B-C50C-407E-A947-70E740481C1C}">
-                <a14:useLocalDpi xmlns:a14="http://schemas.microsoft.com/office/drawing/2010/main" val="0"/>
-              </a:ext>
-            </a:extLst>
-          </a:blip>
-          <a:stretch>
-            <a:fillRect/>
-          </a:stretch>
-        </p:blipFill>
-        <p:spPr>
-          <a:xfrm>
-            <a:off x="1563624" y="3767796"/>
-            <a:ext cx="5806440" cy="2943901"/>
-          </a:xfrm>
-          <a:prstGeom prst="rect">
-            <a:avLst/>
-          </a:prstGeom>
-        </p:spPr>
-      </p:pic>
-    </p:spTree>
-    <p:extLst>
-      <p:ext uri="{BB962C8B-B14F-4D97-AF65-F5344CB8AC3E}">
-        <p14:creationId xmlns:p14="http://schemas.microsoft.com/office/powerpoint/2010/main" val="1249019166"/>
       </p:ext>
     </p:extLst>
   </p:cSld>
